--- a/figures/figures.pptx
+++ b/figures/figures.pptx
@@ -5,7 +5,7 @@
     <p:sldMasterId id="2147483696" r:id="rId1"/>
   </p:sldMasterIdLst>
   <p:notesMasterIdLst>
-    <p:notesMasterId r:id="rId33"/>
+    <p:notesMasterId r:id="rId34"/>
   </p:notesMasterIdLst>
   <p:sldIdLst>
     <p:sldId id="287" r:id="rId2"/>
@@ -16,29 +16,30 @@
     <p:sldId id="286" r:id="rId7"/>
     <p:sldId id="288" r:id="rId8"/>
     <p:sldId id="290" r:id="rId9"/>
-    <p:sldId id="284" r:id="rId10"/>
-    <p:sldId id="283" r:id="rId11"/>
-    <p:sldId id="258" r:id="rId12"/>
-    <p:sldId id="257" r:id="rId13"/>
-    <p:sldId id="259" r:id="rId14"/>
-    <p:sldId id="260" r:id="rId15"/>
-    <p:sldId id="278" r:id="rId16"/>
-    <p:sldId id="265" r:id="rId17"/>
-    <p:sldId id="277" r:id="rId18"/>
-    <p:sldId id="266" r:id="rId19"/>
-    <p:sldId id="267" r:id="rId20"/>
-    <p:sldId id="268" r:id="rId21"/>
-    <p:sldId id="269" r:id="rId22"/>
-    <p:sldId id="270" r:id="rId23"/>
-    <p:sldId id="271" r:id="rId24"/>
-    <p:sldId id="272" r:id="rId25"/>
-    <p:sldId id="273" r:id="rId26"/>
-    <p:sldId id="274" r:id="rId27"/>
-    <p:sldId id="275" r:id="rId28"/>
-    <p:sldId id="276" r:id="rId29"/>
-    <p:sldId id="279" r:id="rId30"/>
-    <p:sldId id="280" r:id="rId31"/>
-    <p:sldId id="281" r:id="rId32"/>
+    <p:sldId id="293" r:id="rId10"/>
+    <p:sldId id="284" r:id="rId11"/>
+    <p:sldId id="283" r:id="rId12"/>
+    <p:sldId id="258" r:id="rId13"/>
+    <p:sldId id="257" r:id="rId14"/>
+    <p:sldId id="259" r:id="rId15"/>
+    <p:sldId id="260" r:id="rId16"/>
+    <p:sldId id="278" r:id="rId17"/>
+    <p:sldId id="265" r:id="rId18"/>
+    <p:sldId id="277" r:id="rId19"/>
+    <p:sldId id="266" r:id="rId20"/>
+    <p:sldId id="267" r:id="rId21"/>
+    <p:sldId id="268" r:id="rId22"/>
+    <p:sldId id="269" r:id="rId23"/>
+    <p:sldId id="270" r:id="rId24"/>
+    <p:sldId id="271" r:id="rId25"/>
+    <p:sldId id="272" r:id="rId26"/>
+    <p:sldId id="273" r:id="rId27"/>
+    <p:sldId id="274" r:id="rId28"/>
+    <p:sldId id="275" r:id="rId29"/>
+    <p:sldId id="276" r:id="rId30"/>
+    <p:sldId id="279" r:id="rId31"/>
+    <p:sldId id="280" r:id="rId32"/>
+    <p:sldId id="281" r:id="rId33"/>
   </p:sldIdLst>
   <p:sldSz cx="9144000" cy="6858000" type="screen4x3"/>
   <p:notesSz cx="6858000" cy="9144000"/>
@@ -3470,6 +3471,66 @@
           <a:chExt cx="0" cy="0"/>
         </a:xfrm>
       </p:grpSpPr>
+      <p:sp>
+        <p:nvSpPr>
+          <p:cNvPr id="2" name="CuadroTexto 1"/>
+          <p:cNvSpPr txBox="1"/>
+          <p:nvPr/>
+        </p:nvSpPr>
+        <p:spPr>
+          <a:xfrm>
+            <a:off x="0" y="3123210"/>
+            <a:ext cx="9144000" cy="707886"/>
+          </a:xfrm>
+          <a:prstGeom prst="rect">
+            <a:avLst/>
+          </a:prstGeom>
+          <a:noFill/>
+        </p:spPr>
+        <p:txBody>
+          <a:bodyPr wrap="square" rtlCol="0">
+            <a:spAutoFit/>
+          </a:bodyPr>
+          <a:lstStyle/>
+          <a:p>
+            <a:pPr algn="ctr"/>
+            <a:r>
+              <a:rPr lang="es-ES_tradnl" sz="4000"/>
+              <a:t>Diagramas viejitos</a:t>
+            </a:r>
+          </a:p>
+        </p:txBody>
+      </p:sp>
+    </p:spTree>
+    <p:extLst>
+      <p:ext uri="{BB962C8B-B14F-4D97-AF65-F5344CB8AC3E}">
+        <p14:creationId xmlns:p14="http://schemas.microsoft.com/office/powerpoint/2010/main" val="37054312"/>
+      </p:ext>
+    </p:extLst>
+  </p:cSld>
+  <p:clrMapOvr>
+    <a:masterClrMapping/>
+  </p:clrMapOvr>
+</p:sld>
+</file>
+
+<file path=ppt/slides/slide11.xml><?xml version="1.0" encoding="utf-8"?>
+<p:sld xmlns:a="http://schemas.openxmlformats.org/drawingml/2006/main" xmlns:r="http://schemas.openxmlformats.org/officeDocument/2006/relationships" xmlns:p="http://schemas.openxmlformats.org/presentationml/2006/main">
+  <p:cSld>
+    <p:spTree>
+      <p:nvGrpSpPr>
+        <p:cNvPr id="1" name=""/>
+        <p:cNvGrpSpPr/>
+        <p:nvPr/>
+      </p:nvGrpSpPr>
+      <p:grpSpPr>
+        <a:xfrm>
+          <a:off x="0" y="0"/>
+          <a:ext cx="0" cy="0"/>
+          <a:chOff x="0" y="0"/>
+          <a:chExt cx="0" cy="0"/>
+        </a:xfrm>
+      </p:grpSpPr>
       <p:grpSp>
         <p:nvGrpSpPr>
           <p:cNvPr id="36" name="Agrupar 35"/>
@@ -4136,7 +4197,7 @@
 </p:sld>
 </file>
 
-<file path=ppt/slides/slide11.xml><?xml version="1.0" encoding="utf-8"?>
+<file path=ppt/slides/slide12.xml><?xml version="1.0" encoding="utf-8"?>
 <p:sld xmlns:a="http://schemas.openxmlformats.org/drawingml/2006/main" xmlns:r="http://schemas.openxmlformats.org/officeDocument/2006/relationships" xmlns:p="http://schemas.openxmlformats.org/presentationml/2006/main">
   <p:cSld>
     <p:spTree>
@@ -4664,7 +4725,7 @@
 </p:sld>
 </file>
 
-<file path=ppt/slides/slide12.xml><?xml version="1.0" encoding="utf-8"?>
+<file path=ppt/slides/slide13.xml><?xml version="1.0" encoding="utf-8"?>
 <p:sld xmlns:a="http://schemas.openxmlformats.org/drawingml/2006/main" xmlns:r="http://schemas.openxmlformats.org/officeDocument/2006/relationships" xmlns:p="http://schemas.openxmlformats.org/presentationml/2006/main">
   <p:cSld>
     <p:spTree>
@@ -5512,7 +5573,7 @@
 </p:sld>
 </file>
 
-<file path=ppt/slides/slide13.xml><?xml version="1.0" encoding="utf-8"?>
+<file path=ppt/slides/slide14.xml><?xml version="1.0" encoding="utf-8"?>
 <p:sld xmlns:a="http://schemas.openxmlformats.org/drawingml/2006/main" xmlns:r="http://schemas.openxmlformats.org/officeDocument/2006/relationships" xmlns:p="http://schemas.openxmlformats.org/presentationml/2006/main">
   <p:cSld>
     <p:spTree>
@@ -6015,7 +6076,7 @@
 </p:sld>
 </file>
 
-<file path=ppt/slides/slide14.xml><?xml version="1.0" encoding="utf-8"?>
+<file path=ppt/slides/slide15.xml><?xml version="1.0" encoding="utf-8"?>
 <p:sld xmlns:a="http://schemas.openxmlformats.org/drawingml/2006/main" xmlns:r="http://schemas.openxmlformats.org/officeDocument/2006/relationships" xmlns:p="http://schemas.openxmlformats.org/presentationml/2006/main">
   <p:cSld>
     <p:spTree>
@@ -6736,7 +6797,7 @@
 </p:sld>
 </file>
 
-<file path=ppt/slides/slide15.xml><?xml version="1.0" encoding="utf-8"?>
+<file path=ppt/slides/slide16.xml><?xml version="1.0" encoding="utf-8"?>
 <p:sld xmlns:a="http://schemas.openxmlformats.org/drawingml/2006/main" xmlns:r="http://schemas.openxmlformats.org/officeDocument/2006/relationships" xmlns:p="http://schemas.openxmlformats.org/presentationml/2006/main">
   <p:cSld>
     <p:spTree>
@@ -7343,7 +7404,7 @@
 </p:sld>
 </file>
 
-<file path=ppt/slides/slide16.xml><?xml version="1.0" encoding="utf-8"?>
+<file path=ppt/slides/slide17.xml><?xml version="1.0" encoding="utf-8"?>
 <p:sld xmlns:a="http://schemas.openxmlformats.org/drawingml/2006/main" xmlns:r="http://schemas.openxmlformats.org/officeDocument/2006/relationships" xmlns:p="http://schemas.openxmlformats.org/presentationml/2006/main">
   <p:cSld>
     <p:spTree>
@@ -7645,7 +7706,7 @@
 </p:sld>
 </file>
 
-<file path=ppt/slides/slide17.xml><?xml version="1.0" encoding="utf-8"?>
+<file path=ppt/slides/slide18.xml><?xml version="1.0" encoding="utf-8"?>
 <p:sld xmlns:a="http://schemas.openxmlformats.org/drawingml/2006/main" xmlns:r="http://schemas.openxmlformats.org/officeDocument/2006/relationships" xmlns:p="http://schemas.openxmlformats.org/presentationml/2006/main">
   <p:cSld>
     <p:spTree>
@@ -8476,7 +8537,7 @@
 </p:sld>
 </file>
 
-<file path=ppt/slides/slide18.xml><?xml version="1.0" encoding="utf-8"?>
+<file path=ppt/slides/slide19.xml><?xml version="1.0" encoding="utf-8"?>
 <p:sld xmlns:a="http://schemas.openxmlformats.org/drawingml/2006/main" xmlns:r="http://schemas.openxmlformats.org/officeDocument/2006/relationships" xmlns:p="http://schemas.openxmlformats.org/presentationml/2006/main">
   <p:cSld>
     <p:spTree>
@@ -8587,899 +8648,6 @@
     <p:extLst>
       <p:ext uri="{BB962C8B-B14F-4D97-AF65-F5344CB8AC3E}">
         <p14:creationId xmlns:p14="http://schemas.microsoft.com/office/powerpoint/2010/main" val="1087554843"/>
-      </p:ext>
-    </p:extLst>
-  </p:cSld>
-  <p:clrMapOvr>
-    <a:masterClrMapping/>
-  </p:clrMapOvr>
-</p:sld>
-</file>
-
-<file path=ppt/slides/slide19.xml><?xml version="1.0" encoding="utf-8"?>
-<p:sld xmlns:a="http://schemas.openxmlformats.org/drawingml/2006/main" xmlns:r="http://schemas.openxmlformats.org/officeDocument/2006/relationships" xmlns:p="http://schemas.openxmlformats.org/presentationml/2006/main">
-  <p:cSld>
-    <p:spTree>
-      <p:nvGrpSpPr>
-        <p:cNvPr id="1" name=""/>
-        <p:cNvGrpSpPr/>
-        <p:nvPr/>
-      </p:nvGrpSpPr>
-      <p:grpSpPr>
-        <a:xfrm>
-          <a:off x="0" y="0"/>
-          <a:ext cx="0" cy="0"/>
-          <a:chOff x="0" y="0"/>
-          <a:chExt cx="0" cy="0"/>
-        </a:xfrm>
-      </p:grpSpPr>
-      <p:cxnSp>
-        <p:nvCxnSpPr>
-          <p:cNvPr id="9" name="Conector recto 8"/>
-          <p:cNvCxnSpPr>
-            <a:endCxn id="3" idx="4"/>
-          </p:cNvCxnSpPr>
-          <p:nvPr/>
-        </p:nvCxnSpPr>
-        <p:spPr>
-          <a:xfrm>
-            <a:off x="2740521" y="3518701"/>
-            <a:ext cx="1052915" cy="605123"/>
-          </a:xfrm>
-          <a:prstGeom prst="line">
-            <a:avLst/>
-          </a:prstGeom>
-          <a:ln w="28575">
-            <a:solidFill>
-              <a:schemeClr val="tx1"/>
-            </a:solidFill>
-            <a:prstDash val="sysDash"/>
-          </a:ln>
-        </p:spPr>
-        <p:style>
-          <a:lnRef idx="1">
-            <a:schemeClr val="accent1"/>
-          </a:lnRef>
-          <a:fillRef idx="0">
-            <a:schemeClr val="accent1"/>
-          </a:fillRef>
-          <a:effectRef idx="0">
-            <a:schemeClr val="accent1"/>
-          </a:effectRef>
-          <a:fontRef idx="minor">
-            <a:schemeClr val="tx1"/>
-          </a:fontRef>
-        </p:style>
-      </p:cxnSp>
-      <p:cxnSp>
-        <p:nvCxnSpPr>
-          <p:cNvPr id="7" name="Conector recto 6"/>
-          <p:cNvCxnSpPr/>
-          <p:nvPr/>
-        </p:nvCxnSpPr>
-        <p:spPr>
-          <a:xfrm flipV="1">
-            <a:off x="1689367" y="3518701"/>
-            <a:ext cx="1055319" cy="605123"/>
-          </a:xfrm>
-          <a:prstGeom prst="line">
-            <a:avLst/>
-          </a:prstGeom>
-          <a:ln w="28575">
-            <a:solidFill>
-              <a:schemeClr val="tx1"/>
-            </a:solidFill>
-            <a:prstDash val="sysDash"/>
-          </a:ln>
-        </p:spPr>
-        <p:style>
-          <a:lnRef idx="1">
-            <a:schemeClr val="accent1"/>
-          </a:lnRef>
-          <a:fillRef idx="0">
-            <a:schemeClr val="accent1"/>
-          </a:fillRef>
-          <a:effectRef idx="0">
-            <a:schemeClr val="accent1"/>
-          </a:effectRef>
-          <a:fontRef idx="minor">
-            <a:schemeClr val="tx1"/>
-          </a:fontRef>
-        </p:style>
-      </p:cxnSp>
-      <p:sp>
-        <p:nvSpPr>
-          <p:cNvPr id="3" name="Triángulo 2"/>
-          <p:cNvSpPr/>
-          <p:nvPr/>
-        </p:nvSpPr>
-        <p:spPr>
-          <a:xfrm>
-            <a:off x="1692965" y="2313071"/>
-            <a:ext cx="2100473" cy="1810752"/>
-          </a:xfrm>
-          <a:prstGeom prst="triangle">
-            <a:avLst/>
-          </a:prstGeom>
-          <a:noFill/>
-          <a:ln>
-            <a:solidFill>
-              <a:srgbClr val="FF0000"/>
-            </a:solidFill>
-            <a:prstDash val="sysDash"/>
-          </a:ln>
-        </p:spPr>
-        <p:style>
-          <a:lnRef idx="2">
-            <a:schemeClr val="accent1">
-              <a:shade val="50000"/>
-            </a:schemeClr>
-          </a:lnRef>
-          <a:fillRef idx="1">
-            <a:schemeClr val="accent1"/>
-          </a:fillRef>
-          <a:effectRef idx="0">
-            <a:schemeClr val="accent1"/>
-          </a:effectRef>
-          <a:fontRef idx="minor">
-            <a:schemeClr val="lt1"/>
-          </a:fontRef>
-        </p:style>
-        <p:txBody>
-          <a:bodyPr rtlCol="0" anchor="ctr"/>
-          <a:lstStyle/>
-          <a:p>
-            <a:pPr algn="ctr"/>
-            <a:endParaRPr lang="es-ES_tradnl" sz="1351"/>
-          </a:p>
-        </p:txBody>
-      </p:sp>
-      <p:sp>
-        <p:nvSpPr>
-          <p:cNvPr id="2" name="Elipse 1"/>
-          <p:cNvSpPr/>
-          <p:nvPr/>
-        </p:nvSpPr>
-        <p:spPr>
-          <a:xfrm>
-            <a:off x="2671012" y="2240884"/>
-            <a:ext cx="144379" cy="144379"/>
-          </a:xfrm>
-          <a:prstGeom prst="ellipse">
-            <a:avLst/>
-          </a:prstGeom>
-          <a:solidFill>
-            <a:schemeClr val="tx1"/>
-          </a:solidFill>
-          <a:ln>
-            <a:noFill/>
-          </a:ln>
-        </p:spPr>
-        <p:style>
-          <a:lnRef idx="2">
-            <a:schemeClr val="accent1">
-              <a:shade val="50000"/>
-            </a:schemeClr>
-          </a:lnRef>
-          <a:fillRef idx="1">
-            <a:schemeClr val="accent1"/>
-          </a:fillRef>
-          <a:effectRef idx="0">
-            <a:schemeClr val="accent1"/>
-          </a:effectRef>
-          <a:fontRef idx="minor">
-            <a:schemeClr val="lt1"/>
-          </a:fontRef>
-        </p:style>
-        <p:txBody>
-          <a:bodyPr rtlCol="0" anchor="ctr"/>
-          <a:lstStyle/>
-          <a:p>
-            <a:pPr algn="ctr"/>
-            <a:endParaRPr lang="es-ES_tradnl" sz="1351"/>
-          </a:p>
-        </p:txBody>
-      </p:sp>
-      <p:sp>
-        <p:nvSpPr>
-          <p:cNvPr id="4" name="Elipse 3"/>
-          <p:cNvSpPr/>
-          <p:nvPr/>
-        </p:nvSpPr>
-        <p:spPr>
-          <a:xfrm>
-            <a:off x="1620775" y="4051635"/>
-            <a:ext cx="144379" cy="144379"/>
-          </a:xfrm>
-          <a:prstGeom prst="ellipse">
-            <a:avLst/>
-          </a:prstGeom>
-          <a:solidFill>
-            <a:schemeClr val="tx1"/>
-          </a:solidFill>
-          <a:ln>
-            <a:noFill/>
-          </a:ln>
-        </p:spPr>
-        <p:style>
-          <a:lnRef idx="2">
-            <a:schemeClr val="accent1">
-              <a:shade val="50000"/>
-            </a:schemeClr>
-          </a:lnRef>
-          <a:fillRef idx="1">
-            <a:schemeClr val="accent1"/>
-          </a:fillRef>
-          <a:effectRef idx="0">
-            <a:schemeClr val="accent1"/>
-          </a:effectRef>
-          <a:fontRef idx="minor">
-            <a:schemeClr val="lt1"/>
-          </a:fontRef>
-        </p:style>
-        <p:txBody>
-          <a:bodyPr rtlCol="0" anchor="ctr"/>
-          <a:lstStyle/>
-          <a:p>
-            <a:pPr algn="ctr"/>
-            <a:endParaRPr lang="es-ES_tradnl" sz="1351"/>
-          </a:p>
-        </p:txBody>
-      </p:sp>
-      <p:sp>
-        <p:nvSpPr>
-          <p:cNvPr id="5" name="Elipse 4"/>
-          <p:cNvSpPr/>
-          <p:nvPr/>
-        </p:nvSpPr>
-        <p:spPr>
-          <a:xfrm>
-            <a:off x="3721248" y="4051635"/>
-            <a:ext cx="144379" cy="144379"/>
-          </a:xfrm>
-          <a:prstGeom prst="ellipse">
-            <a:avLst/>
-          </a:prstGeom>
-          <a:solidFill>
-            <a:schemeClr val="tx1"/>
-          </a:solidFill>
-          <a:ln>
-            <a:noFill/>
-          </a:ln>
-        </p:spPr>
-        <p:style>
-          <a:lnRef idx="2">
-            <a:schemeClr val="accent1">
-              <a:shade val="50000"/>
-            </a:schemeClr>
-          </a:lnRef>
-          <a:fillRef idx="1">
-            <a:schemeClr val="accent1"/>
-          </a:fillRef>
-          <a:effectRef idx="0">
-            <a:schemeClr val="accent1"/>
-          </a:effectRef>
-          <a:fontRef idx="minor">
-            <a:schemeClr val="lt1"/>
-          </a:fontRef>
-        </p:style>
-        <p:txBody>
-          <a:bodyPr rtlCol="0" anchor="ctr"/>
-          <a:lstStyle/>
-          <a:p>
-            <a:pPr algn="ctr"/>
-            <a:endParaRPr lang="es-ES_tradnl" sz="1351"/>
-          </a:p>
-        </p:txBody>
-      </p:sp>
-      <p:cxnSp>
-        <p:nvCxnSpPr>
-          <p:cNvPr id="16" name="Conector recto 15"/>
-          <p:cNvCxnSpPr>
-            <a:stCxn id="2" idx="4"/>
-          </p:cNvCxnSpPr>
-          <p:nvPr/>
-        </p:nvCxnSpPr>
-        <p:spPr>
-          <a:xfrm>
-            <a:off x="2743200" y="2385262"/>
-            <a:ext cx="0" cy="1133439"/>
-          </a:xfrm>
-          <a:prstGeom prst="line">
-            <a:avLst/>
-          </a:prstGeom>
-          <a:ln w="28575">
-            <a:solidFill>
-              <a:schemeClr val="tx1"/>
-            </a:solidFill>
-            <a:prstDash val="sysDash"/>
-          </a:ln>
-        </p:spPr>
-        <p:style>
-          <a:lnRef idx="1">
-            <a:schemeClr val="accent1"/>
-          </a:lnRef>
-          <a:fillRef idx="0">
-            <a:schemeClr val="accent1"/>
-          </a:fillRef>
-          <a:effectRef idx="0">
-            <a:schemeClr val="accent1"/>
-          </a:effectRef>
-          <a:fontRef idx="minor">
-            <a:schemeClr val="tx1"/>
-          </a:fontRef>
-        </p:style>
-      </p:cxnSp>
-      <p:sp>
-        <p:nvSpPr>
-          <p:cNvPr id="26" name="Elipse 25"/>
-          <p:cNvSpPr/>
-          <p:nvPr/>
-        </p:nvSpPr>
-        <p:spPr>
-          <a:xfrm>
-            <a:off x="1523341" y="2301520"/>
-            <a:ext cx="2434363" cy="2434363"/>
-          </a:xfrm>
-          <a:prstGeom prst="ellipse">
-            <a:avLst/>
-          </a:prstGeom>
-          <a:noFill/>
-          <a:ln>
-            <a:solidFill>
-              <a:srgbClr val="FF0000"/>
-            </a:solidFill>
-            <a:prstDash val="lgDash"/>
-          </a:ln>
-        </p:spPr>
-        <p:style>
-          <a:lnRef idx="2">
-            <a:schemeClr val="accent1">
-              <a:shade val="50000"/>
-            </a:schemeClr>
-          </a:lnRef>
-          <a:fillRef idx="1">
-            <a:schemeClr val="accent1"/>
-          </a:fillRef>
-          <a:effectRef idx="0">
-            <a:schemeClr val="accent1"/>
-          </a:effectRef>
-          <a:fontRef idx="minor">
-            <a:schemeClr val="lt1"/>
-          </a:fontRef>
-        </p:style>
-        <p:txBody>
-          <a:bodyPr rtlCol="0" anchor="ctr"/>
-          <a:lstStyle/>
-          <a:p>
-            <a:pPr algn="ctr"/>
-            <a:endParaRPr lang="es-ES_tradnl" sz="1351"/>
-          </a:p>
-        </p:txBody>
-      </p:sp>
-      <p:cxnSp>
-        <p:nvCxnSpPr>
-          <p:cNvPr id="28" name="Conector recto de flecha 27"/>
-          <p:cNvCxnSpPr/>
-          <p:nvPr/>
-        </p:nvCxnSpPr>
-        <p:spPr>
-          <a:xfrm flipH="1" flipV="1">
-            <a:off x="1765153" y="2009305"/>
-            <a:ext cx="975371" cy="290145"/>
-          </a:xfrm>
-          <a:prstGeom prst="straightConnector1">
-            <a:avLst/>
-          </a:prstGeom>
-          <a:ln w="38100">
-            <a:solidFill>
-              <a:schemeClr val="tx1"/>
-            </a:solidFill>
-            <a:tailEnd type="triangle"/>
-          </a:ln>
-        </p:spPr>
-        <p:style>
-          <a:lnRef idx="1">
-            <a:schemeClr val="accent1"/>
-          </a:lnRef>
-          <a:fillRef idx="0">
-            <a:schemeClr val="accent1"/>
-          </a:fillRef>
-          <a:effectRef idx="0">
-            <a:schemeClr val="accent1"/>
-          </a:effectRef>
-          <a:fontRef idx="minor">
-            <a:schemeClr val="tx1"/>
-          </a:fontRef>
-        </p:style>
-      </p:cxnSp>
-      <p:cxnSp>
-        <p:nvCxnSpPr>
-          <p:cNvPr id="30" name="Conector recto de flecha 29"/>
-          <p:cNvCxnSpPr/>
-          <p:nvPr/>
-        </p:nvCxnSpPr>
-        <p:spPr>
-          <a:xfrm>
-            <a:off x="1671275" y="4123825"/>
-            <a:ext cx="710019" cy="1041239"/>
-          </a:xfrm>
-          <a:prstGeom prst="straightConnector1">
-            <a:avLst/>
-          </a:prstGeom>
-          <a:ln w="19050">
-            <a:solidFill>
-              <a:schemeClr val="tx1"/>
-            </a:solidFill>
-            <a:prstDash val="dashDot"/>
-            <a:headEnd type="none" w="med" len="med"/>
-            <a:tailEnd type="none" w="med" len="med"/>
-          </a:ln>
-        </p:spPr>
-        <p:style>
-          <a:lnRef idx="1">
-            <a:schemeClr val="accent1"/>
-          </a:lnRef>
-          <a:fillRef idx="0">
-            <a:schemeClr val="accent1"/>
-          </a:fillRef>
-          <a:effectRef idx="0">
-            <a:schemeClr val="accent1"/>
-          </a:effectRef>
-          <a:fontRef idx="minor">
-            <a:schemeClr val="tx1"/>
-          </a:fontRef>
-        </p:style>
-      </p:cxnSp>
-      <p:cxnSp>
-        <p:nvCxnSpPr>
-          <p:cNvPr id="33" name="Conector recto de flecha 32"/>
-          <p:cNvCxnSpPr/>
-          <p:nvPr/>
-        </p:nvCxnSpPr>
-        <p:spPr>
-          <a:xfrm flipV="1">
-            <a:off x="3792244" y="3511764"/>
-            <a:ext cx="688955" cy="623613"/>
-          </a:xfrm>
-          <a:prstGeom prst="straightConnector1">
-            <a:avLst/>
-          </a:prstGeom>
-          <a:ln w="38100">
-            <a:solidFill>
-              <a:schemeClr val="tx1"/>
-            </a:solidFill>
-            <a:tailEnd type="triangle"/>
-          </a:ln>
-        </p:spPr>
-        <p:style>
-          <a:lnRef idx="1">
-            <a:schemeClr val="accent1"/>
-          </a:lnRef>
-          <a:fillRef idx="0">
-            <a:schemeClr val="accent1"/>
-          </a:fillRef>
-          <a:effectRef idx="0">
-            <a:schemeClr val="accent1"/>
-          </a:effectRef>
-          <a:fontRef idx="minor">
-            <a:schemeClr val="tx1"/>
-          </a:fontRef>
-        </p:style>
-      </p:cxnSp>
-      <p:cxnSp>
-        <p:nvCxnSpPr>
-          <p:cNvPr id="39" name="Conector recto de flecha 38"/>
-          <p:cNvCxnSpPr/>
-          <p:nvPr/>
-        </p:nvCxnSpPr>
-        <p:spPr>
-          <a:xfrm>
-            <a:off x="1678134" y="4123823"/>
-            <a:ext cx="355009" cy="992247"/>
-          </a:xfrm>
-          <a:prstGeom prst="straightConnector1">
-            <a:avLst/>
-          </a:prstGeom>
-          <a:ln w="38100">
-            <a:solidFill>
-              <a:schemeClr val="tx1"/>
-            </a:solidFill>
-            <a:tailEnd type="triangle"/>
-          </a:ln>
-        </p:spPr>
-        <p:style>
-          <a:lnRef idx="1">
-            <a:schemeClr val="accent1"/>
-          </a:lnRef>
-          <a:fillRef idx="0">
-            <a:schemeClr val="accent1"/>
-          </a:fillRef>
-          <a:effectRef idx="0">
-            <a:schemeClr val="accent1"/>
-          </a:effectRef>
-          <a:fontRef idx="minor">
-            <a:schemeClr val="tx1"/>
-          </a:fontRef>
-        </p:style>
-      </p:cxnSp>
-      <p:cxnSp>
-        <p:nvCxnSpPr>
-          <p:cNvPr id="42" name="Conector recto de flecha 41"/>
-          <p:cNvCxnSpPr/>
-          <p:nvPr/>
-        </p:nvCxnSpPr>
-        <p:spPr>
-          <a:xfrm flipH="1">
-            <a:off x="3778207" y="3210889"/>
-            <a:ext cx="538725" cy="924489"/>
-          </a:xfrm>
-          <a:prstGeom prst="straightConnector1">
-            <a:avLst/>
-          </a:prstGeom>
-          <a:ln w="19050">
-            <a:solidFill>
-              <a:schemeClr val="tx1"/>
-            </a:solidFill>
-            <a:prstDash val="dashDot"/>
-            <a:headEnd type="none" w="med" len="med"/>
-            <a:tailEnd type="none" w="med" len="med"/>
-          </a:ln>
-        </p:spPr>
-        <p:style>
-          <a:lnRef idx="1">
-            <a:schemeClr val="accent1"/>
-          </a:lnRef>
-          <a:fillRef idx="0">
-            <a:schemeClr val="accent1"/>
-          </a:fillRef>
-          <a:effectRef idx="0">
-            <a:schemeClr val="accent1"/>
-          </a:effectRef>
-          <a:fontRef idx="minor">
-            <a:schemeClr val="tx1"/>
-          </a:fontRef>
-        </p:style>
-      </p:cxnSp>
-      <p:cxnSp>
-        <p:nvCxnSpPr>
-          <p:cNvPr id="51" name="Conector recto de flecha 50"/>
-          <p:cNvCxnSpPr/>
-          <p:nvPr/>
-        </p:nvCxnSpPr>
-        <p:spPr>
-          <a:xfrm flipH="1">
-            <a:off x="1502257" y="2299450"/>
-            <a:ext cx="1239537" cy="13623"/>
-          </a:xfrm>
-          <a:prstGeom prst="straightConnector1">
-            <a:avLst/>
-          </a:prstGeom>
-          <a:ln w="19050">
-            <a:solidFill>
-              <a:schemeClr val="tx1"/>
-            </a:solidFill>
-            <a:prstDash val="dashDot"/>
-            <a:headEnd type="none" w="med" len="med"/>
-            <a:tailEnd type="none" w="med" len="med"/>
-          </a:ln>
-        </p:spPr>
-        <p:style>
-          <a:lnRef idx="1">
-            <a:schemeClr val="accent1"/>
-          </a:lnRef>
-          <a:fillRef idx="0">
-            <a:schemeClr val="accent1"/>
-          </a:fillRef>
-          <a:effectRef idx="0">
-            <a:schemeClr val="accent1"/>
-          </a:effectRef>
-          <a:fontRef idx="minor">
-            <a:schemeClr val="tx1"/>
-          </a:fontRef>
-        </p:style>
-      </p:cxnSp>
-      <p:sp>
-        <p:nvSpPr>
-          <p:cNvPr id="55" name="CuadroTexto 54"/>
-          <p:cNvSpPr txBox="1"/>
-          <p:nvPr/>
-        </p:nvSpPr>
-        <p:spPr>
-          <a:xfrm>
-            <a:off x="4131832" y="3396133"/>
-            <a:ext cx="255198" cy="300210"/>
-          </a:xfrm>
-          <a:prstGeom prst="rect">
-            <a:avLst/>
-          </a:prstGeom>
-          <a:noFill/>
-        </p:spPr>
-        <p:txBody>
-          <a:bodyPr wrap="none" rtlCol="0">
-            <a:spAutoFit/>
-          </a:bodyPr>
-          <a:lstStyle/>
-          <a:p>
-            <a:r>
-              <a:rPr lang="es-ES_tradnl" sz="1351">
-                <a:latin typeface="Symbol" charset="2"/>
-                <a:ea typeface="Symbol" charset="2"/>
-                <a:cs typeface="Symbol" charset="2"/>
-              </a:rPr>
-              <a:t>g</a:t>
-            </a:r>
-          </a:p>
-        </p:txBody>
-      </p:sp>
-      <p:sp>
-        <p:nvSpPr>
-          <p:cNvPr id="56" name="CuadroTexto 55"/>
-          <p:cNvSpPr txBox="1"/>
-          <p:nvPr/>
-        </p:nvSpPr>
-        <p:spPr>
-          <a:xfrm>
-            <a:off x="2003983" y="4756195"/>
-            <a:ext cx="255198" cy="300210"/>
-          </a:xfrm>
-          <a:prstGeom prst="rect">
-            <a:avLst/>
-          </a:prstGeom>
-          <a:noFill/>
-        </p:spPr>
-        <p:txBody>
-          <a:bodyPr wrap="none" rtlCol="0">
-            <a:spAutoFit/>
-          </a:bodyPr>
-          <a:lstStyle/>
-          <a:p>
-            <a:r>
-              <a:rPr lang="es-ES_tradnl" sz="1351">
-                <a:latin typeface="Symbol" charset="2"/>
-                <a:ea typeface="Symbol" charset="2"/>
-                <a:cs typeface="Symbol" charset="2"/>
-              </a:rPr>
-              <a:t>g</a:t>
-            </a:r>
-          </a:p>
-        </p:txBody>
-      </p:sp>
-      <p:sp>
-        <p:nvSpPr>
-          <p:cNvPr id="57" name="CuadroTexto 56"/>
-          <p:cNvSpPr txBox="1"/>
-          <p:nvPr/>
-        </p:nvSpPr>
-        <p:spPr>
-          <a:xfrm>
-            <a:off x="1845895" y="2009304"/>
-            <a:ext cx="255198" cy="300210"/>
-          </a:xfrm>
-          <a:prstGeom prst="rect">
-            <a:avLst/>
-          </a:prstGeom>
-          <a:noFill/>
-        </p:spPr>
-        <p:txBody>
-          <a:bodyPr wrap="none" rtlCol="0">
-            <a:spAutoFit/>
-          </a:bodyPr>
-          <a:lstStyle/>
-          <a:p>
-            <a:r>
-              <a:rPr lang="es-ES_tradnl" sz="1351">
-                <a:latin typeface="Symbol" charset="2"/>
-                <a:ea typeface="Symbol" charset="2"/>
-                <a:cs typeface="Symbol" charset="2"/>
-              </a:rPr>
-              <a:t>g</a:t>
-            </a:r>
-          </a:p>
-        </p:txBody>
-      </p:sp>
-      <p:sp>
-        <p:nvSpPr>
-          <p:cNvPr id="60" name="CuadroTexto 59"/>
-          <p:cNvSpPr txBox="1"/>
-          <p:nvPr/>
-        </p:nvSpPr>
-        <p:spPr>
-          <a:xfrm>
-            <a:off x="1689366" y="1712867"/>
-            <a:ext cx="271228" cy="300210"/>
-          </a:xfrm>
-          <a:prstGeom prst="rect">
-            <a:avLst/>
-          </a:prstGeom>
-          <a:noFill/>
-        </p:spPr>
-        <p:txBody>
-          <a:bodyPr wrap="none" rtlCol="0">
-            <a:spAutoFit/>
-          </a:bodyPr>
-          <a:lstStyle/>
-          <a:p>
-            <a:r>
-              <a:rPr lang="es-ES_tradnl" sz="1351">
-                <a:latin typeface="Times New Roman" charset="0"/>
-                <a:ea typeface="Times New Roman" charset="0"/>
-                <a:cs typeface="Times New Roman" charset="0"/>
-              </a:rPr>
-              <a:t>v</a:t>
-            </a:r>
-          </a:p>
-        </p:txBody>
-      </p:sp>
-      <p:sp>
-        <p:nvSpPr>
-          <p:cNvPr id="61" name="CuadroTexto 60"/>
-          <p:cNvSpPr txBox="1"/>
-          <p:nvPr/>
-        </p:nvSpPr>
-        <p:spPr>
-          <a:xfrm>
-            <a:off x="1719738" y="4887083"/>
-            <a:ext cx="271228" cy="300210"/>
-          </a:xfrm>
-          <a:prstGeom prst="rect">
-            <a:avLst/>
-          </a:prstGeom>
-          <a:noFill/>
-        </p:spPr>
-        <p:txBody>
-          <a:bodyPr wrap="none" rtlCol="0">
-            <a:spAutoFit/>
-          </a:bodyPr>
-          <a:lstStyle/>
-          <a:p>
-            <a:r>
-              <a:rPr lang="es-ES_tradnl" sz="1351">
-                <a:latin typeface="Times New Roman" charset="0"/>
-                <a:ea typeface="Times New Roman" charset="0"/>
-                <a:cs typeface="Times New Roman" charset="0"/>
-              </a:rPr>
-              <a:t>v</a:t>
-            </a:r>
-          </a:p>
-        </p:txBody>
-      </p:sp>
-      <p:sp>
-        <p:nvSpPr>
-          <p:cNvPr id="62" name="CuadroTexto 61"/>
-          <p:cNvSpPr txBox="1"/>
-          <p:nvPr/>
-        </p:nvSpPr>
-        <p:spPr>
-          <a:xfrm>
-            <a:off x="4481198" y="3432888"/>
-            <a:ext cx="271228" cy="300210"/>
-          </a:xfrm>
-          <a:prstGeom prst="rect">
-            <a:avLst/>
-          </a:prstGeom>
-          <a:noFill/>
-        </p:spPr>
-        <p:txBody>
-          <a:bodyPr wrap="none" rtlCol="0">
-            <a:spAutoFit/>
-          </a:bodyPr>
-          <a:lstStyle/>
-          <a:p>
-            <a:r>
-              <a:rPr lang="es-ES_tradnl" sz="1351">
-                <a:latin typeface="Times New Roman" charset="0"/>
-                <a:ea typeface="Times New Roman" charset="0"/>
-                <a:cs typeface="Times New Roman" charset="0"/>
-              </a:rPr>
-              <a:t>v</a:t>
-            </a:r>
-          </a:p>
-        </p:txBody>
-      </p:sp>
-      <p:sp>
-        <p:nvSpPr>
-          <p:cNvPr id="63" name="CuadroTexto 62"/>
-          <p:cNvSpPr txBox="1"/>
-          <p:nvPr/>
-        </p:nvSpPr>
-        <p:spPr>
-          <a:xfrm>
-            <a:off x="2156231" y="3511764"/>
-            <a:ext cx="300082" cy="300210"/>
-          </a:xfrm>
-          <a:prstGeom prst="rect">
-            <a:avLst/>
-          </a:prstGeom>
-          <a:noFill/>
-        </p:spPr>
-        <p:txBody>
-          <a:bodyPr wrap="none" rtlCol="0">
-            <a:spAutoFit/>
-          </a:bodyPr>
-          <a:lstStyle/>
-          <a:p>
-            <a:r>
-              <a:rPr lang="es-ES_tradnl" sz="1351">
-                <a:latin typeface="Times New Roman" charset="0"/>
-                <a:ea typeface="Times New Roman" charset="0"/>
-                <a:cs typeface="Times New Roman" charset="0"/>
-              </a:rPr>
-              <a:t>R</a:t>
-            </a:r>
-          </a:p>
-        </p:txBody>
-      </p:sp>
-      <p:sp>
-        <p:nvSpPr>
-          <p:cNvPr id="64" name="CuadroTexto 63"/>
-          <p:cNvSpPr txBox="1"/>
-          <p:nvPr/>
-        </p:nvSpPr>
-        <p:spPr>
-          <a:xfrm>
-            <a:off x="2718819" y="2906641"/>
-            <a:ext cx="300082" cy="300210"/>
-          </a:xfrm>
-          <a:prstGeom prst="rect">
-            <a:avLst/>
-          </a:prstGeom>
-          <a:noFill/>
-        </p:spPr>
-        <p:txBody>
-          <a:bodyPr wrap="none" rtlCol="0">
-            <a:spAutoFit/>
-          </a:bodyPr>
-          <a:lstStyle/>
-          <a:p>
-            <a:r>
-              <a:rPr lang="es-ES_tradnl" sz="1351">
-                <a:latin typeface="Times New Roman" charset="0"/>
-                <a:ea typeface="Times New Roman" charset="0"/>
-                <a:cs typeface="Times New Roman" charset="0"/>
-              </a:rPr>
-              <a:t>R</a:t>
-            </a:r>
-          </a:p>
-        </p:txBody>
-      </p:sp>
-      <p:sp>
-        <p:nvSpPr>
-          <p:cNvPr id="65" name="CuadroTexto 64"/>
-          <p:cNvSpPr txBox="1"/>
-          <p:nvPr/>
-        </p:nvSpPr>
-        <p:spPr>
-          <a:xfrm>
-            <a:off x="3140020" y="3511764"/>
-            <a:ext cx="300082" cy="300210"/>
-          </a:xfrm>
-          <a:prstGeom prst="rect">
-            <a:avLst/>
-          </a:prstGeom>
-          <a:noFill/>
-        </p:spPr>
-        <p:txBody>
-          <a:bodyPr wrap="none" rtlCol="0">
-            <a:spAutoFit/>
-          </a:bodyPr>
-          <a:lstStyle/>
-          <a:p>
-            <a:r>
-              <a:rPr lang="es-ES_tradnl" sz="1351">
-                <a:latin typeface="Times New Roman" charset="0"/>
-                <a:ea typeface="Times New Roman" charset="0"/>
-                <a:cs typeface="Times New Roman" charset="0"/>
-              </a:rPr>
-              <a:t>R</a:t>
-            </a:r>
-          </a:p>
-        </p:txBody>
-      </p:sp>
-    </p:spTree>
-    <p:extLst>
-      <p:ext uri="{BB962C8B-B14F-4D97-AF65-F5344CB8AC3E}">
-        <p14:creationId xmlns:p14="http://schemas.microsoft.com/office/powerpoint/2010/main" val="2037962034"/>
       </p:ext>
     </p:extLst>
   </p:cSld>
@@ -11531,6 +10699,899 @@
           <a:chExt cx="0" cy="0"/>
         </a:xfrm>
       </p:grpSpPr>
+      <p:cxnSp>
+        <p:nvCxnSpPr>
+          <p:cNvPr id="9" name="Conector recto 8"/>
+          <p:cNvCxnSpPr>
+            <a:endCxn id="3" idx="4"/>
+          </p:cNvCxnSpPr>
+          <p:nvPr/>
+        </p:nvCxnSpPr>
+        <p:spPr>
+          <a:xfrm>
+            <a:off x="2740521" y="3518701"/>
+            <a:ext cx="1052915" cy="605123"/>
+          </a:xfrm>
+          <a:prstGeom prst="line">
+            <a:avLst/>
+          </a:prstGeom>
+          <a:ln w="28575">
+            <a:solidFill>
+              <a:schemeClr val="tx1"/>
+            </a:solidFill>
+            <a:prstDash val="sysDash"/>
+          </a:ln>
+        </p:spPr>
+        <p:style>
+          <a:lnRef idx="1">
+            <a:schemeClr val="accent1"/>
+          </a:lnRef>
+          <a:fillRef idx="0">
+            <a:schemeClr val="accent1"/>
+          </a:fillRef>
+          <a:effectRef idx="0">
+            <a:schemeClr val="accent1"/>
+          </a:effectRef>
+          <a:fontRef idx="minor">
+            <a:schemeClr val="tx1"/>
+          </a:fontRef>
+        </p:style>
+      </p:cxnSp>
+      <p:cxnSp>
+        <p:nvCxnSpPr>
+          <p:cNvPr id="7" name="Conector recto 6"/>
+          <p:cNvCxnSpPr/>
+          <p:nvPr/>
+        </p:nvCxnSpPr>
+        <p:spPr>
+          <a:xfrm flipV="1">
+            <a:off x="1689367" y="3518701"/>
+            <a:ext cx="1055319" cy="605123"/>
+          </a:xfrm>
+          <a:prstGeom prst="line">
+            <a:avLst/>
+          </a:prstGeom>
+          <a:ln w="28575">
+            <a:solidFill>
+              <a:schemeClr val="tx1"/>
+            </a:solidFill>
+            <a:prstDash val="sysDash"/>
+          </a:ln>
+        </p:spPr>
+        <p:style>
+          <a:lnRef idx="1">
+            <a:schemeClr val="accent1"/>
+          </a:lnRef>
+          <a:fillRef idx="0">
+            <a:schemeClr val="accent1"/>
+          </a:fillRef>
+          <a:effectRef idx="0">
+            <a:schemeClr val="accent1"/>
+          </a:effectRef>
+          <a:fontRef idx="minor">
+            <a:schemeClr val="tx1"/>
+          </a:fontRef>
+        </p:style>
+      </p:cxnSp>
+      <p:sp>
+        <p:nvSpPr>
+          <p:cNvPr id="3" name="Triángulo 2"/>
+          <p:cNvSpPr/>
+          <p:nvPr/>
+        </p:nvSpPr>
+        <p:spPr>
+          <a:xfrm>
+            <a:off x="1692965" y="2313071"/>
+            <a:ext cx="2100473" cy="1810752"/>
+          </a:xfrm>
+          <a:prstGeom prst="triangle">
+            <a:avLst/>
+          </a:prstGeom>
+          <a:noFill/>
+          <a:ln>
+            <a:solidFill>
+              <a:srgbClr val="FF0000"/>
+            </a:solidFill>
+            <a:prstDash val="sysDash"/>
+          </a:ln>
+        </p:spPr>
+        <p:style>
+          <a:lnRef idx="2">
+            <a:schemeClr val="accent1">
+              <a:shade val="50000"/>
+            </a:schemeClr>
+          </a:lnRef>
+          <a:fillRef idx="1">
+            <a:schemeClr val="accent1"/>
+          </a:fillRef>
+          <a:effectRef idx="0">
+            <a:schemeClr val="accent1"/>
+          </a:effectRef>
+          <a:fontRef idx="minor">
+            <a:schemeClr val="lt1"/>
+          </a:fontRef>
+        </p:style>
+        <p:txBody>
+          <a:bodyPr rtlCol="0" anchor="ctr"/>
+          <a:lstStyle/>
+          <a:p>
+            <a:pPr algn="ctr"/>
+            <a:endParaRPr lang="es-ES_tradnl" sz="1351"/>
+          </a:p>
+        </p:txBody>
+      </p:sp>
+      <p:sp>
+        <p:nvSpPr>
+          <p:cNvPr id="2" name="Elipse 1"/>
+          <p:cNvSpPr/>
+          <p:nvPr/>
+        </p:nvSpPr>
+        <p:spPr>
+          <a:xfrm>
+            <a:off x="2671012" y="2240884"/>
+            <a:ext cx="144379" cy="144379"/>
+          </a:xfrm>
+          <a:prstGeom prst="ellipse">
+            <a:avLst/>
+          </a:prstGeom>
+          <a:solidFill>
+            <a:schemeClr val="tx1"/>
+          </a:solidFill>
+          <a:ln>
+            <a:noFill/>
+          </a:ln>
+        </p:spPr>
+        <p:style>
+          <a:lnRef idx="2">
+            <a:schemeClr val="accent1">
+              <a:shade val="50000"/>
+            </a:schemeClr>
+          </a:lnRef>
+          <a:fillRef idx="1">
+            <a:schemeClr val="accent1"/>
+          </a:fillRef>
+          <a:effectRef idx="0">
+            <a:schemeClr val="accent1"/>
+          </a:effectRef>
+          <a:fontRef idx="minor">
+            <a:schemeClr val="lt1"/>
+          </a:fontRef>
+        </p:style>
+        <p:txBody>
+          <a:bodyPr rtlCol="0" anchor="ctr"/>
+          <a:lstStyle/>
+          <a:p>
+            <a:pPr algn="ctr"/>
+            <a:endParaRPr lang="es-ES_tradnl" sz="1351"/>
+          </a:p>
+        </p:txBody>
+      </p:sp>
+      <p:sp>
+        <p:nvSpPr>
+          <p:cNvPr id="4" name="Elipse 3"/>
+          <p:cNvSpPr/>
+          <p:nvPr/>
+        </p:nvSpPr>
+        <p:spPr>
+          <a:xfrm>
+            <a:off x="1620775" y="4051635"/>
+            <a:ext cx="144379" cy="144379"/>
+          </a:xfrm>
+          <a:prstGeom prst="ellipse">
+            <a:avLst/>
+          </a:prstGeom>
+          <a:solidFill>
+            <a:schemeClr val="tx1"/>
+          </a:solidFill>
+          <a:ln>
+            <a:noFill/>
+          </a:ln>
+        </p:spPr>
+        <p:style>
+          <a:lnRef idx="2">
+            <a:schemeClr val="accent1">
+              <a:shade val="50000"/>
+            </a:schemeClr>
+          </a:lnRef>
+          <a:fillRef idx="1">
+            <a:schemeClr val="accent1"/>
+          </a:fillRef>
+          <a:effectRef idx="0">
+            <a:schemeClr val="accent1"/>
+          </a:effectRef>
+          <a:fontRef idx="minor">
+            <a:schemeClr val="lt1"/>
+          </a:fontRef>
+        </p:style>
+        <p:txBody>
+          <a:bodyPr rtlCol="0" anchor="ctr"/>
+          <a:lstStyle/>
+          <a:p>
+            <a:pPr algn="ctr"/>
+            <a:endParaRPr lang="es-ES_tradnl" sz="1351"/>
+          </a:p>
+        </p:txBody>
+      </p:sp>
+      <p:sp>
+        <p:nvSpPr>
+          <p:cNvPr id="5" name="Elipse 4"/>
+          <p:cNvSpPr/>
+          <p:nvPr/>
+        </p:nvSpPr>
+        <p:spPr>
+          <a:xfrm>
+            <a:off x="3721248" y="4051635"/>
+            <a:ext cx="144379" cy="144379"/>
+          </a:xfrm>
+          <a:prstGeom prst="ellipse">
+            <a:avLst/>
+          </a:prstGeom>
+          <a:solidFill>
+            <a:schemeClr val="tx1"/>
+          </a:solidFill>
+          <a:ln>
+            <a:noFill/>
+          </a:ln>
+        </p:spPr>
+        <p:style>
+          <a:lnRef idx="2">
+            <a:schemeClr val="accent1">
+              <a:shade val="50000"/>
+            </a:schemeClr>
+          </a:lnRef>
+          <a:fillRef idx="1">
+            <a:schemeClr val="accent1"/>
+          </a:fillRef>
+          <a:effectRef idx="0">
+            <a:schemeClr val="accent1"/>
+          </a:effectRef>
+          <a:fontRef idx="minor">
+            <a:schemeClr val="lt1"/>
+          </a:fontRef>
+        </p:style>
+        <p:txBody>
+          <a:bodyPr rtlCol="0" anchor="ctr"/>
+          <a:lstStyle/>
+          <a:p>
+            <a:pPr algn="ctr"/>
+            <a:endParaRPr lang="es-ES_tradnl" sz="1351"/>
+          </a:p>
+        </p:txBody>
+      </p:sp>
+      <p:cxnSp>
+        <p:nvCxnSpPr>
+          <p:cNvPr id="16" name="Conector recto 15"/>
+          <p:cNvCxnSpPr>
+            <a:stCxn id="2" idx="4"/>
+          </p:cNvCxnSpPr>
+          <p:nvPr/>
+        </p:nvCxnSpPr>
+        <p:spPr>
+          <a:xfrm>
+            <a:off x="2743200" y="2385262"/>
+            <a:ext cx="0" cy="1133439"/>
+          </a:xfrm>
+          <a:prstGeom prst="line">
+            <a:avLst/>
+          </a:prstGeom>
+          <a:ln w="28575">
+            <a:solidFill>
+              <a:schemeClr val="tx1"/>
+            </a:solidFill>
+            <a:prstDash val="sysDash"/>
+          </a:ln>
+        </p:spPr>
+        <p:style>
+          <a:lnRef idx="1">
+            <a:schemeClr val="accent1"/>
+          </a:lnRef>
+          <a:fillRef idx="0">
+            <a:schemeClr val="accent1"/>
+          </a:fillRef>
+          <a:effectRef idx="0">
+            <a:schemeClr val="accent1"/>
+          </a:effectRef>
+          <a:fontRef idx="minor">
+            <a:schemeClr val="tx1"/>
+          </a:fontRef>
+        </p:style>
+      </p:cxnSp>
+      <p:sp>
+        <p:nvSpPr>
+          <p:cNvPr id="26" name="Elipse 25"/>
+          <p:cNvSpPr/>
+          <p:nvPr/>
+        </p:nvSpPr>
+        <p:spPr>
+          <a:xfrm>
+            <a:off x="1523341" y="2301520"/>
+            <a:ext cx="2434363" cy="2434363"/>
+          </a:xfrm>
+          <a:prstGeom prst="ellipse">
+            <a:avLst/>
+          </a:prstGeom>
+          <a:noFill/>
+          <a:ln>
+            <a:solidFill>
+              <a:srgbClr val="FF0000"/>
+            </a:solidFill>
+            <a:prstDash val="lgDash"/>
+          </a:ln>
+        </p:spPr>
+        <p:style>
+          <a:lnRef idx="2">
+            <a:schemeClr val="accent1">
+              <a:shade val="50000"/>
+            </a:schemeClr>
+          </a:lnRef>
+          <a:fillRef idx="1">
+            <a:schemeClr val="accent1"/>
+          </a:fillRef>
+          <a:effectRef idx="0">
+            <a:schemeClr val="accent1"/>
+          </a:effectRef>
+          <a:fontRef idx="minor">
+            <a:schemeClr val="lt1"/>
+          </a:fontRef>
+        </p:style>
+        <p:txBody>
+          <a:bodyPr rtlCol="0" anchor="ctr"/>
+          <a:lstStyle/>
+          <a:p>
+            <a:pPr algn="ctr"/>
+            <a:endParaRPr lang="es-ES_tradnl" sz="1351"/>
+          </a:p>
+        </p:txBody>
+      </p:sp>
+      <p:cxnSp>
+        <p:nvCxnSpPr>
+          <p:cNvPr id="28" name="Conector recto de flecha 27"/>
+          <p:cNvCxnSpPr/>
+          <p:nvPr/>
+        </p:nvCxnSpPr>
+        <p:spPr>
+          <a:xfrm flipH="1" flipV="1">
+            <a:off x="1765153" y="2009305"/>
+            <a:ext cx="975371" cy="290145"/>
+          </a:xfrm>
+          <a:prstGeom prst="straightConnector1">
+            <a:avLst/>
+          </a:prstGeom>
+          <a:ln w="38100">
+            <a:solidFill>
+              <a:schemeClr val="tx1"/>
+            </a:solidFill>
+            <a:tailEnd type="triangle"/>
+          </a:ln>
+        </p:spPr>
+        <p:style>
+          <a:lnRef idx="1">
+            <a:schemeClr val="accent1"/>
+          </a:lnRef>
+          <a:fillRef idx="0">
+            <a:schemeClr val="accent1"/>
+          </a:fillRef>
+          <a:effectRef idx="0">
+            <a:schemeClr val="accent1"/>
+          </a:effectRef>
+          <a:fontRef idx="minor">
+            <a:schemeClr val="tx1"/>
+          </a:fontRef>
+        </p:style>
+      </p:cxnSp>
+      <p:cxnSp>
+        <p:nvCxnSpPr>
+          <p:cNvPr id="30" name="Conector recto de flecha 29"/>
+          <p:cNvCxnSpPr/>
+          <p:nvPr/>
+        </p:nvCxnSpPr>
+        <p:spPr>
+          <a:xfrm>
+            <a:off x="1671275" y="4123825"/>
+            <a:ext cx="710019" cy="1041239"/>
+          </a:xfrm>
+          <a:prstGeom prst="straightConnector1">
+            <a:avLst/>
+          </a:prstGeom>
+          <a:ln w="19050">
+            <a:solidFill>
+              <a:schemeClr val="tx1"/>
+            </a:solidFill>
+            <a:prstDash val="dashDot"/>
+            <a:headEnd type="none" w="med" len="med"/>
+            <a:tailEnd type="none" w="med" len="med"/>
+          </a:ln>
+        </p:spPr>
+        <p:style>
+          <a:lnRef idx="1">
+            <a:schemeClr val="accent1"/>
+          </a:lnRef>
+          <a:fillRef idx="0">
+            <a:schemeClr val="accent1"/>
+          </a:fillRef>
+          <a:effectRef idx="0">
+            <a:schemeClr val="accent1"/>
+          </a:effectRef>
+          <a:fontRef idx="minor">
+            <a:schemeClr val="tx1"/>
+          </a:fontRef>
+        </p:style>
+      </p:cxnSp>
+      <p:cxnSp>
+        <p:nvCxnSpPr>
+          <p:cNvPr id="33" name="Conector recto de flecha 32"/>
+          <p:cNvCxnSpPr/>
+          <p:nvPr/>
+        </p:nvCxnSpPr>
+        <p:spPr>
+          <a:xfrm flipV="1">
+            <a:off x="3792244" y="3511764"/>
+            <a:ext cx="688955" cy="623613"/>
+          </a:xfrm>
+          <a:prstGeom prst="straightConnector1">
+            <a:avLst/>
+          </a:prstGeom>
+          <a:ln w="38100">
+            <a:solidFill>
+              <a:schemeClr val="tx1"/>
+            </a:solidFill>
+            <a:tailEnd type="triangle"/>
+          </a:ln>
+        </p:spPr>
+        <p:style>
+          <a:lnRef idx="1">
+            <a:schemeClr val="accent1"/>
+          </a:lnRef>
+          <a:fillRef idx="0">
+            <a:schemeClr val="accent1"/>
+          </a:fillRef>
+          <a:effectRef idx="0">
+            <a:schemeClr val="accent1"/>
+          </a:effectRef>
+          <a:fontRef idx="minor">
+            <a:schemeClr val="tx1"/>
+          </a:fontRef>
+        </p:style>
+      </p:cxnSp>
+      <p:cxnSp>
+        <p:nvCxnSpPr>
+          <p:cNvPr id="39" name="Conector recto de flecha 38"/>
+          <p:cNvCxnSpPr/>
+          <p:nvPr/>
+        </p:nvCxnSpPr>
+        <p:spPr>
+          <a:xfrm>
+            <a:off x="1678134" y="4123823"/>
+            <a:ext cx="355009" cy="992247"/>
+          </a:xfrm>
+          <a:prstGeom prst="straightConnector1">
+            <a:avLst/>
+          </a:prstGeom>
+          <a:ln w="38100">
+            <a:solidFill>
+              <a:schemeClr val="tx1"/>
+            </a:solidFill>
+            <a:tailEnd type="triangle"/>
+          </a:ln>
+        </p:spPr>
+        <p:style>
+          <a:lnRef idx="1">
+            <a:schemeClr val="accent1"/>
+          </a:lnRef>
+          <a:fillRef idx="0">
+            <a:schemeClr val="accent1"/>
+          </a:fillRef>
+          <a:effectRef idx="0">
+            <a:schemeClr val="accent1"/>
+          </a:effectRef>
+          <a:fontRef idx="minor">
+            <a:schemeClr val="tx1"/>
+          </a:fontRef>
+        </p:style>
+      </p:cxnSp>
+      <p:cxnSp>
+        <p:nvCxnSpPr>
+          <p:cNvPr id="42" name="Conector recto de flecha 41"/>
+          <p:cNvCxnSpPr/>
+          <p:nvPr/>
+        </p:nvCxnSpPr>
+        <p:spPr>
+          <a:xfrm flipH="1">
+            <a:off x="3778207" y="3210889"/>
+            <a:ext cx="538725" cy="924489"/>
+          </a:xfrm>
+          <a:prstGeom prst="straightConnector1">
+            <a:avLst/>
+          </a:prstGeom>
+          <a:ln w="19050">
+            <a:solidFill>
+              <a:schemeClr val="tx1"/>
+            </a:solidFill>
+            <a:prstDash val="dashDot"/>
+            <a:headEnd type="none" w="med" len="med"/>
+            <a:tailEnd type="none" w="med" len="med"/>
+          </a:ln>
+        </p:spPr>
+        <p:style>
+          <a:lnRef idx="1">
+            <a:schemeClr val="accent1"/>
+          </a:lnRef>
+          <a:fillRef idx="0">
+            <a:schemeClr val="accent1"/>
+          </a:fillRef>
+          <a:effectRef idx="0">
+            <a:schemeClr val="accent1"/>
+          </a:effectRef>
+          <a:fontRef idx="minor">
+            <a:schemeClr val="tx1"/>
+          </a:fontRef>
+        </p:style>
+      </p:cxnSp>
+      <p:cxnSp>
+        <p:nvCxnSpPr>
+          <p:cNvPr id="51" name="Conector recto de flecha 50"/>
+          <p:cNvCxnSpPr/>
+          <p:nvPr/>
+        </p:nvCxnSpPr>
+        <p:spPr>
+          <a:xfrm flipH="1">
+            <a:off x="1502257" y="2299450"/>
+            <a:ext cx="1239537" cy="13623"/>
+          </a:xfrm>
+          <a:prstGeom prst="straightConnector1">
+            <a:avLst/>
+          </a:prstGeom>
+          <a:ln w="19050">
+            <a:solidFill>
+              <a:schemeClr val="tx1"/>
+            </a:solidFill>
+            <a:prstDash val="dashDot"/>
+            <a:headEnd type="none" w="med" len="med"/>
+            <a:tailEnd type="none" w="med" len="med"/>
+          </a:ln>
+        </p:spPr>
+        <p:style>
+          <a:lnRef idx="1">
+            <a:schemeClr val="accent1"/>
+          </a:lnRef>
+          <a:fillRef idx="0">
+            <a:schemeClr val="accent1"/>
+          </a:fillRef>
+          <a:effectRef idx="0">
+            <a:schemeClr val="accent1"/>
+          </a:effectRef>
+          <a:fontRef idx="minor">
+            <a:schemeClr val="tx1"/>
+          </a:fontRef>
+        </p:style>
+      </p:cxnSp>
+      <p:sp>
+        <p:nvSpPr>
+          <p:cNvPr id="55" name="CuadroTexto 54"/>
+          <p:cNvSpPr txBox="1"/>
+          <p:nvPr/>
+        </p:nvSpPr>
+        <p:spPr>
+          <a:xfrm>
+            <a:off x="4131832" y="3396133"/>
+            <a:ext cx="255198" cy="300210"/>
+          </a:xfrm>
+          <a:prstGeom prst="rect">
+            <a:avLst/>
+          </a:prstGeom>
+          <a:noFill/>
+        </p:spPr>
+        <p:txBody>
+          <a:bodyPr wrap="none" rtlCol="0">
+            <a:spAutoFit/>
+          </a:bodyPr>
+          <a:lstStyle/>
+          <a:p>
+            <a:r>
+              <a:rPr lang="es-ES_tradnl" sz="1351">
+                <a:latin typeface="Symbol" charset="2"/>
+                <a:ea typeface="Symbol" charset="2"/>
+                <a:cs typeface="Symbol" charset="2"/>
+              </a:rPr>
+              <a:t>g</a:t>
+            </a:r>
+          </a:p>
+        </p:txBody>
+      </p:sp>
+      <p:sp>
+        <p:nvSpPr>
+          <p:cNvPr id="56" name="CuadroTexto 55"/>
+          <p:cNvSpPr txBox="1"/>
+          <p:nvPr/>
+        </p:nvSpPr>
+        <p:spPr>
+          <a:xfrm>
+            <a:off x="2003983" y="4756195"/>
+            <a:ext cx="255198" cy="300210"/>
+          </a:xfrm>
+          <a:prstGeom prst="rect">
+            <a:avLst/>
+          </a:prstGeom>
+          <a:noFill/>
+        </p:spPr>
+        <p:txBody>
+          <a:bodyPr wrap="none" rtlCol="0">
+            <a:spAutoFit/>
+          </a:bodyPr>
+          <a:lstStyle/>
+          <a:p>
+            <a:r>
+              <a:rPr lang="es-ES_tradnl" sz="1351">
+                <a:latin typeface="Symbol" charset="2"/>
+                <a:ea typeface="Symbol" charset="2"/>
+                <a:cs typeface="Symbol" charset="2"/>
+              </a:rPr>
+              <a:t>g</a:t>
+            </a:r>
+          </a:p>
+        </p:txBody>
+      </p:sp>
+      <p:sp>
+        <p:nvSpPr>
+          <p:cNvPr id="57" name="CuadroTexto 56"/>
+          <p:cNvSpPr txBox="1"/>
+          <p:nvPr/>
+        </p:nvSpPr>
+        <p:spPr>
+          <a:xfrm>
+            <a:off x="1845895" y="2009304"/>
+            <a:ext cx="255198" cy="300210"/>
+          </a:xfrm>
+          <a:prstGeom prst="rect">
+            <a:avLst/>
+          </a:prstGeom>
+          <a:noFill/>
+        </p:spPr>
+        <p:txBody>
+          <a:bodyPr wrap="none" rtlCol="0">
+            <a:spAutoFit/>
+          </a:bodyPr>
+          <a:lstStyle/>
+          <a:p>
+            <a:r>
+              <a:rPr lang="es-ES_tradnl" sz="1351">
+                <a:latin typeface="Symbol" charset="2"/>
+                <a:ea typeface="Symbol" charset="2"/>
+                <a:cs typeface="Symbol" charset="2"/>
+              </a:rPr>
+              <a:t>g</a:t>
+            </a:r>
+          </a:p>
+        </p:txBody>
+      </p:sp>
+      <p:sp>
+        <p:nvSpPr>
+          <p:cNvPr id="60" name="CuadroTexto 59"/>
+          <p:cNvSpPr txBox="1"/>
+          <p:nvPr/>
+        </p:nvSpPr>
+        <p:spPr>
+          <a:xfrm>
+            <a:off x="1689366" y="1712867"/>
+            <a:ext cx="271228" cy="300210"/>
+          </a:xfrm>
+          <a:prstGeom prst="rect">
+            <a:avLst/>
+          </a:prstGeom>
+          <a:noFill/>
+        </p:spPr>
+        <p:txBody>
+          <a:bodyPr wrap="none" rtlCol="0">
+            <a:spAutoFit/>
+          </a:bodyPr>
+          <a:lstStyle/>
+          <a:p>
+            <a:r>
+              <a:rPr lang="es-ES_tradnl" sz="1351">
+                <a:latin typeface="Times New Roman" charset="0"/>
+                <a:ea typeface="Times New Roman" charset="0"/>
+                <a:cs typeface="Times New Roman" charset="0"/>
+              </a:rPr>
+              <a:t>v</a:t>
+            </a:r>
+          </a:p>
+        </p:txBody>
+      </p:sp>
+      <p:sp>
+        <p:nvSpPr>
+          <p:cNvPr id="61" name="CuadroTexto 60"/>
+          <p:cNvSpPr txBox="1"/>
+          <p:nvPr/>
+        </p:nvSpPr>
+        <p:spPr>
+          <a:xfrm>
+            <a:off x="1719738" y="4887083"/>
+            <a:ext cx="271228" cy="300210"/>
+          </a:xfrm>
+          <a:prstGeom prst="rect">
+            <a:avLst/>
+          </a:prstGeom>
+          <a:noFill/>
+        </p:spPr>
+        <p:txBody>
+          <a:bodyPr wrap="none" rtlCol="0">
+            <a:spAutoFit/>
+          </a:bodyPr>
+          <a:lstStyle/>
+          <a:p>
+            <a:r>
+              <a:rPr lang="es-ES_tradnl" sz="1351">
+                <a:latin typeface="Times New Roman" charset="0"/>
+                <a:ea typeface="Times New Roman" charset="0"/>
+                <a:cs typeface="Times New Roman" charset="0"/>
+              </a:rPr>
+              <a:t>v</a:t>
+            </a:r>
+          </a:p>
+        </p:txBody>
+      </p:sp>
+      <p:sp>
+        <p:nvSpPr>
+          <p:cNvPr id="62" name="CuadroTexto 61"/>
+          <p:cNvSpPr txBox="1"/>
+          <p:nvPr/>
+        </p:nvSpPr>
+        <p:spPr>
+          <a:xfrm>
+            <a:off x="4481198" y="3432888"/>
+            <a:ext cx="271228" cy="300210"/>
+          </a:xfrm>
+          <a:prstGeom prst="rect">
+            <a:avLst/>
+          </a:prstGeom>
+          <a:noFill/>
+        </p:spPr>
+        <p:txBody>
+          <a:bodyPr wrap="none" rtlCol="0">
+            <a:spAutoFit/>
+          </a:bodyPr>
+          <a:lstStyle/>
+          <a:p>
+            <a:r>
+              <a:rPr lang="es-ES_tradnl" sz="1351">
+                <a:latin typeface="Times New Roman" charset="0"/>
+                <a:ea typeface="Times New Roman" charset="0"/>
+                <a:cs typeface="Times New Roman" charset="0"/>
+              </a:rPr>
+              <a:t>v</a:t>
+            </a:r>
+          </a:p>
+        </p:txBody>
+      </p:sp>
+      <p:sp>
+        <p:nvSpPr>
+          <p:cNvPr id="63" name="CuadroTexto 62"/>
+          <p:cNvSpPr txBox="1"/>
+          <p:nvPr/>
+        </p:nvSpPr>
+        <p:spPr>
+          <a:xfrm>
+            <a:off x="2156231" y="3511764"/>
+            <a:ext cx="300082" cy="300210"/>
+          </a:xfrm>
+          <a:prstGeom prst="rect">
+            <a:avLst/>
+          </a:prstGeom>
+          <a:noFill/>
+        </p:spPr>
+        <p:txBody>
+          <a:bodyPr wrap="none" rtlCol="0">
+            <a:spAutoFit/>
+          </a:bodyPr>
+          <a:lstStyle/>
+          <a:p>
+            <a:r>
+              <a:rPr lang="es-ES_tradnl" sz="1351">
+                <a:latin typeface="Times New Roman" charset="0"/>
+                <a:ea typeface="Times New Roman" charset="0"/>
+                <a:cs typeface="Times New Roman" charset="0"/>
+              </a:rPr>
+              <a:t>R</a:t>
+            </a:r>
+          </a:p>
+        </p:txBody>
+      </p:sp>
+      <p:sp>
+        <p:nvSpPr>
+          <p:cNvPr id="64" name="CuadroTexto 63"/>
+          <p:cNvSpPr txBox="1"/>
+          <p:nvPr/>
+        </p:nvSpPr>
+        <p:spPr>
+          <a:xfrm>
+            <a:off x="2718819" y="2906641"/>
+            <a:ext cx="300082" cy="300210"/>
+          </a:xfrm>
+          <a:prstGeom prst="rect">
+            <a:avLst/>
+          </a:prstGeom>
+          <a:noFill/>
+        </p:spPr>
+        <p:txBody>
+          <a:bodyPr wrap="none" rtlCol="0">
+            <a:spAutoFit/>
+          </a:bodyPr>
+          <a:lstStyle/>
+          <a:p>
+            <a:r>
+              <a:rPr lang="es-ES_tradnl" sz="1351">
+                <a:latin typeface="Times New Roman" charset="0"/>
+                <a:ea typeface="Times New Roman" charset="0"/>
+                <a:cs typeface="Times New Roman" charset="0"/>
+              </a:rPr>
+              <a:t>R</a:t>
+            </a:r>
+          </a:p>
+        </p:txBody>
+      </p:sp>
+      <p:sp>
+        <p:nvSpPr>
+          <p:cNvPr id="65" name="CuadroTexto 64"/>
+          <p:cNvSpPr txBox="1"/>
+          <p:nvPr/>
+        </p:nvSpPr>
+        <p:spPr>
+          <a:xfrm>
+            <a:off x="3140020" y="3511764"/>
+            <a:ext cx="300082" cy="300210"/>
+          </a:xfrm>
+          <a:prstGeom prst="rect">
+            <a:avLst/>
+          </a:prstGeom>
+          <a:noFill/>
+        </p:spPr>
+        <p:txBody>
+          <a:bodyPr wrap="none" rtlCol="0">
+            <a:spAutoFit/>
+          </a:bodyPr>
+          <a:lstStyle/>
+          <a:p>
+            <a:r>
+              <a:rPr lang="es-ES_tradnl" sz="1351">
+                <a:latin typeface="Times New Roman" charset="0"/>
+                <a:ea typeface="Times New Roman" charset="0"/>
+                <a:cs typeface="Times New Roman" charset="0"/>
+              </a:rPr>
+              <a:t>R</a:t>
+            </a:r>
+          </a:p>
+        </p:txBody>
+      </p:sp>
+    </p:spTree>
+    <p:extLst>
+      <p:ext uri="{BB962C8B-B14F-4D97-AF65-F5344CB8AC3E}">
+        <p14:creationId xmlns:p14="http://schemas.microsoft.com/office/powerpoint/2010/main" val="2037962034"/>
+      </p:ext>
+    </p:extLst>
+  </p:cSld>
+  <p:clrMapOvr>
+    <a:masterClrMapping/>
+  </p:clrMapOvr>
+</p:sld>
+</file>
+
+<file path=ppt/slides/slide21.xml><?xml version="1.0" encoding="utf-8"?>
+<p:sld xmlns:a="http://schemas.openxmlformats.org/drawingml/2006/main" xmlns:r="http://schemas.openxmlformats.org/officeDocument/2006/relationships" xmlns:p="http://schemas.openxmlformats.org/presentationml/2006/main">
+  <p:cSld>
+    <p:spTree>
+      <p:nvGrpSpPr>
+        <p:cNvPr id="1" name=""/>
+        <p:cNvGrpSpPr/>
+        <p:nvPr/>
+      </p:nvGrpSpPr>
+      <p:grpSpPr>
+        <a:xfrm>
+          <a:off x="0" y="0"/>
+          <a:ext cx="0" cy="0"/>
+          <a:chOff x="0" y="0"/>
+          <a:chExt cx="0" cy="0"/>
+        </a:xfrm>
+      </p:grpSpPr>
       <p:grpSp>
         <p:nvGrpSpPr>
           <p:cNvPr id="55" name="Agrupar 54"/>
@@ -12760,7 +12821,7 @@
 </p:sld>
 </file>
 
-<file path=ppt/slides/slide21.xml><?xml version="1.0" encoding="utf-8"?>
+<file path=ppt/slides/slide22.xml><?xml version="1.0" encoding="utf-8"?>
 <p:sld xmlns:a="http://schemas.openxmlformats.org/drawingml/2006/main" xmlns:r="http://schemas.openxmlformats.org/officeDocument/2006/relationships" xmlns:p="http://schemas.openxmlformats.org/presentationml/2006/main">
   <p:cSld>
     <p:spTree>
@@ -13317,7 +13378,7 @@
 </p:sld>
 </file>
 
-<file path=ppt/slides/slide22.xml><?xml version="1.0" encoding="utf-8"?>
+<file path=ppt/slides/slide23.xml><?xml version="1.0" encoding="utf-8"?>
 <p:sld xmlns:a="http://schemas.openxmlformats.org/drawingml/2006/main" xmlns:r="http://schemas.openxmlformats.org/officeDocument/2006/relationships" xmlns:p="http://schemas.openxmlformats.org/presentationml/2006/main">
   <p:cSld>
     <p:spTree>
@@ -13996,7 +14057,7 @@
 </p:sld>
 </file>
 
-<file path=ppt/slides/slide23.xml><?xml version="1.0" encoding="utf-8"?>
+<file path=ppt/slides/slide24.xml><?xml version="1.0" encoding="utf-8"?>
 <p:sld xmlns:a="http://schemas.openxmlformats.org/drawingml/2006/main" xmlns:r="http://schemas.openxmlformats.org/officeDocument/2006/relationships" xmlns:p="http://schemas.openxmlformats.org/presentationml/2006/main">
   <p:cSld>
     <p:spTree>
@@ -14601,7 +14662,7 @@
 </p:sld>
 </file>
 
-<file path=ppt/slides/slide24.xml><?xml version="1.0" encoding="utf-8"?>
+<file path=ppt/slides/slide25.xml><?xml version="1.0" encoding="utf-8"?>
 <p:sld xmlns:a="http://schemas.openxmlformats.org/drawingml/2006/main" xmlns:r="http://schemas.openxmlformats.org/officeDocument/2006/relationships" xmlns:p="http://schemas.openxmlformats.org/presentationml/2006/main">
   <p:cSld>
     <p:spTree>
@@ -14960,7 +15021,7 @@
 </p:sld>
 </file>
 
-<file path=ppt/slides/slide25.xml><?xml version="1.0" encoding="utf-8"?>
+<file path=ppt/slides/slide26.xml><?xml version="1.0" encoding="utf-8"?>
 <p:sld xmlns:a="http://schemas.openxmlformats.org/drawingml/2006/main" xmlns:r="http://schemas.openxmlformats.org/officeDocument/2006/relationships" xmlns:p="http://schemas.openxmlformats.org/presentationml/2006/main">
   <p:cSld>
     <p:spTree>
@@ -15359,7 +15420,7 @@
 </p:sld>
 </file>
 
-<file path=ppt/slides/slide26.xml><?xml version="1.0" encoding="utf-8"?>
+<file path=ppt/slides/slide27.xml><?xml version="1.0" encoding="utf-8"?>
 <p:sld xmlns:a="http://schemas.openxmlformats.org/drawingml/2006/main" xmlns:r="http://schemas.openxmlformats.org/officeDocument/2006/relationships" xmlns:p="http://schemas.openxmlformats.org/presentationml/2006/main">
   <p:cSld>
     <p:spTree>
@@ -16176,7 +16237,7 @@
 </p:sld>
 </file>
 
-<file path=ppt/slides/slide27.xml><?xml version="1.0" encoding="utf-8"?>
+<file path=ppt/slides/slide28.xml><?xml version="1.0" encoding="utf-8"?>
 <p:sld xmlns:a="http://schemas.openxmlformats.org/drawingml/2006/main" xmlns:r="http://schemas.openxmlformats.org/officeDocument/2006/relationships" xmlns:p="http://schemas.openxmlformats.org/presentationml/2006/main">
   <p:cSld>
     <p:spTree>
@@ -16934,7 +16995,7 @@
 </p:sld>
 </file>
 
-<file path=ppt/slides/slide28.xml><?xml version="1.0" encoding="utf-8"?>
+<file path=ppt/slides/slide29.xml><?xml version="1.0" encoding="utf-8"?>
 <p:sld xmlns:a="http://schemas.openxmlformats.org/drawingml/2006/main" xmlns:r="http://schemas.openxmlformats.org/officeDocument/2006/relationships" xmlns:p="http://schemas.openxmlformats.org/presentationml/2006/main">
   <p:cSld>
     <p:spTree>
@@ -18210,7 +18271,1669 @@
 </p:sld>
 </file>
 
-<file path=ppt/slides/slide29.xml><?xml version="1.0" encoding="utf-8"?>
+<file path=ppt/slides/slide3.xml><?xml version="1.0" encoding="utf-8"?>
+<p:sld xmlns:a="http://schemas.openxmlformats.org/drawingml/2006/main" xmlns:r="http://schemas.openxmlformats.org/officeDocument/2006/relationships" xmlns:p="http://schemas.openxmlformats.org/presentationml/2006/main">
+  <p:cSld>
+    <p:spTree>
+      <p:nvGrpSpPr>
+        <p:cNvPr id="1" name=""/>
+        <p:cNvGrpSpPr/>
+        <p:nvPr/>
+      </p:nvGrpSpPr>
+      <p:grpSpPr>
+        <a:xfrm>
+          <a:off x="0" y="0"/>
+          <a:ext cx="0" cy="0"/>
+          <a:chOff x="0" y="0"/>
+          <a:chExt cx="0" cy="0"/>
+        </a:xfrm>
+      </p:grpSpPr>
+      <p:grpSp>
+        <p:nvGrpSpPr>
+          <p:cNvPr id="56" name="Agrupar 55"/>
+          <p:cNvGrpSpPr/>
+          <p:nvPr/>
+        </p:nvGrpSpPr>
+        <p:grpSpPr>
+          <a:xfrm>
+            <a:off x="1748250" y="1883664"/>
+            <a:ext cx="5407268" cy="4051062"/>
+            <a:chOff x="1748250" y="1883664"/>
+            <a:chExt cx="5407268" cy="4051062"/>
+          </a:xfrm>
+        </p:grpSpPr>
+        <p:sp>
+          <p:nvSpPr>
+            <p:cNvPr id="33" name="Forma libre 32"/>
+            <p:cNvSpPr/>
+            <p:nvPr/>
+          </p:nvSpPr>
+          <p:spPr>
+            <a:xfrm>
+              <a:off x="2030945" y="2187906"/>
+              <a:ext cx="4672276" cy="2236862"/>
+            </a:xfrm>
+            <a:custGeom>
+              <a:avLst/>
+              <a:gdLst>
+                <a:gd name="connsiteX0" fmla="*/ 0 w 4653776"/>
+                <a:gd name="connsiteY0" fmla="*/ 2237678 h 2259981"/>
+                <a:gd name="connsiteX1" fmla="*/ 0 w 4653776"/>
+                <a:gd name="connsiteY1" fmla="*/ 1100254 h 2259981"/>
+                <a:gd name="connsiteX2" fmla="*/ 4638908 w 4653776"/>
+                <a:gd name="connsiteY2" fmla="*/ 0 h 2259981"/>
+                <a:gd name="connsiteX3" fmla="*/ 4653776 w 4653776"/>
+                <a:gd name="connsiteY3" fmla="*/ 2259981 h 2259981"/>
+                <a:gd name="connsiteX4" fmla="*/ 0 w 4653776"/>
+                <a:gd name="connsiteY4" fmla="*/ 2237678 h 2259981"/>
+                <a:gd name="connsiteX0" fmla="*/ 0 w 4653776"/>
+                <a:gd name="connsiteY0" fmla="*/ 2237678 h 2259981"/>
+                <a:gd name="connsiteX1" fmla="*/ 0 w 4653776"/>
+                <a:gd name="connsiteY1" fmla="*/ 1100254 h 2259981"/>
+                <a:gd name="connsiteX2" fmla="*/ 4638908 w 4653776"/>
+                <a:gd name="connsiteY2" fmla="*/ 0 h 2259981"/>
+                <a:gd name="connsiteX3" fmla="*/ 4653776 w 4653776"/>
+                <a:gd name="connsiteY3" fmla="*/ 2259981 h 2259981"/>
+                <a:gd name="connsiteX4" fmla="*/ 0 w 4653776"/>
+                <a:gd name="connsiteY4" fmla="*/ 2237678 h 2259981"/>
+                <a:gd name="connsiteX0" fmla="*/ 0 w 4653776"/>
+                <a:gd name="connsiteY0" fmla="*/ 2237678 h 2259981"/>
+                <a:gd name="connsiteX1" fmla="*/ 0 w 4653776"/>
+                <a:gd name="connsiteY1" fmla="*/ 1100254 h 2259981"/>
+                <a:gd name="connsiteX2" fmla="*/ 4638908 w 4653776"/>
+                <a:gd name="connsiteY2" fmla="*/ 0 h 2259981"/>
+                <a:gd name="connsiteX3" fmla="*/ 4653776 w 4653776"/>
+                <a:gd name="connsiteY3" fmla="*/ 2259981 h 2259981"/>
+                <a:gd name="connsiteX4" fmla="*/ 0 w 4653776"/>
+                <a:gd name="connsiteY4" fmla="*/ 2237678 h 2259981"/>
+                <a:gd name="connsiteX0" fmla="*/ 0 w 4653776"/>
+                <a:gd name="connsiteY0" fmla="*/ 2253444 h 2259981"/>
+                <a:gd name="connsiteX1" fmla="*/ 0 w 4653776"/>
+                <a:gd name="connsiteY1" fmla="*/ 1100254 h 2259981"/>
+                <a:gd name="connsiteX2" fmla="*/ 4638908 w 4653776"/>
+                <a:gd name="connsiteY2" fmla="*/ 0 h 2259981"/>
+                <a:gd name="connsiteX3" fmla="*/ 4653776 w 4653776"/>
+                <a:gd name="connsiteY3" fmla="*/ 2259981 h 2259981"/>
+                <a:gd name="connsiteX4" fmla="*/ 0 w 4653776"/>
+                <a:gd name="connsiteY4" fmla="*/ 2253444 h 2259981"/>
+                <a:gd name="connsiteX0" fmla="*/ 5255 w 4653776"/>
+                <a:gd name="connsiteY0" fmla="*/ 2237678 h 2259981"/>
+                <a:gd name="connsiteX1" fmla="*/ 0 w 4653776"/>
+                <a:gd name="connsiteY1" fmla="*/ 1100254 h 2259981"/>
+                <a:gd name="connsiteX2" fmla="*/ 4638908 w 4653776"/>
+                <a:gd name="connsiteY2" fmla="*/ 0 h 2259981"/>
+                <a:gd name="connsiteX3" fmla="*/ 4653776 w 4653776"/>
+                <a:gd name="connsiteY3" fmla="*/ 2259981 h 2259981"/>
+                <a:gd name="connsiteX4" fmla="*/ 5255 w 4653776"/>
+                <a:gd name="connsiteY4" fmla="*/ 2237678 h 2259981"/>
+                <a:gd name="connsiteX0" fmla="*/ 5255 w 4653776"/>
+                <a:gd name="connsiteY0" fmla="*/ 2242933 h 2259981"/>
+                <a:gd name="connsiteX1" fmla="*/ 0 w 4653776"/>
+                <a:gd name="connsiteY1" fmla="*/ 1100254 h 2259981"/>
+                <a:gd name="connsiteX2" fmla="*/ 4638908 w 4653776"/>
+                <a:gd name="connsiteY2" fmla="*/ 0 h 2259981"/>
+                <a:gd name="connsiteX3" fmla="*/ 4653776 w 4653776"/>
+                <a:gd name="connsiteY3" fmla="*/ 2259981 h 2259981"/>
+                <a:gd name="connsiteX4" fmla="*/ 5255 w 4653776"/>
+                <a:gd name="connsiteY4" fmla="*/ 2242933 h 2259981"/>
+                <a:gd name="connsiteX0" fmla="*/ 505 w 4654282"/>
+                <a:gd name="connsiteY0" fmla="*/ 2248188 h 2259981"/>
+                <a:gd name="connsiteX1" fmla="*/ 506 w 4654282"/>
+                <a:gd name="connsiteY1" fmla="*/ 1100254 h 2259981"/>
+                <a:gd name="connsiteX2" fmla="*/ 4639414 w 4654282"/>
+                <a:gd name="connsiteY2" fmla="*/ 0 h 2259981"/>
+                <a:gd name="connsiteX3" fmla="*/ 4654282 w 4654282"/>
+                <a:gd name="connsiteY3" fmla="*/ 2259981 h 2259981"/>
+                <a:gd name="connsiteX4" fmla="*/ 505 w 4654282"/>
+                <a:gd name="connsiteY4" fmla="*/ 2248188 h 2259981"/>
+                <a:gd name="connsiteX0" fmla="*/ 5255 w 4653776"/>
+                <a:gd name="connsiteY0" fmla="*/ 2258698 h 2259981"/>
+                <a:gd name="connsiteX1" fmla="*/ 0 w 4653776"/>
+                <a:gd name="connsiteY1" fmla="*/ 1100254 h 2259981"/>
+                <a:gd name="connsiteX2" fmla="*/ 4638908 w 4653776"/>
+                <a:gd name="connsiteY2" fmla="*/ 0 h 2259981"/>
+                <a:gd name="connsiteX3" fmla="*/ 4653776 w 4653776"/>
+                <a:gd name="connsiteY3" fmla="*/ 2259981 h 2259981"/>
+                <a:gd name="connsiteX4" fmla="*/ 5255 w 4653776"/>
+                <a:gd name="connsiteY4" fmla="*/ 2258698 h 2259981"/>
+              </a:gdLst>
+              <a:ahLst/>
+              <a:cxnLst>
+                <a:cxn ang="0">
+                  <a:pos x="connsiteX0" y="connsiteY0"/>
+                </a:cxn>
+                <a:cxn ang="0">
+                  <a:pos x="connsiteX1" y="connsiteY1"/>
+                </a:cxn>
+                <a:cxn ang="0">
+                  <a:pos x="connsiteX2" y="connsiteY2"/>
+                </a:cxn>
+                <a:cxn ang="0">
+                  <a:pos x="connsiteX3" y="connsiteY3"/>
+                </a:cxn>
+                <a:cxn ang="0">
+                  <a:pos x="connsiteX4" y="connsiteY4"/>
+                </a:cxn>
+              </a:cxnLst>
+              <a:rect l="l" t="t" r="r" b="b"/>
+              <a:pathLst>
+                <a:path w="4653776" h="2259981">
+                  <a:moveTo>
+                    <a:pt x="5255" y="2258698"/>
+                  </a:moveTo>
+                  <a:cubicBezTo>
+                    <a:pt x="3503" y="1879557"/>
+                    <a:pt x="1752" y="1479395"/>
+                    <a:pt x="0" y="1100254"/>
+                  </a:cubicBezTo>
+                  <a:cubicBezTo>
+                    <a:pt x="1204333" y="473307"/>
+                    <a:pt x="2951356" y="329580"/>
+                    <a:pt x="4638908" y="0"/>
+                  </a:cubicBezTo>
+                  <a:lnTo>
+                    <a:pt x="4653776" y="2259981"/>
+                  </a:lnTo>
+                  <a:lnTo>
+                    <a:pt x="5255" y="2258698"/>
+                  </a:lnTo>
+                  <a:close/>
+                </a:path>
+              </a:pathLst>
+            </a:custGeom>
+            <a:solidFill>
+              <a:srgbClr val="FF0000">
+                <a:alpha val="26000"/>
+              </a:srgbClr>
+            </a:solidFill>
+            <a:ln>
+              <a:noFill/>
+            </a:ln>
+          </p:spPr>
+          <p:style>
+            <a:lnRef idx="2">
+              <a:schemeClr val="accent1">
+                <a:shade val="50000"/>
+              </a:schemeClr>
+            </a:lnRef>
+            <a:fillRef idx="1">
+              <a:schemeClr val="accent1"/>
+            </a:fillRef>
+            <a:effectRef idx="0">
+              <a:schemeClr val="accent1"/>
+            </a:effectRef>
+            <a:fontRef idx="minor">
+              <a:schemeClr val="lt1"/>
+            </a:fontRef>
+          </p:style>
+          <p:txBody>
+            <a:bodyPr rtlCol="0" anchor="ctr"/>
+            <a:lstStyle/>
+            <a:p>
+              <a:pPr algn="ctr"/>
+              <a:endParaRPr lang="es-ES_tradnl"/>
+            </a:p>
+          </p:txBody>
+        </p:sp>
+        <p:grpSp>
+          <p:nvGrpSpPr>
+            <p:cNvPr id="34" name="Agrupar 33"/>
+            <p:cNvGrpSpPr/>
+            <p:nvPr/>
+          </p:nvGrpSpPr>
+          <p:grpSpPr>
+            <a:xfrm>
+              <a:off x="1748250" y="1883664"/>
+              <a:ext cx="5392688" cy="2535306"/>
+              <a:chOff x="1601945" y="2606040"/>
+              <a:chExt cx="5707999" cy="2598403"/>
+            </a:xfrm>
+          </p:grpSpPr>
+          <p:cxnSp>
+            <p:nvCxnSpPr>
+              <p:cNvPr id="2" name="Conector recto de flecha 1"/>
+              <p:cNvCxnSpPr/>
+              <p:nvPr/>
+            </p:nvCxnSpPr>
+            <p:spPr>
+              <a:xfrm>
+                <a:off x="1601945" y="5204443"/>
+                <a:ext cx="5707999" cy="0"/>
+              </a:xfrm>
+              <a:prstGeom prst="straightConnector1">
+                <a:avLst/>
+              </a:prstGeom>
+              <a:ln w="12700">
+                <a:solidFill>
+                  <a:schemeClr val="bg2">
+                    <a:lumMod val="50000"/>
+                  </a:schemeClr>
+                </a:solidFill>
+                <a:headEnd type="none" w="med" len="med"/>
+                <a:tailEnd type="none" w="med" len="med"/>
+              </a:ln>
+            </p:spPr>
+            <p:style>
+              <a:lnRef idx="1">
+                <a:schemeClr val="accent1"/>
+              </a:lnRef>
+              <a:fillRef idx="0">
+                <a:schemeClr val="accent1"/>
+              </a:fillRef>
+              <a:effectRef idx="0">
+                <a:schemeClr val="accent1"/>
+              </a:effectRef>
+              <a:fontRef idx="minor">
+                <a:schemeClr val="tx1"/>
+              </a:fontRef>
+            </p:style>
+          </p:cxnSp>
+          <p:cxnSp>
+            <p:nvCxnSpPr>
+              <p:cNvPr id="3" name="Conector recto de flecha 2"/>
+              <p:cNvCxnSpPr/>
+              <p:nvPr/>
+            </p:nvCxnSpPr>
+            <p:spPr>
+              <a:xfrm flipV="1">
+                <a:off x="1607200" y="2606040"/>
+                <a:ext cx="0" cy="2596226"/>
+              </a:xfrm>
+              <a:prstGeom prst="straightConnector1">
+                <a:avLst/>
+              </a:prstGeom>
+              <a:ln w="12700">
+                <a:solidFill>
+                  <a:schemeClr val="bg2">
+                    <a:lumMod val="50000"/>
+                  </a:schemeClr>
+                </a:solidFill>
+                <a:headEnd type="none" w="med" len="med"/>
+                <a:tailEnd type="none" w="med" len="med"/>
+              </a:ln>
+            </p:spPr>
+            <p:style>
+              <a:lnRef idx="1">
+                <a:schemeClr val="accent1"/>
+              </a:lnRef>
+              <a:fillRef idx="0">
+                <a:schemeClr val="accent1"/>
+              </a:fillRef>
+              <a:effectRef idx="0">
+                <a:schemeClr val="accent1"/>
+              </a:effectRef>
+              <a:fontRef idx="minor">
+                <a:schemeClr val="tx1"/>
+              </a:fontRef>
+            </p:style>
+          </p:cxnSp>
+        </p:grpSp>
+        <mc:AlternateContent xmlns:mc="http://schemas.openxmlformats.org/markup-compatibility/2006">
+          <mc:Choice xmlns:a14="http://schemas.microsoft.com/office/drawing/2010/main" Requires="a14">
+            <p:sp>
+              <p:nvSpPr>
+                <p:cNvPr id="4" name="CuadroTexto 3"/>
+                <p:cNvSpPr txBox="1"/>
+                <p:nvPr/>
+              </p:nvSpPr>
+              <p:spPr>
+                <a:xfrm>
+                  <a:off x="6953746" y="4115015"/>
+                  <a:ext cx="201772" cy="215444"/>
+                </a:xfrm>
+                <a:prstGeom prst="rect">
+                  <a:avLst/>
+                </a:prstGeom>
+                <a:noFill/>
+              </p:spPr>
+              <p:txBody>
+                <a:bodyPr wrap="square" lIns="0" tIns="0" rIns="0" bIns="0" rtlCol="0">
+                  <a:spAutoFit/>
+                </a:bodyPr>
+                <a:lstStyle/>
+                <a:p>
+                  <a:pPr/>
+                  <a14:m>
+                    <m:oMathPara xmlns:m="http://schemas.openxmlformats.org/officeDocument/2006/math">
+                      <m:oMathParaPr>
+                        <m:jc m:val="centerGroup"/>
+                      </m:oMathParaPr>
+                      <m:oMath xmlns:m="http://schemas.openxmlformats.org/officeDocument/2006/math">
+                        <m:r>
+                          <a:rPr lang="es-ES" sz="1400" b="0" i="1">
+                            <a:latin typeface="Cambria Math" charset="0"/>
+                          </a:rPr>
+                          <m:t>𝑡</m:t>
+                        </m:r>
+                      </m:oMath>
+                    </m:oMathPara>
+                  </a14:m>
+                  <a:endParaRPr lang="es-ES_tradnl" sz="1400"/>
+                </a:p>
+              </p:txBody>
+            </p:sp>
+          </mc:Choice>
+          <mc:Fallback>
+            <p:sp>
+              <p:nvSpPr>
+                <p:cNvPr id="4" name="CuadroTexto 3"/>
+                <p:cNvSpPr txBox="1">
+                  <a:spLocks noRot="1" noChangeAspect="1" noMove="1" noResize="1" noEditPoints="1" noAdjustHandles="1" noChangeArrowheads="1" noChangeShapeType="1" noTextEdit="1"/>
+                </p:cNvSpPr>
+                <p:nvPr/>
+              </p:nvSpPr>
+              <p:spPr>
+                <a:xfrm>
+                  <a:off x="6953746" y="4115015"/>
+                  <a:ext cx="201772" cy="215444"/>
+                </a:xfrm>
+                <a:prstGeom prst="rect">
+                  <a:avLst/>
+                </a:prstGeom>
+                <a:blipFill rotWithShape="0">
+                  <a:blip r:embed="rId2"/>
+                  <a:stretch>
+                    <a:fillRect b="-2857"/>
+                  </a:stretch>
+                </a:blipFill>
+              </p:spPr>
+              <p:txBody>
+                <a:bodyPr/>
+                <a:lstStyle/>
+                <a:p>
+                  <a:r>
+                    <a:rPr lang="es-ES_tradnl">
+                      <a:noFill/>
+                    </a:rPr>
+                    <a:t> </a:t>
+                  </a:r>
+                </a:p>
+              </p:txBody>
+            </p:sp>
+          </mc:Fallback>
+        </mc:AlternateContent>
+        <p:sp>
+          <p:nvSpPr>
+            <p:cNvPr id="23" name="Forma libre 22"/>
+            <p:cNvSpPr/>
+            <p:nvPr/>
+          </p:nvSpPr>
+          <p:spPr>
+            <a:xfrm rot="20850718">
+              <a:off x="1976891" y="2421972"/>
+              <a:ext cx="4782692" cy="525726"/>
+            </a:xfrm>
+            <a:custGeom>
+              <a:avLst/>
+              <a:gdLst>
+                <a:gd name="connsiteX0" fmla="*/ 0 w 5120640"/>
+                <a:gd name="connsiteY0" fmla="*/ 1253250 h 1906412"/>
+                <a:gd name="connsiteX1" fmla="*/ 1691640 w 5120640"/>
+                <a:gd name="connsiteY1" fmla="*/ 11190 h 1906412"/>
+                <a:gd name="connsiteX2" fmla="*/ 3779520 w 5120640"/>
+                <a:gd name="connsiteY2" fmla="*/ 1893330 h 1906412"/>
+                <a:gd name="connsiteX3" fmla="*/ 5120640 w 5120640"/>
+                <a:gd name="connsiteY3" fmla="*/ 895110 h 1906412"/>
+              </a:gdLst>
+              <a:ahLst/>
+              <a:cxnLst>
+                <a:cxn ang="0">
+                  <a:pos x="connsiteX0" y="connsiteY0"/>
+                </a:cxn>
+                <a:cxn ang="0">
+                  <a:pos x="connsiteX1" y="connsiteY1"/>
+                </a:cxn>
+                <a:cxn ang="0">
+                  <a:pos x="connsiteX2" y="connsiteY2"/>
+                </a:cxn>
+                <a:cxn ang="0">
+                  <a:pos x="connsiteX3" y="connsiteY3"/>
+                </a:cxn>
+              </a:cxnLst>
+              <a:rect l="l" t="t" r="r" b="b"/>
+              <a:pathLst>
+                <a:path w="5120640" h="1906412">
+                  <a:moveTo>
+                    <a:pt x="0" y="1253250"/>
+                  </a:moveTo>
+                  <a:cubicBezTo>
+                    <a:pt x="530860" y="578880"/>
+                    <a:pt x="1061720" y="-95490"/>
+                    <a:pt x="1691640" y="11190"/>
+                  </a:cubicBezTo>
+                  <a:cubicBezTo>
+                    <a:pt x="2321560" y="117870"/>
+                    <a:pt x="3208020" y="1746010"/>
+                    <a:pt x="3779520" y="1893330"/>
+                  </a:cubicBezTo>
+                  <a:cubicBezTo>
+                    <a:pt x="4351020" y="2040650"/>
+                    <a:pt x="5120640" y="895110"/>
+                    <a:pt x="5120640" y="895110"/>
+                  </a:cubicBezTo>
+                </a:path>
+              </a:pathLst>
+            </a:custGeom>
+            <a:noFill/>
+            <a:ln w="19050">
+              <a:solidFill>
+                <a:schemeClr val="tx1"/>
+              </a:solidFill>
+              <a:prstDash val="dash"/>
+            </a:ln>
+          </p:spPr>
+          <p:style>
+            <a:lnRef idx="2">
+              <a:schemeClr val="accent1">
+                <a:shade val="50000"/>
+              </a:schemeClr>
+            </a:lnRef>
+            <a:fillRef idx="1">
+              <a:schemeClr val="accent1"/>
+            </a:fillRef>
+            <a:effectRef idx="0">
+              <a:schemeClr val="accent1"/>
+            </a:effectRef>
+            <a:fontRef idx="minor">
+              <a:schemeClr val="lt1"/>
+            </a:fontRef>
+          </p:style>
+          <p:txBody>
+            <a:bodyPr rtlCol="0" anchor="ctr"/>
+            <a:lstStyle/>
+            <a:p>
+              <a:pPr algn="ctr"/>
+              <a:endParaRPr lang="es-ES_tradnl"/>
+            </a:p>
+          </p:txBody>
+        </p:sp>
+        <p:sp>
+          <p:nvSpPr>
+            <p:cNvPr id="28" name="Forma libre 27"/>
+            <p:cNvSpPr/>
+            <p:nvPr/>
+          </p:nvSpPr>
+          <p:spPr>
+            <a:xfrm>
+              <a:off x="2024023" y="2176516"/>
+              <a:ext cx="4640580" cy="1112520"/>
+            </a:xfrm>
+            <a:custGeom>
+              <a:avLst/>
+              <a:gdLst>
+                <a:gd name="connsiteX0" fmla="*/ 0 w 4632960"/>
+                <a:gd name="connsiteY0" fmla="*/ 1181100 h 1181100"/>
+                <a:gd name="connsiteX1" fmla="*/ 1363980 w 4632960"/>
+                <a:gd name="connsiteY1" fmla="*/ 655320 h 1181100"/>
+                <a:gd name="connsiteX2" fmla="*/ 4632960 w 4632960"/>
+                <a:gd name="connsiteY2" fmla="*/ 0 h 1181100"/>
+              </a:gdLst>
+              <a:ahLst/>
+              <a:cxnLst>
+                <a:cxn ang="0">
+                  <a:pos x="connsiteX0" y="connsiteY0"/>
+                </a:cxn>
+                <a:cxn ang="0">
+                  <a:pos x="connsiteX1" y="connsiteY1"/>
+                </a:cxn>
+                <a:cxn ang="0">
+                  <a:pos x="connsiteX2" y="connsiteY2"/>
+                </a:cxn>
+              </a:cxnLst>
+              <a:rect l="l" t="t" r="r" b="b"/>
+              <a:pathLst>
+                <a:path w="4632960" h="1181100">
+                  <a:moveTo>
+                    <a:pt x="0" y="1181100"/>
+                  </a:moveTo>
+                  <a:cubicBezTo>
+                    <a:pt x="295910" y="1016635"/>
+                    <a:pt x="591820" y="852170"/>
+                    <a:pt x="1363980" y="655320"/>
+                  </a:cubicBezTo>
+                  <a:cubicBezTo>
+                    <a:pt x="2136140" y="458470"/>
+                    <a:pt x="4632960" y="0"/>
+                    <a:pt x="4632960" y="0"/>
+                  </a:cubicBezTo>
+                </a:path>
+              </a:pathLst>
+            </a:custGeom>
+            <a:noFill/>
+            <a:ln w="38100">
+              <a:solidFill>
+                <a:srgbClr val="FF0000"/>
+              </a:solidFill>
+            </a:ln>
+          </p:spPr>
+          <p:style>
+            <a:lnRef idx="2">
+              <a:schemeClr val="accent1">
+                <a:shade val="50000"/>
+              </a:schemeClr>
+            </a:lnRef>
+            <a:fillRef idx="1">
+              <a:schemeClr val="accent1"/>
+            </a:fillRef>
+            <a:effectRef idx="0">
+              <a:schemeClr val="accent1"/>
+            </a:effectRef>
+            <a:fontRef idx="minor">
+              <a:schemeClr val="lt1"/>
+            </a:fontRef>
+          </p:style>
+          <p:txBody>
+            <a:bodyPr rtlCol="0" anchor="ctr"/>
+            <a:lstStyle/>
+            <a:p>
+              <a:pPr algn="ctr"/>
+              <a:endParaRPr lang="es-ES_tradnl"/>
+            </a:p>
+          </p:txBody>
+        </p:sp>
+        <mc:AlternateContent xmlns:mc="http://schemas.openxmlformats.org/markup-compatibility/2006">
+          <mc:Choice xmlns:a14="http://schemas.microsoft.com/office/drawing/2010/main" Requires="a14">
+            <p:sp>
+              <p:nvSpPr>
+                <p:cNvPr id="35" name="CuadroTexto 34"/>
+                <p:cNvSpPr txBox="1"/>
+                <p:nvPr/>
+              </p:nvSpPr>
+              <p:spPr>
+                <a:xfrm>
+                  <a:off x="6157126" y="1917729"/>
+                  <a:ext cx="445820" cy="215444"/>
+                </a:xfrm>
+                <a:prstGeom prst="rect">
+                  <a:avLst/>
+                </a:prstGeom>
+                <a:noFill/>
+              </p:spPr>
+              <p:txBody>
+                <a:bodyPr wrap="square" lIns="0" tIns="0" rIns="0" bIns="0" rtlCol="0">
+                  <a:spAutoFit/>
+                </a:bodyPr>
+                <a:lstStyle/>
+                <a:p>
+                  <a:pPr/>
+                  <a14:m>
+                    <m:oMathPara xmlns:m="http://schemas.openxmlformats.org/officeDocument/2006/math">
+                      <m:oMathParaPr>
+                        <m:jc m:val="centerGroup"/>
+                      </m:oMathParaPr>
+                      <m:oMath xmlns:m="http://schemas.openxmlformats.org/officeDocument/2006/math">
+                        <m:sSub>
+                          <m:sSubPr>
+                            <m:ctrlPr>
+                              <a:rPr lang="en-US" sz="1400" b="0" i="1">
+                                <a:latin typeface="Cambria Math" charset="0"/>
+                              </a:rPr>
+                            </m:ctrlPr>
+                          </m:sSubPr>
+                          <m:e>
+                            <m:r>
+                              <a:rPr lang="es-ES" sz="1400" b="0" i="1">
+                                <a:latin typeface="Cambria Math" charset="0"/>
+                              </a:rPr>
+                              <m:t>𝑓</m:t>
+                            </m:r>
+                          </m:e>
+                          <m:sub>
+                            <m:r>
+                              <a:rPr lang="es-ES" sz="1400" b="0" i="1">
+                                <a:latin typeface="Cambria Math" charset="0"/>
+                              </a:rPr>
+                              <m:t>0</m:t>
+                            </m:r>
+                          </m:sub>
+                        </m:sSub>
+                        <m:r>
+                          <a:rPr lang="es-ES" sz="1400" b="0" i="1">
+                            <a:latin typeface="Cambria Math" charset="0"/>
+                          </a:rPr>
+                          <m:t>(</m:t>
+                        </m:r>
+                        <m:r>
+                          <a:rPr lang="es-ES" sz="1400" b="0" i="1">
+                            <a:latin typeface="Cambria Math" charset="0"/>
+                          </a:rPr>
+                          <m:t>𝑡</m:t>
+                        </m:r>
+                        <m:r>
+                          <a:rPr lang="es-ES" sz="1400" b="0" i="1">
+                            <a:latin typeface="Cambria Math" charset="0"/>
+                          </a:rPr>
+                          <m:t>)</m:t>
+                        </m:r>
+                      </m:oMath>
+                    </m:oMathPara>
+                  </a14:m>
+                  <a:endParaRPr lang="es-ES_tradnl" sz="1400"/>
+                </a:p>
+              </p:txBody>
+            </p:sp>
+          </mc:Choice>
+          <mc:Fallback>
+            <p:sp>
+              <p:nvSpPr>
+                <p:cNvPr id="35" name="CuadroTexto 34"/>
+                <p:cNvSpPr txBox="1">
+                  <a:spLocks noRot="1" noChangeAspect="1" noMove="1" noResize="1" noEditPoints="1" noAdjustHandles="1" noChangeArrowheads="1" noChangeShapeType="1" noTextEdit="1"/>
+                </p:cNvSpPr>
+                <p:nvPr/>
+              </p:nvSpPr>
+              <p:spPr>
+                <a:xfrm>
+                  <a:off x="6157126" y="1917729"/>
+                  <a:ext cx="445820" cy="215444"/>
+                </a:xfrm>
+                <a:prstGeom prst="rect">
+                  <a:avLst/>
+                </a:prstGeom>
+                <a:blipFill rotWithShape="0">
+                  <a:blip r:embed="rId3"/>
+                  <a:stretch>
+                    <a:fillRect l="-10959" t="-2857" r="-10959" b="-37143"/>
+                  </a:stretch>
+                </a:blipFill>
+              </p:spPr>
+              <p:txBody>
+                <a:bodyPr/>
+                <a:lstStyle/>
+                <a:p>
+                  <a:r>
+                    <a:rPr lang="es-ES_tradnl">
+                      <a:noFill/>
+                    </a:rPr>
+                    <a:t> </a:t>
+                  </a:r>
+                </a:p>
+              </p:txBody>
+            </p:sp>
+          </mc:Fallback>
+        </mc:AlternateContent>
+        <mc:AlternateContent xmlns:mc="http://schemas.openxmlformats.org/markup-compatibility/2006">
+          <mc:Choice xmlns:a14="http://schemas.microsoft.com/office/drawing/2010/main" Requires="a14">
+            <p:sp>
+              <p:nvSpPr>
+                <p:cNvPr id="36" name="CuadroTexto 35"/>
+                <p:cNvSpPr txBox="1"/>
+                <p:nvPr/>
+              </p:nvSpPr>
+              <p:spPr>
+                <a:xfrm>
+                  <a:off x="3218481" y="2336539"/>
+                  <a:ext cx="445820" cy="215444"/>
+                </a:xfrm>
+                <a:prstGeom prst="rect">
+                  <a:avLst/>
+                </a:prstGeom>
+                <a:noFill/>
+              </p:spPr>
+              <p:txBody>
+                <a:bodyPr wrap="square" lIns="0" tIns="0" rIns="0" bIns="0" rtlCol="0">
+                  <a:spAutoFit/>
+                </a:bodyPr>
+                <a:lstStyle/>
+                <a:p>
+                  <a:pPr/>
+                  <a14:m>
+                    <m:oMathPara xmlns:m="http://schemas.openxmlformats.org/officeDocument/2006/math">
+                      <m:oMathParaPr>
+                        <m:jc m:val="centerGroup"/>
+                      </m:oMathParaPr>
+                      <m:oMath xmlns:m="http://schemas.openxmlformats.org/officeDocument/2006/math">
+                        <m:r>
+                          <a:rPr lang="es-ES" sz="1400" b="0" i="1">
+                            <a:latin typeface="Cambria Math" charset="0"/>
+                          </a:rPr>
+                          <m:t>𝑓</m:t>
+                        </m:r>
+                        <m:r>
+                          <a:rPr lang="es-ES" sz="1400" b="0" i="1">
+                            <a:latin typeface="Cambria Math" charset="0"/>
+                          </a:rPr>
+                          <m:t>(</m:t>
+                        </m:r>
+                        <m:r>
+                          <a:rPr lang="es-ES" sz="1400" b="0" i="1">
+                            <a:latin typeface="Cambria Math" charset="0"/>
+                          </a:rPr>
+                          <m:t>𝑡</m:t>
+                        </m:r>
+                        <m:r>
+                          <a:rPr lang="es-ES" sz="1400" b="0" i="1">
+                            <a:latin typeface="Cambria Math" charset="0"/>
+                          </a:rPr>
+                          <m:t>)</m:t>
+                        </m:r>
+                      </m:oMath>
+                    </m:oMathPara>
+                  </a14:m>
+                  <a:endParaRPr lang="es-ES_tradnl" sz="1400"/>
+                </a:p>
+              </p:txBody>
+            </p:sp>
+          </mc:Choice>
+          <mc:Fallback>
+            <p:sp>
+              <p:nvSpPr>
+                <p:cNvPr id="36" name="CuadroTexto 35"/>
+                <p:cNvSpPr txBox="1">
+                  <a:spLocks noRot="1" noChangeAspect="1" noMove="1" noResize="1" noEditPoints="1" noAdjustHandles="1" noChangeArrowheads="1" noChangeShapeType="1" noTextEdit="1"/>
+                </p:cNvSpPr>
+                <p:nvPr/>
+              </p:nvSpPr>
+              <p:spPr>
+                <a:xfrm>
+                  <a:off x="3218481" y="2336539"/>
+                  <a:ext cx="445820" cy="215444"/>
+                </a:xfrm>
+                <a:prstGeom prst="rect">
+                  <a:avLst/>
+                </a:prstGeom>
+                <a:blipFill rotWithShape="0">
+                  <a:blip r:embed="rId4"/>
+                  <a:stretch>
+                    <a:fillRect l="-5479" r="-5479" b="-33333"/>
+                  </a:stretch>
+                </a:blipFill>
+              </p:spPr>
+              <p:txBody>
+                <a:bodyPr/>
+                <a:lstStyle/>
+                <a:p>
+                  <a:r>
+                    <a:rPr lang="es-ES_tradnl">
+                      <a:noFill/>
+                    </a:rPr>
+                    <a:t> </a:t>
+                  </a:r>
+                </a:p>
+              </p:txBody>
+            </p:sp>
+          </mc:Fallback>
+        </mc:AlternateContent>
+        <p:cxnSp>
+          <p:nvCxnSpPr>
+            <p:cNvPr id="42" name="Conector recto de flecha 41"/>
+            <p:cNvCxnSpPr/>
+            <p:nvPr/>
+          </p:nvCxnSpPr>
+          <p:spPr>
+            <a:xfrm>
+              <a:off x="5424407" y="2386739"/>
+              <a:ext cx="0" cy="309965"/>
+            </a:xfrm>
+            <a:prstGeom prst="straightConnector1">
+              <a:avLst/>
+            </a:prstGeom>
+            <a:ln w="19050">
+              <a:solidFill>
+                <a:schemeClr val="tx1"/>
+              </a:solidFill>
+              <a:tailEnd type="triangle"/>
+            </a:ln>
+          </p:spPr>
+          <p:style>
+            <a:lnRef idx="1">
+              <a:schemeClr val="accent1"/>
+            </a:lnRef>
+            <a:fillRef idx="0">
+              <a:schemeClr val="accent1"/>
+            </a:fillRef>
+            <a:effectRef idx="0">
+              <a:schemeClr val="accent1"/>
+            </a:effectRef>
+            <a:fontRef idx="minor">
+              <a:schemeClr val="tx1"/>
+            </a:fontRef>
+          </p:style>
+        </p:cxnSp>
+        <mc:AlternateContent xmlns:mc="http://schemas.openxmlformats.org/markup-compatibility/2006">
+          <mc:Choice xmlns:a14="http://schemas.microsoft.com/office/drawing/2010/main" Requires="a14">
+            <p:sp>
+              <p:nvSpPr>
+                <p:cNvPr id="43" name="CuadroTexto 42"/>
+                <p:cNvSpPr txBox="1"/>
+                <p:nvPr/>
+              </p:nvSpPr>
+              <p:spPr>
+                <a:xfrm>
+                  <a:off x="5110102" y="2748367"/>
+                  <a:ext cx="1527743" cy="215444"/>
+                </a:xfrm>
+                <a:prstGeom prst="rect">
+                  <a:avLst/>
+                </a:prstGeom>
+                <a:noFill/>
+              </p:spPr>
+              <p:txBody>
+                <a:bodyPr wrap="square" lIns="0" tIns="0" rIns="0" bIns="0" rtlCol="0">
+                  <a:spAutoFit/>
+                </a:bodyPr>
+                <a:lstStyle/>
+                <a:p>
+                  <a:pPr/>
+                  <a14:m>
+                    <m:oMathPara xmlns:m="http://schemas.openxmlformats.org/officeDocument/2006/math">
+                      <m:oMathParaPr>
+                        <m:jc m:val="centerGroup"/>
+                      </m:oMathParaPr>
+                      <m:oMath xmlns:m="http://schemas.openxmlformats.org/officeDocument/2006/math">
+                        <m:r>
+                          <a:rPr lang="es-ES" sz="1400" b="0" i="1">
+                            <a:latin typeface="Cambria Math" charset="0"/>
+                            <a:ea typeface="Cambria Math" charset="0"/>
+                            <a:cs typeface="Cambria Math" charset="0"/>
+                          </a:rPr>
+                          <m:t>𝛿</m:t>
+                        </m:r>
+                        <m:r>
+                          <a:rPr lang="es-ES" sz="1400" b="0" i="1">
+                            <a:latin typeface="Cambria Math" charset="0"/>
+                          </a:rPr>
+                          <m:t>𝑓</m:t>
+                        </m:r>
+                        <m:d>
+                          <m:dPr>
+                            <m:ctrlPr>
+                              <a:rPr lang="es-ES" sz="1400" b="0" i="1">
+                                <a:latin typeface="Cambria Math" charset="0"/>
+                              </a:rPr>
+                            </m:ctrlPr>
+                          </m:dPr>
+                          <m:e>
+                            <m:r>
+                              <a:rPr lang="es-ES" sz="1400" b="0" i="1">
+                                <a:latin typeface="Cambria Math" charset="0"/>
+                              </a:rPr>
+                              <m:t>𝑡</m:t>
+                            </m:r>
+                          </m:e>
+                        </m:d>
+                        <m:r>
+                          <a:rPr lang="es-ES" sz="1400" b="0" i="1">
+                            <a:latin typeface="Cambria Math" charset="0"/>
+                          </a:rPr>
+                          <m:t>=</m:t>
+                        </m:r>
+                        <m:r>
+                          <a:rPr lang="es-ES" sz="1400" b="0" i="1">
+                            <a:latin typeface="Cambria Math" charset="0"/>
+                            <a:ea typeface="Cambria Math" charset="0"/>
+                            <a:cs typeface="Cambria Math" charset="0"/>
+                          </a:rPr>
+                          <m:t>𝜀𝜂</m:t>
+                        </m:r>
+                        <m:r>
+                          <a:rPr lang="es-ES" sz="1400" b="0" i="1">
+                            <a:latin typeface="Cambria Math" charset="0"/>
+                            <a:ea typeface="Cambria Math" charset="0"/>
+                            <a:cs typeface="Cambria Math" charset="0"/>
+                          </a:rPr>
+                          <m:t>(</m:t>
+                        </m:r>
+                        <m:r>
+                          <a:rPr lang="es-ES" sz="1400" b="0" i="1">
+                            <a:latin typeface="Cambria Math" charset="0"/>
+                            <a:ea typeface="Cambria Math" charset="0"/>
+                            <a:cs typeface="Cambria Math" charset="0"/>
+                          </a:rPr>
+                          <m:t>𝑡</m:t>
+                        </m:r>
+                        <m:r>
+                          <a:rPr lang="es-ES" sz="1400" b="0" i="1">
+                            <a:latin typeface="Cambria Math" charset="0"/>
+                            <a:ea typeface="Cambria Math" charset="0"/>
+                            <a:cs typeface="Cambria Math" charset="0"/>
+                          </a:rPr>
+                          <m:t>)</m:t>
+                        </m:r>
+                      </m:oMath>
+                    </m:oMathPara>
+                  </a14:m>
+                  <a:endParaRPr lang="es-ES_tradnl" sz="1400"/>
+                </a:p>
+              </p:txBody>
+            </p:sp>
+          </mc:Choice>
+          <mc:Fallback>
+            <p:sp>
+              <p:nvSpPr>
+                <p:cNvPr id="43" name="CuadroTexto 42"/>
+                <p:cNvSpPr txBox="1">
+                  <a:spLocks noRot="1" noChangeAspect="1" noMove="1" noResize="1" noEditPoints="1" noAdjustHandles="1" noChangeArrowheads="1" noChangeShapeType="1" noTextEdit="1"/>
+                </p:cNvSpPr>
+                <p:nvPr/>
+              </p:nvSpPr>
+              <p:spPr>
+                <a:xfrm>
+                  <a:off x="5110102" y="2748367"/>
+                  <a:ext cx="1527743" cy="215444"/>
+                </a:xfrm>
+                <a:prstGeom prst="rect">
+                  <a:avLst/>
+                </a:prstGeom>
+                <a:blipFill rotWithShape="0">
+                  <a:blip r:embed="rId5"/>
+                  <a:stretch>
+                    <a:fillRect b="-37143"/>
+                  </a:stretch>
+                </a:blipFill>
+              </p:spPr>
+              <p:txBody>
+                <a:bodyPr/>
+                <a:lstStyle/>
+                <a:p>
+                  <a:r>
+                    <a:rPr lang="es-ES_tradnl">
+                      <a:noFill/>
+                    </a:rPr>
+                    <a:t> </a:t>
+                  </a:r>
+                </a:p>
+              </p:txBody>
+            </p:sp>
+          </mc:Fallback>
+        </mc:AlternateContent>
+        <mc:AlternateContent xmlns:mc="http://schemas.openxmlformats.org/markup-compatibility/2006">
+          <mc:Choice xmlns:a14="http://schemas.microsoft.com/office/drawing/2010/main" Requires="a14">
+            <p:sp>
+              <p:nvSpPr>
+                <p:cNvPr id="46" name="CuadroTexto 45"/>
+                <p:cNvSpPr txBox="1"/>
+                <p:nvPr/>
+              </p:nvSpPr>
+              <p:spPr>
+                <a:xfrm>
+                  <a:off x="3309474" y="3316968"/>
+                  <a:ext cx="2414222" cy="837730"/>
+                </a:xfrm>
+                <a:prstGeom prst="rect">
+                  <a:avLst/>
+                </a:prstGeom>
+                <a:noFill/>
+              </p:spPr>
+              <p:txBody>
+                <a:bodyPr wrap="square" lIns="0" tIns="0" rIns="0" bIns="0" rtlCol="0">
+                  <a:spAutoFit/>
+                </a:bodyPr>
+                <a:lstStyle/>
+                <a:p>
+                  <a:pPr/>
+                  <a14:m>
+                    <m:oMathPara xmlns:m="http://schemas.openxmlformats.org/officeDocument/2006/math">
+                      <m:oMathParaPr>
+                        <m:jc m:val="centerGroup"/>
+                      </m:oMathParaPr>
+                      <m:oMath xmlns:m="http://schemas.openxmlformats.org/officeDocument/2006/math">
+                        <m:r>
+                          <a:rPr lang="es-ES" sz="2400" b="0" i="1">
+                            <a:latin typeface="Cambria Math" charset="0"/>
+                          </a:rPr>
+                          <m:t>𝐼</m:t>
+                        </m:r>
+                        <m:d>
+                          <m:dPr>
+                            <m:begChr m:val="["/>
+                            <m:endChr m:val="]"/>
+                            <m:ctrlPr>
+                              <a:rPr lang="es-ES" sz="2400" b="0" i="1">
+                                <a:latin typeface="Cambria Math" charset="0"/>
+                              </a:rPr>
+                            </m:ctrlPr>
+                          </m:dPr>
+                          <m:e>
+                            <m:r>
+                              <a:rPr lang="es-ES" sz="2400" b="0" i="1">
+                                <a:latin typeface="Cambria Math" charset="0"/>
+                              </a:rPr>
+                              <m:t>𝑓</m:t>
+                            </m:r>
+                          </m:e>
+                        </m:d>
+                        <m:r>
+                          <a:rPr lang="es-ES" sz="2400" b="0" i="1">
+                            <a:latin typeface="Cambria Math" charset="0"/>
+                          </a:rPr>
+                          <m:t>=</m:t>
+                        </m:r>
+                        <m:nary>
+                          <m:naryPr>
+                            <m:ctrlPr>
+                              <a:rPr lang="is-IS" sz="2400" i="1">
+                                <a:latin typeface="Cambria Math" charset="0"/>
+                              </a:rPr>
+                            </m:ctrlPr>
+                          </m:naryPr>
+                          <m:sub>
+                            <m:r>
+                              <m:rPr>
+                                <m:brk m:alnAt="23"/>
+                              </m:rPr>
+                              <a:rPr lang="es-ES" sz="2400" i="1">
+                                <a:latin typeface="Cambria Math" charset="0"/>
+                              </a:rPr>
+                              <m:t>𝑎</m:t>
+                            </m:r>
+                          </m:sub>
+                          <m:sup>
+                            <m:r>
+                              <a:rPr lang="es-ES" sz="2400" i="1">
+                                <a:latin typeface="Cambria Math" charset="0"/>
+                              </a:rPr>
+                              <m:t>𝑏</m:t>
+                            </m:r>
+                          </m:sup>
+                          <m:e>
+                            <m:r>
+                              <a:rPr lang="es-ES" sz="2400" i="1">
+                                <a:latin typeface="Cambria Math" charset="0"/>
+                              </a:rPr>
+                              <m:t>𝑓</m:t>
+                            </m:r>
+                            <m:d>
+                              <m:dPr>
+                                <m:ctrlPr>
+                                  <a:rPr lang="es-ES" sz="2400" i="1">
+                                    <a:latin typeface="Cambria Math" charset="0"/>
+                                  </a:rPr>
+                                </m:ctrlPr>
+                              </m:dPr>
+                              <m:e>
+                                <m:r>
+                                  <a:rPr lang="es-ES" sz="2400" b="0" i="1">
+                                    <a:latin typeface="Cambria Math" charset="0"/>
+                                  </a:rPr>
+                                  <m:t>𝑡</m:t>
+                                </m:r>
+                              </m:e>
+                            </m:d>
+                            <m:r>
+                              <a:rPr lang="es-ES" sz="2400" i="1">
+                                <a:latin typeface="Cambria Math" charset="0"/>
+                              </a:rPr>
+                              <m:t>𝑑</m:t>
+                            </m:r>
+                            <m:r>
+                              <a:rPr lang="es-ES" sz="2400" b="0" i="1">
+                                <a:latin typeface="Cambria Math" charset="0"/>
+                              </a:rPr>
+                              <m:t>𝑡</m:t>
+                            </m:r>
+                          </m:e>
+                        </m:nary>
+                      </m:oMath>
+                    </m:oMathPara>
+                  </a14:m>
+                  <a:endParaRPr lang="es-ES_tradnl" sz="2400"/>
+                </a:p>
+              </p:txBody>
+            </p:sp>
+          </mc:Choice>
+          <mc:Fallback>
+            <p:sp>
+              <p:nvSpPr>
+                <p:cNvPr id="46" name="CuadroTexto 45"/>
+                <p:cNvSpPr txBox="1">
+                  <a:spLocks noRot="1" noChangeAspect="1" noMove="1" noResize="1" noEditPoints="1" noAdjustHandles="1" noChangeArrowheads="1" noChangeShapeType="1" noTextEdit="1"/>
+                </p:cNvSpPr>
+                <p:nvPr/>
+              </p:nvSpPr>
+              <p:spPr>
+                <a:xfrm>
+                  <a:off x="3309474" y="3316968"/>
+                  <a:ext cx="2414222" cy="837730"/>
+                </a:xfrm>
+                <a:prstGeom prst="rect">
+                  <a:avLst/>
+                </a:prstGeom>
+                <a:blipFill rotWithShape="0">
+                  <a:blip r:embed="rId6"/>
+                  <a:stretch>
+                    <a:fillRect/>
+                  </a:stretch>
+                </a:blipFill>
+              </p:spPr>
+              <p:txBody>
+                <a:bodyPr/>
+                <a:lstStyle/>
+                <a:p>
+                  <a:r>
+                    <a:rPr lang="es-ES_tradnl">
+                      <a:noFill/>
+                    </a:rPr>
+                    <a:t> </a:t>
+                  </a:r>
+                </a:p>
+              </p:txBody>
+            </p:sp>
+          </mc:Fallback>
+        </mc:AlternateContent>
+        <p:sp>
+          <p:nvSpPr>
+            <p:cNvPr id="47" name="Forma libre 46"/>
+            <p:cNvSpPr/>
+            <p:nvPr/>
+          </p:nvSpPr>
+          <p:spPr>
+            <a:xfrm>
+              <a:off x="2049096" y="4792920"/>
+              <a:ext cx="4571939" cy="1141806"/>
+            </a:xfrm>
+            <a:custGeom>
+              <a:avLst/>
+              <a:gdLst>
+                <a:gd name="connsiteX0" fmla="*/ 0 w 3155029"/>
+                <a:gd name="connsiteY0" fmla="*/ 319141 h 544513"/>
+                <a:gd name="connsiteX1" fmla="*/ 963261 w 3155029"/>
+                <a:gd name="connsiteY1" fmla="*/ 5034 h 544513"/>
+                <a:gd name="connsiteX2" fmla="*/ 2114986 w 3155029"/>
+                <a:gd name="connsiteY2" fmla="*/ 542506 h 544513"/>
+                <a:gd name="connsiteX3" fmla="*/ 3155029 w 3155029"/>
+                <a:gd name="connsiteY3" fmla="*/ 200478 h 544513"/>
+                <a:gd name="connsiteX0" fmla="*/ 0 w 3203902"/>
+                <a:gd name="connsiteY0" fmla="*/ 319141 h 549126"/>
+                <a:gd name="connsiteX1" fmla="*/ 963261 w 3203902"/>
+                <a:gd name="connsiteY1" fmla="*/ 5034 h 549126"/>
+                <a:gd name="connsiteX2" fmla="*/ 2114986 w 3203902"/>
+                <a:gd name="connsiteY2" fmla="*/ 542506 h 549126"/>
+                <a:gd name="connsiteX3" fmla="*/ 3203902 w 3203902"/>
+                <a:gd name="connsiteY3" fmla="*/ 319292 h 549126"/>
+                <a:gd name="connsiteX0" fmla="*/ 0 w 3203902"/>
+                <a:gd name="connsiteY0" fmla="*/ 319732 h 564736"/>
+                <a:gd name="connsiteX1" fmla="*/ 963261 w 3203902"/>
+                <a:gd name="connsiteY1" fmla="*/ 5625 h 564736"/>
+                <a:gd name="connsiteX2" fmla="*/ 2391937 w 3203902"/>
+                <a:gd name="connsiteY2" fmla="*/ 558427 h 564736"/>
+                <a:gd name="connsiteX3" fmla="*/ 3203902 w 3203902"/>
+                <a:gd name="connsiteY3" fmla="*/ 319883 h 564736"/>
+              </a:gdLst>
+              <a:ahLst/>
+              <a:cxnLst>
+                <a:cxn ang="0">
+                  <a:pos x="connsiteX0" y="connsiteY0"/>
+                </a:cxn>
+                <a:cxn ang="0">
+                  <a:pos x="connsiteX1" y="connsiteY1"/>
+                </a:cxn>
+                <a:cxn ang="0">
+                  <a:pos x="connsiteX2" y="connsiteY2"/>
+                </a:cxn>
+                <a:cxn ang="0">
+                  <a:pos x="connsiteX3" y="connsiteY3"/>
+                </a:cxn>
+              </a:cxnLst>
+              <a:rect l="l" t="t" r="r" b="b"/>
+              <a:pathLst>
+                <a:path w="3203902" h="564736">
+                  <a:moveTo>
+                    <a:pt x="0" y="319732"/>
+                  </a:moveTo>
+                  <a:cubicBezTo>
+                    <a:pt x="305381" y="144065"/>
+                    <a:pt x="564605" y="-34158"/>
+                    <a:pt x="963261" y="5625"/>
+                  </a:cubicBezTo>
+                  <a:cubicBezTo>
+                    <a:pt x="1361917" y="45408"/>
+                    <a:pt x="2018497" y="506051"/>
+                    <a:pt x="2391937" y="558427"/>
+                  </a:cubicBezTo>
+                  <a:cubicBezTo>
+                    <a:pt x="2765377" y="610803"/>
+                    <a:pt x="3203902" y="319883"/>
+                    <a:pt x="3203902" y="319883"/>
+                  </a:cubicBezTo>
+                </a:path>
+              </a:pathLst>
+            </a:custGeom>
+            <a:noFill/>
+            <a:ln>
+              <a:solidFill>
+                <a:srgbClr val="0432FF"/>
+              </a:solidFill>
+            </a:ln>
+          </p:spPr>
+          <p:style>
+            <a:lnRef idx="2">
+              <a:schemeClr val="accent1">
+                <a:shade val="50000"/>
+              </a:schemeClr>
+            </a:lnRef>
+            <a:fillRef idx="1">
+              <a:schemeClr val="accent1"/>
+            </a:fillRef>
+            <a:effectRef idx="0">
+              <a:schemeClr val="accent1"/>
+            </a:effectRef>
+            <a:fontRef idx="minor">
+              <a:schemeClr val="lt1"/>
+            </a:fontRef>
+          </p:style>
+          <p:txBody>
+            <a:bodyPr rtlCol="0" anchor="ctr"/>
+            <a:lstStyle/>
+            <a:p>
+              <a:pPr algn="ctr"/>
+              <a:endParaRPr lang="es-ES_tradnl"/>
+            </a:p>
+          </p:txBody>
+        </p:sp>
+        <p:grpSp>
+          <p:nvGrpSpPr>
+            <p:cNvPr id="48" name="Agrupar 47"/>
+            <p:cNvGrpSpPr/>
+            <p:nvPr/>
+          </p:nvGrpSpPr>
+          <p:grpSpPr>
+            <a:xfrm>
+              <a:off x="2037463" y="4618495"/>
+              <a:ext cx="4598291" cy="824152"/>
+              <a:chOff x="1601945" y="2606040"/>
+              <a:chExt cx="5707999" cy="2598403"/>
+            </a:xfrm>
+          </p:grpSpPr>
+          <p:cxnSp>
+            <p:nvCxnSpPr>
+              <p:cNvPr id="49" name="Conector recto de flecha 48"/>
+              <p:cNvCxnSpPr/>
+              <p:nvPr/>
+            </p:nvCxnSpPr>
+            <p:spPr>
+              <a:xfrm>
+                <a:off x="1601945" y="5204443"/>
+                <a:ext cx="5707999" cy="0"/>
+              </a:xfrm>
+              <a:prstGeom prst="straightConnector1">
+                <a:avLst/>
+              </a:prstGeom>
+              <a:ln w="12700">
+                <a:solidFill>
+                  <a:schemeClr val="bg2">
+                    <a:lumMod val="50000"/>
+                  </a:schemeClr>
+                </a:solidFill>
+                <a:headEnd type="none" w="med" len="med"/>
+                <a:tailEnd type="none" w="med" len="med"/>
+              </a:ln>
+            </p:spPr>
+            <p:style>
+              <a:lnRef idx="1">
+                <a:schemeClr val="accent1"/>
+              </a:lnRef>
+              <a:fillRef idx="0">
+                <a:schemeClr val="accent1"/>
+              </a:fillRef>
+              <a:effectRef idx="0">
+                <a:schemeClr val="accent1"/>
+              </a:effectRef>
+              <a:fontRef idx="minor">
+                <a:schemeClr val="tx1"/>
+              </a:fontRef>
+            </p:style>
+          </p:cxnSp>
+          <p:cxnSp>
+            <p:nvCxnSpPr>
+              <p:cNvPr id="50" name="Conector recto de flecha 49"/>
+              <p:cNvCxnSpPr/>
+              <p:nvPr/>
+            </p:nvCxnSpPr>
+            <p:spPr>
+              <a:xfrm flipV="1">
+                <a:off x="1607200" y="2606040"/>
+                <a:ext cx="0" cy="2596226"/>
+              </a:xfrm>
+              <a:prstGeom prst="straightConnector1">
+                <a:avLst/>
+              </a:prstGeom>
+              <a:ln w="12700">
+                <a:solidFill>
+                  <a:schemeClr val="bg2">
+                    <a:lumMod val="50000"/>
+                  </a:schemeClr>
+                </a:solidFill>
+                <a:headEnd type="none" w="med" len="med"/>
+                <a:tailEnd type="none" w="med" len="med"/>
+              </a:ln>
+            </p:spPr>
+            <p:style>
+              <a:lnRef idx="1">
+                <a:schemeClr val="accent1"/>
+              </a:lnRef>
+              <a:fillRef idx="0">
+                <a:schemeClr val="accent1"/>
+              </a:fillRef>
+              <a:effectRef idx="0">
+                <a:schemeClr val="accent1"/>
+              </a:effectRef>
+              <a:fontRef idx="minor">
+                <a:schemeClr val="tx1"/>
+              </a:fontRef>
+            </p:style>
+          </p:cxnSp>
+        </p:grpSp>
+        <mc:AlternateContent xmlns:mc="http://schemas.openxmlformats.org/markup-compatibility/2006">
+          <mc:Choice xmlns:a14="http://schemas.microsoft.com/office/drawing/2010/main" Requires="a14">
+            <p:sp>
+              <p:nvSpPr>
+                <p:cNvPr id="51" name="CuadroTexto 50"/>
+                <p:cNvSpPr txBox="1"/>
+                <p:nvPr/>
+              </p:nvSpPr>
+              <p:spPr>
+                <a:xfrm>
+                  <a:off x="3373464" y="4552797"/>
+                  <a:ext cx="445820" cy="215444"/>
+                </a:xfrm>
+                <a:prstGeom prst="rect">
+                  <a:avLst/>
+                </a:prstGeom>
+                <a:noFill/>
+              </p:spPr>
+              <p:txBody>
+                <a:bodyPr wrap="square" lIns="0" tIns="0" rIns="0" bIns="0" rtlCol="0">
+                  <a:spAutoFit/>
+                </a:bodyPr>
+                <a:lstStyle/>
+                <a:p>
+                  <a:pPr/>
+                  <a14:m>
+                    <m:oMathPara xmlns:m="http://schemas.openxmlformats.org/officeDocument/2006/math">
+                      <m:oMathParaPr>
+                        <m:jc m:val="centerGroup"/>
+                      </m:oMathParaPr>
+                      <m:oMath xmlns:m="http://schemas.openxmlformats.org/officeDocument/2006/math">
+                        <m:r>
+                          <a:rPr lang="es-ES" sz="1400" i="1">
+                            <a:latin typeface="Cambria Math" charset="0"/>
+                            <a:ea typeface="Cambria Math" charset="0"/>
+                            <a:cs typeface="Cambria Math" charset="0"/>
+                          </a:rPr>
+                          <m:t>𝜂</m:t>
+                        </m:r>
+                        <m:r>
+                          <a:rPr lang="es-ES" sz="1400" b="0" i="1">
+                            <a:latin typeface="Cambria Math" charset="0"/>
+                          </a:rPr>
+                          <m:t>(</m:t>
+                        </m:r>
+                        <m:r>
+                          <a:rPr lang="es-ES" sz="1400" b="0" i="1">
+                            <a:latin typeface="Cambria Math" charset="0"/>
+                          </a:rPr>
+                          <m:t>𝑡</m:t>
+                        </m:r>
+                        <m:r>
+                          <a:rPr lang="es-ES" sz="1400" b="0" i="1">
+                            <a:latin typeface="Cambria Math" charset="0"/>
+                          </a:rPr>
+                          <m:t>)</m:t>
+                        </m:r>
+                      </m:oMath>
+                    </m:oMathPara>
+                  </a14:m>
+                  <a:endParaRPr lang="es-ES_tradnl" sz="1400"/>
+                </a:p>
+              </p:txBody>
+            </p:sp>
+          </mc:Choice>
+          <mc:Fallback>
+            <p:sp>
+              <p:nvSpPr>
+                <p:cNvPr id="51" name="CuadroTexto 50"/>
+                <p:cNvSpPr txBox="1">
+                  <a:spLocks noRot="1" noChangeAspect="1" noMove="1" noResize="1" noEditPoints="1" noAdjustHandles="1" noChangeArrowheads="1" noChangeShapeType="1" noTextEdit="1"/>
+                </p:cNvSpPr>
+                <p:nvPr/>
+              </p:nvSpPr>
+              <p:spPr>
+                <a:xfrm>
+                  <a:off x="3373464" y="4552797"/>
+                  <a:ext cx="445820" cy="215444"/>
+                </a:xfrm>
+                <a:prstGeom prst="rect">
+                  <a:avLst/>
+                </a:prstGeom>
+                <a:blipFill rotWithShape="0">
+                  <a:blip r:embed="rId7"/>
+                  <a:stretch>
+                    <a:fillRect r="-4054" b="-37143"/>
+                  </a:stretch>
+                </a:blipFill>
+              </p:spPr>
+              <p:txBody>
+                <a:bodyPr/>
+                <a:lstStyle/>
+                <a:p>
+                  <a:r>
+                    <a:rPr lang="es-ES_tradnl">
+                      <a:noFill/>
+                    </a:rPr>
+                    <a:t> </a:t>
+                  </a:r>
+                </a:p>
+              </p:txBody>
+            </p:sp>
+          </mc:Fallback>
+        </mc:AlternateContent>
+        <p:sp>
+          <p:nvSpPr>
+            <p:cNvPr id="52" name="CuadroTexto 51"/>
+            <p:cNvSpPr txBox="1"/>
+            <p:nvPr/>
+          </p:nvSpPr>
+          <p:spPr>
+            <a:xfrm>
+              <a:off x="5339166" y="5029201"/>
+              <a:ext cx="1415772" cy="307777"/>
+            </a:xfrm>
+            <a:prstGeom prst="rect">
+              <a:avLst/>
+            </a:prstGeom>
+            <a:noFill/>
+          </p:spPr>
+          <p:txBody>
+            <a:bodyPr wrap="none" rtlCol="0">
+              <a:spAutoFit/>
+            </a:bodyPr>
+            <a:lstStyle/>
+            <a:p>
+              <a:r>
+                <a:rPr lang="es-ES_tradnl" sz="1400">
+                  <a:latin typeface="Times New Roman" charset="0"/>
+                  <a:ea typeface="Times New Roman" charset="0"/>
+                  <a:cs typeface="Times New Roman" charset="0"/>
+                </a:rPr>
+                <a:t>Función Plantilla</a:t>
+              </a:r>
+            </a:p>
+          </p:txBody>
+        </p:sp>
+      </p:grpSp>
+      <mc:AlternateContent xmlns:mc="http://schemas.openxmlformats.org/markup-compatibility/2006">
+        <mc:Choice xmlns:a14="http://schemas.microsoft.com/office/drawing/2010/main" Requires="a14">
+          <p:sp>
+            <p:nvSpPr>
+              <p:cNvPr id="59" name="CuadroTexto 58"/>
+              <p:cNvSpPr txBox="1"/>
+              <p:nvPr/>
+            </p:nvSpPr>
+            <p:spPr>
+              <a:xfrm>
+                <a:off x="1961908" y="4379503"/>
+                <a:ext cx="201772" cy="215444"/>
+              </a:xfrm>
+              <a:prstGeom prst="rect">
+                <a:avLst/>
+              </a:prstGeom>
+              <a:noFill/>
+            </p:spPr>
+            <p:txBody>
+              <a:bodyPr wrap="square" lIns="0" tIns="0" rIns="0" bIns="0" rtlCol="0">
+                <a:spAutoFit/>
+              </a:bodyPr>
+              <a:lstStyle/>
+              <a:p>
+                <a:pPr/>
+                <a14:m>
+                  <m:oMathPara xmlns:m="http://schemas.openxmlformats.org/officeDocument/2006/math">
+                    <m:oMathParaPr>
+                      <m:jc m:val="centerGroup"/>
+                    </m:oMathParaPr>
+                    <m:oMath xmlns:m="http://schemas.openxmlformats.org/officeDocument/2006/math">
+                      <m:r>
+                        <a:rPr lang="es-ES" sz="1400" b="0" i="1">
+                          <a:latin typeface="Cambria Math" charset="0"/>
+                        </a:rPr>
+                        <m:t>𝑎</m:t>
+                      </m:r>
+                    </m:oMath>
+                  </m:oMathPara>
+                </a14:m>
+                <a:endParaRPr lang="es-ES_tradnl" sz="1400"/>
+              </a:p>
+            </p:txBody>
+          </p:sp>
+        </mc:Choice>
+        <mc:Fallback>
+          <p:sp>
+            <p:nvSpPr>
+              <p:cNvPr id="59" name="CuadroTexto 58"/>
+              <p:cNvSpPr txBox="1">
+                <a:spLocks noRot="1" noChangeAspect="1" noMove="1" noResize="1" noEditPoints="1" noAdjustHandles="1" noChangeArrowheads="1" noChangeShapeType="1" noTextEdit="1"/>
+              </p:cNvSpPr>
+              <p:nvPr/>
+            </p:nvSpPr>
+            <p:spPr>
+              <a:xfrm>
+                <a:off x="1961908" y="4379503"/>
+                <a:ext cx="201772" cy="215444"/>
+              </a:xfrm>
+              <a:prstGeom prst="rect">
+                <a:avLst/>
+              </a:prstGeom>
+              <a:blipFill rotWithShape="0">
+                <a:blip r:embed="rId8"/>
+                <a:stretch>
+                  <a:fillRect/>
+                </a:stretch>
+              </a:blipFill>
+            </p:spPr>
+            <p:txBody>
+              <a:bodyPr/>
+              <a:lstStyle/>
+              <a:p>
+                <a:r>
+                  <a:rPr lang="es-ES_tradnl">
+                    <a:noFill/>
+                  </a:rPr>
+                  <a:t> </a:t>
+                </a:r>
+              </a:p>
+            </p:txBody>
+          </p:sp>
+        </mc:Fallback>
+      </mc:AlternateContent>
+      <mc:AlternateContent xmlns:mc="http://schemas.openxmlformats.org/markup-compatibility/2006">
+        <mc:Choice xmlns:a14="http://schemas.microsoft.com/office/drawing/2010/main" Requires="a14">
+          <p:sp>
+            <p:nvSpPr>
+              <p:cNvPr id="60" name="CuadroTexto 59"/>
+              <p:cNvSpPr txBox="1"/>
+              <p:nvPr/>
+            </p:nvSpPr>
+            <p:spPr>
+              <a:xfrm>
+                <a:off x="6581103" y="4397201"/>
+                <a:ext cx="201772" cy="215444"/>
+              </a:xfrm>
+              <a:prstGeom prst="rect">
+                <a:avLst/>
+              </a:prstGeom>
+              <a:noFill/>
+            </p:spPr>
+            <p:txBody>
+              <a:bodyPr wrap="square" lIns="0" tIns="0" rIns="0" bIns="0" rtlCol="0">
+                <a:spAutoFit/>
+              </a:bodyPr>
+              <a:lstStyle/>
+              <a:p>
+                <a:pPr/>
+                <a14:m>
+                  <m:oMathPara xmlns:m="http://schemas.openxmlformats.org/officeDocument/2006/math">
+                    <m:oMathParaPr>
+                      <m:jc m:val="centerGroup"/>
+                    </m:oMathParaPr>
+                    <m:oMath xmlns:m="http://schemas.openxmlformats.org/officeDocument/2006/math">
+                      <m:r>
+                        <a:rPr lang="es-ES" sz="1400" b="0" i="1">
+                          <a:latin typeface="Cambria Math" charset="0"/>
+                        </a:rPr>
+                        <m:t>𝑏</m:t>
+                      </m:r>
+                    </m:oMath>
+                  </m:oMathPara>
+                </a14:m>
+                <a:endParaRPr lang="es-ES_tradnl" sz="1400"/>
+              </a:p>
+            </p:txBody>
+          </p:sp>
+        </mc:Choice>
+        <mc:Fallback>
+          <p:sp>
+            <p:nvSpPr>
+              <p:cNvPr id="60" name="CuadroTexto 59"/>
+              <p:cNvSpPr txBox="1">
+                <a:spLocks noRot="1" noChangeAspect="1" noMove="1" noResize="1" noEditPoints="1" noAdjustHandles="1" noChangeArrowheads="1" noChangeShapeType="1" noTextEdit="1"/>
+              </p:cNvSpPr>
+              <p:nvPr/>
+            </p:nvSpPr>
+            <p:spPr>
+              <a:xfrm>
+                <a:off x="6581103" y="4397201"/>
+                <a:ext cx="201772" cy="215444"/>
+              </a:xfrm>
+              <a:prstGeom prst="rect">
+                <a:avLst/>
+              </a:prstGeom>
+              <a:blipFill rotWithShape="0">
+                <a:blip r:embed="rId9"/>
+                <a:stretch>
+                  <a:fillRect l="-9091" r="-3030" b="-5556"/>
+                </a:stretch>
+              </a:blipFill>
+            </p:spPr>
+            <p:txBody>
+              <a:bodyPr/>
+              <a:lstStyle/>
+              <a:p>
+                <a:r>
+                  <a:rPr lang="es-ES_tradnl">
+                    <a:noFill/>
+                  </a:rPr>
+                  <a:t> </a:t>
+                </a:r>
+              </a:p>
+            </p:txBody>
+          </p:sp>
+        </mc:Fallback>
+      </mc:AlternateContent>
+    </p:spTree>
+    <p:extLst>
+      <p:ext uri="{BB962C8B-B14F-4D97-AF65-F5344CB8AC3E}">
+        <p14:creationId xmlns:p14="http://schemas.microsoft.com/office/powerpoint/2010/main" val="1196564374"/>
+      </p:ext>
+    </p:extLst>
+  </p:cSld>
+  <p:clrMapOvr>
+    <a:masterClrMapping/>
+  </p:clrMapOvr>
+</p:sld>
+</file>
+
+<file path=ppt/slides/slide30.xml><?xml version="1.0" encoding="utf-8"?>
 <p:sld xmlns:a="http://schemas.openxmlformats.org/drawingml/2006/main" xmlns:r="http://schemas.openxmlformats.org/officeDocument/2006/relationships" xmlns:p="http://schemas.openxmlformats.org/presentationml/2006/main">
   <p:cSld>
     <p:spTree>
@@ -19906,1747 +21629,7 @@
 </p:sld>
 </file>
 
-<file path=ppt/slides/slide3.xml><?xml version="1.0" encoding="utf-8"?>
-<p:sld xmlns:a="http://schemas.openxmlformats.org/drawingml/2006/main" xmlns:r="http://schemas.openxmlformats.org/officeDocument/2006/relationships" xmlns:p="http://schemas.openxmlformats.org/presentationml/2006/main">
-  <p:cSld>
-    <p:spTree>
-      <p:nvGrpSpPr>
-        <p:cNvPr id="1" name=""/>
-        <p:cNvGrpSpPr/>
-        <p:nvPr/>
-      </p:nvGrpSpPr>
-      <p:grpSpPr>
-        <a:xfrm>
-          <a:off x="0" y="0"/>
-          <a:ext cx="0" cy="0"/>
-          <a:chOff x="0" y="0"/>
-          <a:chExt cx="0" cy="0"/>
-        </a:xfrm>
-      </p:grpSpPr>
-      <p:grpSp>
-        <p:nvGrpSpPr>
-          <p:cNvPr id="56" name="Agrupar 55"/>
-          <p:cNvGrpSpPr/>
-          <p:nvPr/>
-        </p:nvGrpSpPr>
-        <p:grpSpPr>
-          <a:xfrm>
-            <a:off x="1748250" y="1688548"/>
-            <a:ext cx="5407268" cy="4246178"/>
-            <a:chOff x="1748250" y="1688548"/>
-            <a:chExt cx="5407268" cy="4246178"/>
-          </a:xfrm>
-        </p:grpSpPr>
-        <p:sp>
-          <p:nvSpPr>
-            <p:cNvPr id="33" name="Forma libre 32"/>
-            <p:cNvSpPr/>
-            <p:nvPr/>
-          </p:nvSpPr>
-          <p:spPr>
-            <a:xfrm>
-              <a:off x="2030945" y="2187906"/>
-              <a:ext cx="4672276" cy="2236862"/>
-            </a:xfrm>
-            <a:custGeom>
-              <a:avLst/>
-              <a:gdLst>
-                <a:gd name="connsiteX0" fmla="*/ 0 w 4653776"/>
-                <a:gd name="connsiteY0" fmla="*/ 2237678 h 2259981"/>
-                <a:gd name="connsiteX1" fmla="*/ 0 w 4653776"/>
-                <a:gd name="connsiteY1" fmla="*/ 1100254 h 2259981"/>
-                <a:gd name="connsiteX2" fmla="*/ 4638908 w 4653776"/>
-                <a:gd name="connsiteY2" fmla="*/ 0 h 2259981"/>
-                <a:gd name="connsiteX3" fmla="*/ 4653776 w 4653776"/>
-                <a:gd name="connsiteY3" fmla="*/ 2259981 h 2259981"/>
-                <a:gd name="connsiteX4" fmla="*/ 0 w 4653776"/>
-                <a:gd name="connsiteY4" fmla="*/ 2237678 h 2259981"/>
-                <a:gd name="connsiteX0" fmla="*/ 0 w 4653776"/>
-                <a:gd name="connsiteY0" fmla="*/ 2237678 h 2259981"/>
-                <a:gd name="connsiteX1" fmla="*/ 0 w 4653776"/>
-                <a:gd name="connsiteY1" fmla="*/ 1100254 h 2259981"/>
-                <a:gd name="connsiteX2" fmla="*/ 4638908 w 4653776"/>
-                <a:gd name="connsiteY2" fmla="*/ 0 h 2259981"/>
-                <a:gd name="connsiteX3" fmla="*/ 4653776 w 4653776"/>
-                <a:gd name="connsiteY3" fmla="*/ 2259981 h 2259981"/>
-                <a:gd name="connsiteX4" fmla="*/ 0 w 4653776"/>
-                <a:gd name="connsiteY4" fmla="*/ 2237678 h 2259981"/>
-                <a:gd name="connsiteX0" fmla="*/ 0 w 4653776"/>
-                <a:gd name="connsiteY0" fmla="*/ 2237678 h 2259981"/>
-                <a:gd name="connsiteX1" fmla="*/ 0 w 4653776"/>
-                <a:gd name="connsiteY1" fmla="*/ 1100254 h 2259981"/>
-                <a:gd name="connsiteX2" fmla="*/ 4638908 w 4653776"/>
-                <a:gd name="connsiteY2" fmla="*/ 0 h 2259981"/>
-                <a:gd name="connsiteX3" fmla="*/ 4653776 w 4653776"/>
-                <a:gd name="connsiteY3" fmla="*/ 2259981 h 2259981"/>
-                <a:gd name="connsiteX4" fmla="*/ 0 w 4653776"/>
-                <a:gd name="connsiteY4" fmla="*/ 2237678 h 2259981"/>
-                <a:gd name="connsiteX0" fmla="*/ 0 w 4653776"/>
-                <a:gd name="connsiteY0" fmla="*/ 2253444 h 2259981"/>
-                <a:gd name="connsiteX1" fmla="*/ 0 w 4653776"/>
-                <a:gd name="connsiteY1" fmla="*/ 1100254 h 2259981"/>
-                <a:gd name="connsiteX2" fmla="*/ 4638908 w 4653776"/>
-                <a:gd name="connsiteY2" fmla="*/ 0 h 2259981"/>
-                <a:gd name="connsiteX3" fmla="*/ 4653776 w 4653776"/>
-                <a:gd name="connsiteY3" fmla="*/ 2259981 h 2259981"/>
-                <a:gd name="connsiteX4" fmla="*/ 0 w 4653776"/>
-                <a:gd name="connsiteY4" fmla="*/ 2253444 h 2259981"/>
-                <a:gd name="connsiteX0" fmla="*/ 5255 w 4653776"/>
-                <a:gd name="connsiteY0" fmla="*/ 2237678 h 2259981"/>
-                <a:gd name="connsiteX1" fmla="*/ 0 w 4653776"/>
-                <a:gd name="connsiteY1" fmla="*/ 1100254 h 2259981"/>
-                <a:gd name="connsiteX2" fmla="*/ 4638908 w 4653776"/>
-                <a:gd name="connsiteY2" fmla="*/ 0 h 2259981"/>
-                <a:gd name="connsiteX3" fmla="*/ 4653776 w 4653776"/>
-                <a:gd name="connsiteY3" fmla="*/ 2259981 h 2259981"/>
-                <a:gd name="connsiteX4" fmla="*/ 5255 w 4653776"/>
-                <a:gd name="connsiteY4" fmla="*/ 2237678 h 2259981"/>
-                <a:gd name="connsiteX0" fmla="*/ 5255 w 4653776"/>
-                <a:gd name="connsiteY0" fmla="*/ 2242933 h 2259981"/>
-                <a:gd name="connsiteX1" fmla="*/ 0 w 4653776"/>
-                <a:gd name="connsiteY1" fmla="*/ 1100254 h 2259981"/>
-                <a:gd name="connsiteX2" fmla="*/ 4638908 w 4653776"/>
-                <a:gd name="connsiteY2" fmla="*/ 0 h 2259981"/>
-                <a:gd name="connsiteX3" fmla="*/ 4653776 w 4653776"/>
-                <a:gd name="connsiteY3" fmla="*/ 2259981 h 2259981"/>
-                <a:gd name="connsiteX4" fmla="*/ 5255 w 4653776"/>
-                <a:gd name="connsiteY4" fmla="*/ 2242933 h 2259981"/>
-                <a:gd name="connsiteX0" fmla="*/ 505 w 4654282"/>
-                <a:gd name="connsiteY0" fmla="*/ 2248188 h 2259981"/>
-                <a:gd name="connsiteX1" fmla="*/ 506 w 4654282"/>
-                <a:gd name="connsiteY1" fmla="*/ 1100254 h 2259981"/>
-                <a:gd name="connsiteX2" fmla="*/ 4639414 w 4654282"/>
-                <a:gd name="connsiteY2" fmla="*/ 0 h 2259981"/>
-                <a:gd name="connsiteX3" fmla="*/ 4654282 w 4654282"/>
-                <a:gd name="connsiteY3" fmla="*/ 2259981 h 2259981"/>
-                <a:gd name="connsiteX4" fmla="*/ 505 w 4654282"/>
-                <a:gd name="connsiteY4" fmla="*/ 2248188 h 2259981"/>
-                <a:gd name="connsiteX0" fmla="*/ 5255 w 4653776"/>
-                <a:gd name="connsiteY0" fmla="*/ 2258698 h 2259981"/>
-                <a:gd name="connsiteX1" fmla="*/ 0 w 4653776"/>
-                <a:gd name="connsiteY1" fmla="*/ 1100254 h 2259981"/>
-                <a:gd name="connsiteX2" fmla="*/ 4638908 w 4653776"/>
-                <a:gd name="connsiteY2" fmla="*/ 0 h 2259981"/>
-                <a:gd name="connsiteX3" fmla="*/ 4653776 w 4653776"/>
-                <a:gd name="connsiteY3" fmla="*/ 2259981 h 2259981"/>
-                <a:gd name="connsiteX4" fmla="*/ 5255 w 4653776"/>
-                <a:gd name="connsiteY4" fmla="*/ 2258698 h 2259981"/>
-              </a:gdLst>
-              <a:ahLst/>
-              <a:cxnLst>
-                <a:cxn ang="0">
-                  <a:pos x="connsiteX0" y="connsiteY0"/>
-                </a:cxn>
-                <a:cxn ang="0">
-                  <a:pos x="connsiteX1" y="connsiteY1"/>
-                </a:cxn>
-                <a:cxn ang="0">
-                  <a:pos x="connsiteX2" y="connsiteY2"/>
-                </a:cxn>
-                <a:cxn ang="0">
-                  <a:pos x="connsiteX3" y="connsiteY3"/>
-                </a:cxn>
-                <a:cxn ang="0">
-                  <a:pos x="connsiteX4" y="connsiteY4"/>
-                </a:cxn>
-              </a:cxnLst>
-              <a:rect l="l" t="t" r="r" b="b"/>
-              <a:pathLst>
-                <a:path w="4653776" h="2259981">
-                  <a:moveTo>
-                    <a:pt x="5255" y="2258698"/>
-                  </a:moveTo>
-                  <a:cubicBezTo>
-                    <a:pt x="3503" y="1879557"/>
-                    <a:pt x="1752" y="1479395"/>
-                    <a:pt x="0" y="1100254"/>
-                  </a:cubicBezTo>
-                  <a:cubicBezTo>
-                    <a:pt x="1204333" y="473307"/>
-                    <a:pt x="2951356" y="329580"/>
-                    <a:pt x="4638908" y="0"/>
-                  </a:cubicBezTo>
-                  <a:lnTo>
-                    <a:pt x="4653776" y="2259981"/>
-                  </a:lnTo>
-                  <a:lnTo>
-                    <a:pt x="5255" y="2258698"/>
-                  </a:lnTo>
-                  <a:close/>
-                </a:path>
-              </a:pathLst>
-            </a:custGeom>
-            <a:solidFill>
-              <a:srgbClr val="FF0000">
-                <a:alpha val="26000"/>
-              </a:srgbClr>
-            </a:solidFill>
-            <a:ln>
-              <a:noFill/>
-            </a:ln>
-          </p:spPr>
-          <p:style>
-            <a:lnRef idx="2">
-              <a:schemeClr val="accent1">
-                <a:shade val="50000"/>
-              </a:schemeClr>
-            </a:lnRef>
-            <a:fillRef idx="1">
-              <a:schemeClr val="accent1"/>
-            </a:fillRef>
-            <a:effectRef idx="0">
-              <a:schemeClr val="accent1"/>
-            </a:effectRef>
-            <a:fontRef idx="minor">
-              <a:schemeClr val="lt1"/>
-            </a:fontRef>
-          </p:style>
-          <p:txBody>
-            <a:bodyPr rtlCol="0" anchor="ctr"/>
-            <a:lstStyle/>
-            <a:p>
-              <a:pPr algn="ctr"/>
-              <a:endParaRPr lang="es-ES_tradnl"/>
-            </a:p>
-          </p:txBody>
-        </p:sp>
-        <p:grpSp>
-          <p:nvGrpSpPr>
-            <p:cNvPr id="34" name="Agrupar 33"/>
-            <p:cNvGrpSpPr/>
-            <p:nvPr/>
-          </p:nvGrpSpPr>
-          <p:grpSpPr>
-            <a:xfrm>
-              <a:off x="1748250" y="1883664"/>
-              <a:ext cx="5392688" cy="2535306"/>
-              <a:chOff x="1601945" y="2606040"/>
-              <a:chExt cx="5707999" cy="2598403"/>
-            </a:xfrm>
-          </p:grpSpPr>
-          <p:cxnSp>
-            <p:nvCxnSpPr>
-              <p:cNvPr id="2" name="Conector recto de flecha 1"/>
-              <p:cNvCxnSpPr/>
-              <p:nvPr/>
-            </p:nvCxnSpPr>
-            <p:spPr>
-              <a:xfrm>
-                <a:off x="1601945" y="5204443"/>
-                <a:ext cx="5707999" cy="0"/>
-              </a:xfrm>
-              <a:prstGeom prst="straightConnector1">
-                <a:avLst/>
-              </a:prstGeom>
-              <a:ln w="12700">
-                <a:solidFill>
-                  <a:schemeClr val="bg2">
-                    <a:lumMod val="50000"/>
-                  </a:schemeClr>
-                </a:solidFill>
-                <a:headEnd type="none" w="med" len="med"/>
-                <a:tailEnd type="none" w="med" len="med"/>
-              </a:ln>
-            </p:spPr>
-            <p:style>
-              <a:lnRef idx="1">
-                <a:schemeClr val="accent1"/>
-              </a:lnRef>
-              <a:fillRef idx="0">
-                <a:schemeClr val="accent1"/>
-              </a:fillRef>
-              <a:effectRef idx="0">
-                <a:schemeClr val="accent1"/>
-              </a:effectRef>
-              <a:fontRef idx="minor">
-                <a:schemeClr val="tx1"/>
-              </a:fontRef>
-            </p:style>
-          </p:cxnSp>
-          <p:cxnSp>
-            <p:nvCxnSpPr>
-              <p:cNvPr id="3" name="Conector recto de flecha 2"/>
-              <p:cNvCxnSpPr/>
-              <p:nvPr/>
-            </p:nvCxnSpPr>
-            <p:spPr>
-              <a:xfrm flipV="1">
-                <a:off x="1607200" y="2606040"/>
-                <a:ext cx="0" cy="2596226"/>
-              </a:xfrm>
-              <a:prstGeom prst="straightConnector1">
-                <a:avLst/>
-              </a:prstGeom>
-              <a:ln w="12700">
-                <a:solidFill>
-                  <a:schemeClr val="bg2">
-                    <a:lumMod val="50000"/>
-                  </a:schemeClr>
-                </a:solidFill>
-                <a:headEnd type="none" w="med" len="med"/>
-                <a:tailEnd type="none" w="med" len="med"/>
-              </a:ln>
-            </p:spPr>
-            <p:style>
-              <a:lnRef idx="1">
-                <a:schemeClr val="accent1"/>
-              </a:lnRef>
-              <a:fillRef idx="0">
-                <a:schemeClr val="accent1"/>
-              </a:fillRef>
-              <a:effectRef idx="0">
-                <a:schemeClr val="accent1"/>
-              </a:effectRef>
-              <a:fontRef idx="minor">
-                <a:schemeClr val="tx1"/>
-              </a:fontRef>
-            </p:style>
-          </p:cxnSp>
-        </p:grpSp>
-        <mc:AlternateContent xmlns:mc="http://schemas.openxmlformats.org/markup-compatibility/2006">
-          <mc:Choice xmlns:a14="http://schemas.microsoft.com/office/drawing/2010/main" Requires="a14">
-            <p:sp>
-              <p:nvSpPr>
-                <p:cNvPr id="4" name="CuadroTexto 3"/>
-                <p:cNvSpPr txBox="1"/>
-                <p:nvPr/>
-              </p:nvSpPr>
-              <p:spPr>
-                <a:xfrm>
-                  <a:off x="6953746" y="4115015"/>
-                  <a:ext cx="201772" cy="215444"/>
-                </a:xfrm>
-                <a:prstGeom prst="rect">
-                  <a:avLst/>
-                </a:prstGeom>
-                <a:noFill/>
-              </p:spPr>
-              <p:txBody>
-                <a:bodyPr wrap="square" lIns="0" tIns="0" rIns="0" bIns="0" rtlCol="0">
-                  <a:spAutoFit/>
-                </a:bodyPr>
-                <a:lstStyle/>
-                <a:p>
-                  <a:pPr/>
-                  <a14:m>
-                    <m:oMathPara xmlns:m="http://schemas.openxmlformats.org/officeDocument/2006/math">
-                      <m:oMathParaPr>
-                        <m:jc m:val="centerGroup"/>
-                      </m:oMathParaPr>
-                      <m:oMath xmlns:m="http://schemas.openxmlformats.org/officeDocument/2006/math">
-                        <m:r>
-                          <a:rPr lang="es-ES" sz="1400" b="0" i="1">
-                            <a:latin typeface="Cambria Math" charset="0"/>
-                          </a:rPr>
-                          <m:t>𝑥</m:t>
-                        </m:r>
-                      </m:oMath>
-                    </m:oMathPara>
-                  </a14:m>
-                  <a:endParaRPr lang="es-ES_tradnl" sz="1400"/>
-                </a:p>
-              </p:txBody>
-            </p:sp>
-          </mc:Choice>
-          <mc:Fallback>
-            <p:sp>
-              <p:nvSpPr>
-                <p:cNvPr id="4" name="CuadroTexto 3"/>
-                <p:cNvSpPr txBox="1">
-                  <a:spLocks noRot="1" noChangeAspect="1" noMove="1" noResize="1" noEditPoints="1" noAdjustHandles="1" noChangeArrowheads="1" noChangeShapeType="1" noTextEdit="1"/>
-                </p:cNvSpPr>
-                <p:nvPr/>
-              </p:nvSpPr>
-              <p:spPr>
-                <a:xfrm>
-                  <a:off x="6953746" y="4115015"/>
-                  <a:ext cx="201772" cy="215444"/>
-                </a:xfrm>
-                <a:prstGeom prst="rect">
-                  <a:avLst/>
-                </a:prstGeom>
-                <a:blipFill rotWithShape="0">
-                  <a:blip r:embed="rId2"/>
-                  <a:stretch>
-                    <a:fillRect/>
-                  </a:stretch>
-                </a:blipFill>
-              </p:spPr>
-              <p:txBody>
-                <a:bodyPr/>
-                <a:lstStyle/>
-                <a:p>
-                  <a:r>
-                    <a:rPr lang="es-ES_tradnl">
-                      <a:noFill/>
-                    </a:rPr>
-                    <a:t> </a:t>
-                  </a:r>
-                </a:p>
-              </p:txBody>
-            </p:sp>
-          </mc:Fallback>
-        </mc:AlternateContent>
-        <mc:AlternateContent xmlns:mc="http://schemas.openxmlformats.org/markup-compatibility/2006">
-          <mc:Choice xmlns:a14="http://schemas.microsoft.com/office/drawing/2010/main" Requires="a14">
-            <p:sp>
-              <p:nvSpPr>
-                <p:cNvPr id="5" name="CuadroTexto 4"/>
-                <p:cNvSpPr txBox="1"/>
-                <p:nvPr/>
-              </p:nvSpPr>
-              <p:spPr>
-                <a:xfrm>
-                  <a:off x="1816634" y="1688548"/>
-                  <a:ext cx="201772" cy="215444"/>
-                </a:xfrm>
-                <a:prstGeom prst="rect">
-                  <a:avLst/>
-                </a:prstGeom>
-                <a:noFill/>
-              </p:spPr>
-              <p:txBody>
-                <a:bodyPr wrap="square" lIns="0" tIns="0" rIns="0" bIns="0" rtlCol="0">
-                  <a:spAutoFit/>
-                </a:bodyPr>
-                <a:lstStyle/>
-                <a:p>
-                  <a:pPr/>
-                  <a14:m>
-                    <m:oMathPara xmlns:m="http://schemas.openxmlformats.org/officeDocument/2006/math">
-                      <m:oMathParaPr>
-                        <m:jc m:val="centerGroup"/>
-                      </m:oMathParaPr>
-                      <m:oMath xmlns:m="http://schemas.openxmlformats.org/officeDocument/2006/math">
-                        <m:r>
-                          <a:rPr lang="es-ES" sz="1400" b="0" i="1">
-                            <a:latin typeface="Cambria Math" charset="0"/>
-                          </a:rPr>
-                          <m:t>𝑦</m:t>
-                        </m:r>
-                      </m:oMath>
-                    </m:oMathPara>
-                  </a14:m>
-                  <a:endParaRPr lang="es-ES_tradnl" sz="1400"/>
-                </a:p>
-              </p:txBody>
-            </p:sp>
-          </mc:Choice>
-          <mc:Fallback>
-            <p:sp>
-              <p:nvSpPr>
-                <p:cNvPr id="5" name="CuadroTexto 4"/>
-                <p:cNvSpPr txBox="1">
-                  <a:spLocks noRot="1" noChangeAspect="1" noMove="1" noResize="1" noEditPoints="1" noAdjustHandles="1" noChangeArrowheads="1" noChangeShapeType="1" noTextEdit="1"/>
-                </p:cNvSpPr>
-                <p:nvPr/>
-              </p:nvSpPr>
-              <p:spPr>
-                <a:xfrm>
-                  <a:off x="1816634" y="1688548"/>
-                  <a:ext cx="201772" cy="215444"/>
-                </a:xfrm>
-                <a:prstGeom prst="rect">
-                  <a:avLst/>
-                </a:prstGeom>
-                <a:blipFill rotWithShape="0">
-                  <a:blip r:embed="rId3"/>
-                  <a:stretch>
-                    <a:fillRect l="-6061" r="-6061" b="-22857"/>
-                  </a:stretch>
-                </a:blipFill>
-              </p:spPr>
-              <p:txBody>
-                <a:bodyPr/>
-                <a:lstStyle/>
-                <a:p>
-                  <a:r>
-                    <a:rPr lang="es-ES_tradnl">
-                      <a:noFill/>
-                    </a:rPr>
-                    <a:t> </a:t>
-                  </a:r>
-                </a:p>
-              </p:txBody>
-            </p:sp>
-          </mc:Fallback>
-        </mc:AlternateContent>
-        <p:sp>
-          <p:nvSpPr>
-            <p:cNvPr id="23" name="Forma libre 22"/>
-            <p:cNvSpPr/>
-            <p:nvPr/>
-          </p:nvSpPr>
-          <p:spPr>
-            <a:xfrm rot="20850718">
-              <a:off x="1976891" y="2421972"/>
-              <a:ext cx="4782692" cy="525726"/>
-            </a:xfrm>
-            <a:custGeom>
-              <a:avLst/>
-              <a:gdLst>
-                <a:gd name="connsiteX0" fmla="*/ 0 w 5120640"/>
-                <a:gd name="connsiteY0" fmla="*/ 1253250 h 1906412"/>
-                <a:gd name="connsiteX1" fmla="*/ 1691640 w 5120640"/>
-                <a:gd name="connsiteY1" fmla="*/ 11190 h 1906412"/>
-                <a:gd name="connsiteX2" fmla="*/ 3779520 w 5120640"/>
-                <a:gd name="connsiteY2" fmla="*/ 1893330 h 1906412"/>
-                <a:gd name="connsiteX3" fmla="*/ 5120640 w 5120640"/>
-                <a:gd name="connsiteY3" fmla="*/ 895110 h 1906412"/>
-              </a:gdLst>
-              <a:ahLst/>
-              <a:cxnLst>
-                <a:cxn ang="0">
-                  <a:pos x="connsiteX0" y="connsiteY0"/>
-                </a:cxn>
-                <a:cxn ang="0">
-                  <a:pos x="connsiteX1" y="connsiteY1"/>
-                </a:cxn>
-                <a:cxn ang="0">
-                  <a:pos x="connsiteX2" y="connsiteY2"/>
-                </a:cxn>
-                <a:cxn ang="0">
-                  <a:pos x="connsiteX3" y="connsiteY3"/>
-                </a:cxn>
-              </a:cxnLst>
-              <a:rect l="l" t="t" r="r" b="b"/>
-              <a:pathLst>
-                <a:path w="5120640" h="1906412">
-                  <a:moveTo>
-                    <a:pt x="0" y="1253250"/>
-                  </a:moveTo>
-                  <a:cubicBezTo>
-                    <a:pt x="530860" y="578880"/>
-                    <a:pt x="1061720" y="-95490"/>
-                    <a:pt x="1691640" y="11190"/>
-                  </a:cubicBezTo>
-                  <a:cubicBezTo>
-                    <a:pt x="2321560" y="117870"/>
-                    <a:pt x="3208020" y="1746010"/>
-                    <a:pt x="3779520" y="1893330"/>
-                  </a:cubicBezTo>
-                  <a:cubicBezTo>
-                    <a:pt x="4351020" y="2040650"/>
-                    <a:pt x="5120640" y="895110"/>
-                    <a:pt x="5120640" y="895110"/>
-                  </a:cubicBezTo>
-                </a:path>
-              </a:pathLst>
-            </a:custGeom>
-            <a:noFill/>
-            <a:ln w="19050">
-              <a:solidFill>
-                <a:schemeClr val="tx1"/>
-              </a:solidFill>
-              <a:prstDash val="dash"/>
-            </a:ln>
-          </p:spPr>
-          <p:style>
-            <a:lnRef idx="2">
-              <a:schemeClr val="accent1">
-                <a:shade val="50000"/>
-              </a:schemeClr>
-            </a:lnRef>
-            <a:fillRef idx="1">
-              <a:schemeClr val="accent1"/>
-            </a:fillRef>
-            <a:effectRef idx="0">
-              <a:schemeClr val="accent1"/>
-            </a:effectRef>
-            <a:fontRef idx="minor">
-              <a:schemeClr val="lt1"/>
-            </a:fontRef>
-          </p:style>
-          <p:txBody>
-            <a:bodyPr rtlCol="0" anchor="ctr"/>
-            <a:lstStyle/>
-            <a:p>
-              <a:pPr algn="ctr"/>
-              <a:endParaRPr lang="es-ES_tradnl"/>
-            </a:p>
-          </p:txBody>
-        </p:sp>
-        <p:sp>
-          <p:nvSpPr>
-            <p:cNvPr id="28" name="Forma libre 27"/>
-            <p:cNvSpPr/>
-            <p:nvPr/>
-          </p:nvSpPr>
-          <p:spPr>
-            <a:xfrm>
-              <a:off x="2024023" y="2176516"/>
-              <a:ext cx="4640580" cy="1112520"/>
-            </a:xfrm>
-            <a:custGeom>
-              <a:avLst/>
-              <a:gdLst>
-                <a:gd name="connsiteX0" fmla="*/ 0 w 4632960"/>
-                <a:gd name="connsiteY0" fmla="*/ 1181100 h 1181100"/>
-                <a:gd name="connsiteX1" fmla="*/ 1363980 w 4632960"/>
-                <a:gd name="connsiteY1" fmla="*/ 655320 h 1181100"/>
-                <a:gd name="connsiteX2" fmla="*/ 4632960 w 4632960"/>
-                <a:gd name="connsiteY2" fmla="*/ 0 h 1181100"/>
-              </a:gdLst>
-              <a:ahLst/>
-              <a:cxnLst>
-                <a:cxn ang="0">
-                  <a:pos x="connsiteX0" y="connsiteY0"/>
-                </a:cxn>
-                <a:cxn ang="0">
-                  <a:pos x="connsiteX1" y="connsiteY1"/>
-                </a:cxn>
-                <a:cxn ang="0">
-                  <a:pos x="connsiteX2" y="connsiteY2"/>
-                </a:cxn>
-              </a:cxnLst>
-              <a:rect l="l" t="t" r="r" b="b"/>
-              <a:pathLst>
-                <a:path w="4632960" h="1181100">
-                  <a:moveTo>
-                    <a:pt x="0" y="1181100"/>
-                  </a:moveTo>
-                  <a:cubicBezTo>
-                    <a:pt x="295910" y="1016635"/>
-                    <a:pt x="591820" y="852170"/>
-                    <a:pt x="1363980" y="655320"/>
-                  </a:cubicBezTo>
-                  <a:cubicBezTo>
-                    <a:pt x="2136140" y="458470"/>
-                    <a:pt x="4632960" y="0"/>
-                    <a:pt x="4632960" y="0"/>
-                  </a:cubicBezTo>
-                </a:path>
-              </a:pathLst>
-            </a:custGeom>
-            <a:noFill/>
-            <a:ln w="38100">
-              <a:solidFill>
-                <a:srgbClr val="FF0000"/>
-              </a:solidFill>
-            </a:ln>
-          </p:spPr>
-          <p:style>
-            <a:lnRef idx="2">
-              <a:schemeClr val="accent1">
-                <a:shade val="50000"/>
-              </a:schemeClr>
-            </a:lnRef>
-            <a:fillRef idx="1">
-              <a:schemeClr val="accent1"/>
-            </a:fillRef>
-            <a:effectRef idx="0">
-              <a:schemeClr val="accent1"/>
-            </a:effectRef>
-            <a:fontRef idx="minor">
-              <a:schemeClr val="lt1"/>
-            </a:fontRef>
-          </p:style>
-          <p:txBody>
-            <a:bodyPr rtlCol="0" anchor="ctr"/>
-            <a:lstStyle/>
-            <a:p>
-              <a:pPr algn="ctr"/>
-              <a:endParaRPr lang="es-ES_tradnl"/>
-            </a:p>
-          </p:txBody>
-        </p:sp>
-        <mc:AlternateContent xmlns:mc="http://schemas.openxmlformats.org/markup-compatibility/2006">
-          <mc:Choice xmlns:a14="http://schemas.microsoft.com/office/drawing/2010/main" Requires="a14">
-            <p:sp>
-              <p:nvSpPr>
-                <p:cNvPr id="35" name="CuadroTexto 34"/>
-                <p:cNvSpPr txBox="1"/>
-                <p:nvPr/>
-              </p:nvSpPr>
-              <p:spPr>
-                <a:xfrm>
-                  <a:off x="6157126" y="1917729"/>
-                  <a:ext cx="445820" cy="215444"/>
-                </a:xfrm>
-                <a:prstGeom prst="rect">
-                  <a:avLst/>
-                </a:prstGeom>
-                <a:noFill/>
-              </p:spPr>
-              <p:txBody>
-                <a:bodyPr wrap="square" lIns="0" tIns="0" rIns="0" bIns="0" rtlCol="0">
-                  <a:spAutoFit/>
-                </a:bodyPr>
-                <a:lstStyle/>
-                <a:p>
-                  <a:pPr/>
-                  <a14:m>
-                    <m:oMathPara xmlns:m="http://schemas.openxmlformats.org/officeDocument/2006/math">
-                      <m:oMathParaPr>
-                        <m:jc m:val="centerGroup"/>
-                      </m:oMathParaPr>
-                      <m:oMath xmlns:m="http://schemas.openxmlformats.org/officeDocument/2006/math">
-                        <m:sSub>
-                          <m:sSubPr>
-                            <m:ctrlPr>
-                              <a:rPr lang="en-US" sz="1400" b="0" i="1">
-                                <a:latin typeface="Cambria Math" charset="0"/>
-                              </a:rPr>
-                            </m:ctrlPr>
-                          </m:sSubPr>
-                          <m:e>
-                            <m:r>
-                              <a:rPr lang="es-ES" sz="1400" b="0" i="1">
-                                <a:latin typeface="Cambria Math" charset="0"/>
-                              </a:rPr>
-                              <m:t>𝑓</m:t>
-                            </m:r>
-                          </m:e>
-                          <m:sub>
-                            <m:r>
-                              <a:rPr lang="es-ES" sz="1400" b="0" i="1">
-                                <a:latin typeface="Cambria Math" charset="0"/>
-                              </a:rPr>
-                              <m:t>0</m:t>
-                            </m:r>
-                          </m:sub>
-                        </m:sSub>
-                        <m:r>
-                          <a:rPr lang="es-ES" sz="1400" b="0" i="1">
-                            <a:latin typeface="Cambria Math" charset="0"/>
-                          </a:rPr>
-                          <m:t>(</m:t>
-                        </m:r>
-                        <m:r>
-                          <a:rPr lang="es-ES" sz="1400" b="0" i="1">
-                            <a:latin typeface="Cambria Math" charset="0"/>
-                          </a:rPr>
-                          <m:t>𝑥</m:t>
-                        </m:r>
-                        <m:r>
-                          <a:rPr lang="es-ES" sz="1400" b="0" i="1">
-                            <a:latin typeface="Cambria Math" charset="0"/>
-                          </a:rPr>
-                          <m:t>)</m:t>
-                        </m:r>
-                      </m:oMath>
-                    </m:oMathPara>
-                  </a14:m>
-                  <a:endParaRPr lang="es-ES_tradnl" sz="1400"/>
-                </a:p>
-              </p:txBody>
-            </p:sp>
-          </mc:Choice>
-          <mc:Fallback>
-            <p:sp>
-              <p:nvSpPr>
-                <p:cNvPr id="35" name="CuadroTexto 34"/>
-                <p:cNvSpPr txBox="1">
-                  <a:spLocks noRot="1" noChangeAspect="1" noMove="1" noResize="1" noEditPoints="1" noAdjustHandles="1" noChangeArrowheads="1" noChangeShapeType="1" noTextEdit="1"/>
-                </p:cNvSpPr>
-                <p:nvPr/>
-              </p:nvSpPr>
-              <p:spPr>
-                <a:xfrm>
-                  <a:off x="6157126" y="1917729"/>
-                  <a:ext cx="445820" cy="215444"/>
-                </a:xfrm>
-                <a:prstGeom prst="rect">
-                  <a:avLst/>
-                </a:prstGeom>
-                <a:blipFill rotWithShape="0">
-                  <a:blip r:embed="rId4"/>
-                  <a:stretch>
-                    <a:fillRect l="-13699" t="-2857" r="-13699" b="-37143"/>
-                  </a:stretch>
-                </a:blipFill>
-              </p:spPr>
-              <p:txBody>
-                <a:bodyPr/>
-                <a:lstStyle/>
-                <a:p>
-                  <a:r>
-                    <a:rPr lang="es-ES_tradnl">
-                      <a:noFill/>
-                    </a:rPr>
-                    <a:t> </a:t>
-                  </a:r>
-                </a:p>
-              </p:txBody>
-            </p:sp>
-          </mc:Fallback>
-        </mc:AlternateContent>
-        <mc:AlternateContent xmlns:mc="http://schemas.openxmlformats.org/markup-compatibility/2006">
-          <mc:Choice xmlns:a14="http://schemas.microsoft.com/office/drawing/2010/main" Requires="a14">
-            <p:sp>
-              <p:nvSpPr>
-                <p:cNvPr id="36" name="CuadroTexto 35"/>
-                <p:cNvSpPr txBox="1"/>
-                <p:nvPr/>
-              </p:nvSpPr>
-              <p:spPr>
-                <a:xfrm>
-                  <a:off x="3218481" y="2336539"/>
-                  <a:ext cx="445820" cy="215444"/>
-                </a:xfrm>
-                <a:prstGeom prst="rect">
-                  <a:avLst/>
-                </a:prstGeom>
-                <a:noFill/>
-              </p:spPr>
-              <p:txBody>
-                <a:bodyPr wrap="square" lIns="0" tIns="0" rIns="0" bIns="0" rtlCol="0">
-                  <a:spAutoFit/>
-                </a:bodyPr>
-                <a:lstStyle/>
-                <a:p>
-                  <a:pPr/>
-                  <a14:m>
-                    <m:oMathPara xmlns:m="http://schemas.openxmlformats.org/officeDocument/2006/math">
-                      <m:oMathParaPr>
-                        <m:jc m:val="centerGroup"/>
-                      </m:oMathParaPr>
-                      <m:oMath xmlns:m="http://schemas.openxmlformats.org/officeDocument/2006/math">
-                        <m:r>
-                          <a:rPr lang="es-ES" sz="1400" b="0" i="1">
-                            <a:latin typeface="Cambria Math" charset="0"/>
-                          </a:rPr>
-                          <m:t>𝑓</m:t>
-                        </m:r>
-                        <m:r>
-                          <a:rPr lang="es-ES" sz="1400" b="0" i="1">
-                            <a:latin typeface="Cambria Math" charset="0"/>
-                          </a:rPr>
-                          <m:t>(</m:t>
-                        </m:r>
-                        <m:r>
-                          <a:rPr lang="es-ES" sz="1400" b="0" i="1">
-                            <a:latin typeface="Cambria Math" charset="0"/>
-                          </a:rPr>
-                          <m:t>𝑥</m:t>
-                        </m:r>
-                        <m:r>
-                          <a:rPr lang="es-ES" sz="1400" b="0" i="1">
-                            <a:latin typeface="Cambria Math" charset="0"/>
-                          </a:rPr>
-                          <m:t>)</m:t>
-                        </m:r>
-                      </m:oMath>
-                    </m:oMathPara>
-                  </a14:m>
-                  <a:endParaRPr lang="es-ES_tradnl" sz="1400"/>
-                </a:p>
-              </p:txBody>
-            </p:sp>
-          </mc:Choice>
-          <mc:Fallback>
-            <p:sp>
-              <p:nvSpPr>
-                <p:cNvPr id="36" name="CuadroTexto 35"/>
-                <p:cNvSpPr txBox="1">
-                  <a:spLocks noRot="1" noChangeAspect="1" noMove="1" noResize="1" noEditPoints="1" noAdjustHandles="1" noChangeArrowheads="1" noChangeShapeType="1" noTextEdit="1"/>
-                </p:cNvSpPr>
-                <p:nvPr/>
-              </p:nvSpPr>
-              <p:spPr>
-                <a:xfrm>
-                  <a:off x="3218481" y="2336539"/>
-                  <a:ext cx="445820" cy="215444"/>
-                </a:xfrm>
-                <a:prstGeom prst="rect">
-                  <a:avLst/>
-                </a:prstGeom>
-                <a:blipFill rotWithShape="0">
-                  <a:blip r:embed="rId5"/>
-                  <a:stretch>
-                    <a:fillRect l="-8219" r="-8219" b="-33333"/>
-                  </a:stretch>
-                </a:blipFill>
-              </p:spPr>
-              <p:txBody>
-                <a:bodyPr/>
-                <a:lstStyle/>
-                <a:p>
-                  <a:r>
-                    <a:rPr lang="es-ES_tradnl">
-                      <a:noFill/>
-                    </a:rPr>
-                    <a:t> </a:t>
-                  </a:r>
-                </a:p>
-              </p:txBody>
-            </p:sp>
-          </mc:Fallback>
-        </mc:AlternateContent>
-        <p:cxnSp>
-          <p:nvCxnSpPr>
-            <p:cNvPr id="42" name="Conector recto de flecha 41"/>
-            <p:cNvCxnSpPr/>
-            <p:nvPr/>
-          </p:nvCxnSpPr>
-          <p:spPr>
-            <a:xfrm>
-              <a:off x="5424407" y="2386739"/>
-              <a:ext cx="0" cy="309965"/>
-            </a:xfrm>
-            <a:prstGeom prst="straightConnector1">
-              <a:avLst/>
-            </a:prstGeom>
-            <a:ln w="19050">
-              <a:solidFill>
-                <a:schemeClr val="tx1"/>
-              </a:solidFill>
-              <a:tailEnd type="triangle"/>
-            </a:ln>
-          </p:spPr>
-          <p:style>
-            <a:lnRef idx="1">
-              <a:schemeClr val="accent1"/>
-            </a:lnRef>
-            <a:fillRef idx="0">
-              <a:schemeClr val="accent1"/>
-            </a:fillRef>
-            <a:effectRef idx="0">
-              <a:schemeClr val="accent1"/>
-            </a:effectRef>
-            <a:fontRef idx="minor">
-              <a:schemeClr val="tx1"/>
-            </a:fontRef>
-          </p:style>
-        </p:cxnSp>
-        <mc:AlternateContent xmlns:mc="http://schemas.openxmlformats.org/markup-compatibility/2006">
-          <mc:Choice xmlns:a14="http://schemas.microsoft.com/office/drawing/2010/main" Requires="a14">
-            <p:sp>
-              <p:nvSpPr>
-                <p:cNvPr id="43" name="CuadroTexto 42"/>
-                <p:cNvSpPr txBox="1"/>
-                <p:nvPr/>
-              </p:nvSpPr>
-              <p:spPr>
-                <a:xfrm>
-                  <a:off x="5110102" y="2748367"/>
-                  <a:ext cx="1527743" cy="215444"/>
-                </a:xfrm>
-                <a:prstGeom prst="rect">
-                  <a:avLst/>
-                </a:prstGeom>
-                <a:noFill/>
-              </p:spPr>
-              <p:txBody>
-                <a:bodyPr wrap="square" lIns="0" tIns="0" rIns="0" bIns="0" rtlCol="0">
-                  <a:spAutoFit/>
-                </a:bodyPr>
-                <a:lstStyle/>
-                <a:p>
-                  <a:pPr/>
-                  <a14:m>
-                    <m:oMathPara xmlns:m="http://schemas.openxmlformats.org/officeDocument/2006/math">
-                      <m:oMathParaPr>
-                        <m:jc m:val="centerGroup"/>
-                      </m:oMathParaPr>
-                      <m:oMath xmlns:m="http://schemas.openxmlformats.org/officeDocument/2006/math">
-                        <m:r>
-                          <a:rPr lang="es-ES" sz="1400" b="0" i="1">
-                            <a:latin typeface="Cambria Math" charset="0"/>
-                            <a:ea typeface="Cambria Math" charset="0"/>
-                            <a:cs typeface="Cambria Math" charset="0"/>
-                          </a:rPr>
-                          <m:t>𝛿</m:t>
-                        </m:r>
-                        <m:r>
-                          <a:rPr lang="es-ES" sz="1400" b="0" i="1">
-                            <a:latin typeface="Cambria Math" charset="0"/>
-                          </a:rPr>
-                          <m:t>𝑓</m:t>
-                        </m:r>
-                        <m:d>
-                          <m:dPr>
-                            <m:ctrlPr>
-                              <a:rPr lang="es-ES" sz="1400" b="0" i="1">
-                                <a:latin typeface="Cambria Math" charset="0"/>
-                              </a:rPr>
-                            </m:ctrlPr>
-                          </m:dPr>
-                          <m:e>
-                            <m:r>
-                              <a:rPr lang="es-ES" sz="1400" b="0" i="1">
-                                <a:latin typeface="Cambria Math" charset="0"/>
-                              </a:rPr>
-                              <m:t>𝑥</m:t>
-                            </m:r>
-                          </m:e>
-                        </m:d>
-                        <m:r>
-                          <a:rPr lang="es-ES" sz="1400" b="0" i="1">
-                            <a:latin typeface="Cambria Math" charset="0"/>
-                          </a:rPr>
-                          <m:t>=</m:t>
-                        </m:r>
-                        <m:r>
-                          <a:rPr lang="es-ES" sz="1400" b="0" i="1">
-                            <a:latin typeface="Cambria Math" charset="0"/>
-                            <a:ea typeface="Cambria Math" charset="0"/>
-                            <a:cs typeface="Cambria Math" charset="0"/>
-                          </a:rPr>
-                          <m:t>𝜀𝜂</m:t>
-                        </m:r>
-                        <m:r>
-                          <a:rPr lang="es-ES" sz="1400" b="0" i="1">
-                            <a:latin typeface="Cambria Math" charset="0"/>
-                            <a:ea typeface="Cambria Math" charset="0"/>
-                            <a:cs typeface="Cambria Math" charset="0"/>
-                          </a:rPr>
-                          <m:t>(</m:t>
-                        </m:r>
-                        <m:r>
-                          <a:rPr lang="es-ES" sz="1400" b="0" i="1">
-                            <a:latin typeface="Cambria Math" charset="0"/>
-                            <a:ea typeface="Cambria Math" charset="0"/>
-                            <a:cs typeface="Cambria Math" charset="0"/>
-                          </a:rPr>
-                          <m:t>𝑥</m:t>
-                        </m:r>
-                        <m:r>
-                          <a:rPr lang="es-ES" sz="1400" b="0" i="1">
-                            <a:latin typeface="Cambria Math" charset="0"/>
-                            <a:ea typeface="Cambria Math" charset="0"/>
-                            <a:cs typeface="Cambria Math" charset="0"/>
-                          </a:rPr>
-                          <m:t>)</m:t>
-                        </m:r>
-                      </m:oMath>
-                    </m:oMathPara>
-                  </a14:m>
-                  <a:endParaRPr lang="es-ES_tradnl" sz="1400"/>
-                </a:p>
-              </p:txBody>
-            </p:sp>
-          </mc:Choice>
-          <mc:Fallback>
-            <p:sp>
-              <p:nvSpPr>
-                <p:cNvPr id="43" name="CuadroTexto 42"/>
-                <p:cNvSpPr txBox="1">
-                  <a:spLocks noRot="1" noChangeAspect="1" noMove="1" noResize="1" noEditPoints="1" noAdjustHandles="1" noChangeArrowheads="1" noChangeShapeType="1" noTextEdit="1"/>
-                </p:cNvSpPr>
-                <p:nvPr/>
-              </p:nvSpPr>
-              <p:spPr>
-                <a:xfrm>
-                  <a:off x="5110102" y="2748367"/>
-                  <a:ext cx="1527743" cy="215444"/>
-                </a:xfrm>
-                <a:prstGeom prst="rect">
-                  <a:avLst/>
-                </a:prstGeom>
-                <a:blipFill rotWithShape="0">
-                  <a:blip r:embed="rId6"/>
-                  <a:stretch>
-                    <a:fillRect b="-37143"/>
-                  </a:stretch>
-                </a:blipFill>
-              </p:spPr>
-              <p:txBody>
-                <a:bodyPr/>
-                <a:lstStyle/>
-                <a:p>
-                  <a:r>
-                    <a:rPr lang="es-ES_tradnl">
-                      <a:noFill/>
-                    </a:rPr>
-                    <a:t> </a:t>
-                  </a:r>
-                </a:p>
-              </p:txBody>
-            </p:sp>
-          </mc:Fallback>
-        </mc:AlternateContent>
-        <mc:AlternateContent xmlns:mc="http://schemas.openxmlformats.org/markup-compatibility/2006">
-          <mc:Choice xmlns:a14="http://schemas.microsoft.com/office/drawing/2010/main" Requires="a14">
-            <p:sp>
-              <p:nvSpPr>
-                <p:cNvPr id="46" name="CuadroTexto 45"/>
-                <p:cNvSpPr txBox="1"/>
-                <p:nvPr/>
-              </p:nvSpPr>
-              <p:spPr>
-                <a:xfrm>
-                  <a:off x="3309474" y="3316968"/>
-                  <a:ext cx="2414222" cy="837730"/>
-                </a:xfrm>
-                <a:prstGeom prst="rect">
-                  <a:avLst/>
-                </a:prstGeom>
-                <a:noFill/>
-              </p:spPr>
-              <p:txBody>
-                <a:bodyPr wrap="square" lIns="0" tIns="0" rIns="0" bIns="0" rtlCol="0">
-                  <a:spAutoFit/>
-                </a:bodyPr>
-                <a:lstStyle/>
-                <a:p>
-                  <a:pPr/>
-                  <a14:m>
-                    <m:oMathPara xmlns:m="http://schemas.openxmlformats.org/officeDocument/2006/math">
-                      <m:oMathParaPr>
-                        <m:jc m:val="centerGroup"/>
-                      </m:oMathParaPr>
-                      <m:oMath xmlns:m="http://schemas.openxmlformats.org/officeDocument/2006/math">
-                        <m:r>
-                          <a:rPr lang="es-ES" sz="2400" b="0" i="1">
-                            <a:latin typeface="Cambria Math" charset="0"/>
-                          </a:rPr>
-                          <m:t>𝐼</m:t>
-                        </m:r>
-                        <m:d>
-                          <m:dPr>
-                            <m:begChr m:val="["/>
-                            <m:endChr m:val="]"/>
-                            <m:ctrlPr>
-                              <a:rPr lang="es-ES" sz="2400" b="0" i="1">
-                                <a:latin typeface="Cambria Math" charset="0"/>
-                              </a:rPr>
-                            </m:ctrlPr>
-                          </m:dPr>
-                          <m:e>
-                            <m:r>
-                              <a:rPr lang="es-ES" sz="2400" b="0" i="1">
-                                <a:latin typeface="Cambria Math" charset="0"/>
-                              </a:rPr>
-                              <m:t>𝑓</m:t>
-                            </m:r>
-                          </m:e>
-                        </m:d>
-                        <m:r>
-                          <a:rPr lang="es-ES" sz="2400" b="0" i="1">
-                            <a:latin typeface="Cambria Math" charset="0"/>
-                          </a:rPr>
-                          <m:t>=</m:t>
-                        </m:r>
-                        <m:nary>
-                          <m:naryPr>
-                            <m:ctrlPr>
-                              <a:rPr lang="is-IS" sz="2400" i="1">
-                                <a:latin typeface="Cambria Math" charset="0"/>
-                              </a:rPr>
-                            </m:ctrlPr>
-                          </m:naryPr>
-                          <m:sub>
-                            <m:r>
-                              <m:rPr>
-                                <m:brk m:alnAt="23"/>
-                              </m:rPr>
-                              <a:rPr lang="es-ES" sz="2400" i="1">
-                                <a:latin typeface="Cambria Math" charset="0"/>
-                              </a:rPr>
-                              <m:t>𝑎</m:t>
-                            </m:r>
-                          </m:sub>
-                          <m:sup>
-                            <m:r>
-                              <a:rPr lang="es-ES" sz="2400" i="1">
-                                <a:latin typeface="Cambria Math" charset="0"/>
-                              </a:rPr>
-                              <m:t>𝑏</m:t>
-                            </m:r>
-                          </m:sup>
-                          <m:e>
-                            <m:r>
-                              <a:rPr lang="es-ES" sz="2400" i="1">
-                                <a:latin typeface="Cambria Math" charset="0"/>
-                              </a:rPr>
-                              <m:t>𝑓</m:t>
-                            </m:r>
-                            <m:d>
-                              <m:dPr>
-                                <m:ctrlPr>
-                                  <a:rPr lang="es-ES" sz="2400" i="1">
-                                    <a:latin typeface="Cambria Math" charset="0"/>
-                                  </a:rPr>
-                                </m:ctrlPr>
-                              </m:dPr>
-                              <m:e>
-                                <m:r>
-                                  <a:rPr lang="es-ES" sz="2400" i="1">
-                                    <a:latin typeface="Cambria Math" charset="0"/>
-                                  </a:rPr>
-                                  <m:t>𝑥</m:t>
-                                </m:r>
-                              </m:e>
-                            </m:d>
-                            <m:r>
-                              <a:rPr lang="es-ES" sz="2400" i="1">
-                                <a:latin typeface="Cambria Math" charset="0"/>
-                              </a:rPr>
-                              <m:t>𝑑𝑥</m:t>
-                            </m:r>
-                          </m:e>
-                        </m:nary>
-                      </m:oMath>
-                    </m:oMathPara>
-                  </a14:m>
-                  <a:endParaRPr lang="es-ES_tradnl" sz="2400"/>
-                </a:p>
-              </p:txBody>
-            </p:sp>
-          </mc:Choice>
-          <mc:Fallback>
-            <p:sp>
-              <p:nvSpPr>
-                <p:cNvPr id="46" name="CuadroTexto 45"/>
-                <p:cNvSpPr txBox="1">
-                  <a:spLocks noRot="1" noChangeAspect="1" noMove="1" noResize="1" noEditPoints="1" noAdjustHandles="1" noChangeArrowheads="1" noChangeShapeType="1" noTextEdit="1"/>
-                </p:cNvSpPr>
-                <p:nvPr/>
-              </p:nvSpPr>
-              <p:spPr>
-                <a:xfrm>
-                  <a:off x="3309474" y="3316968"/>
-                  <a:ext cx="2414222" cy="837730"/>
-                </a:xfrm>
-                <a:prstGeom prst="rect">
-                  <a:avLst/>
-                </a:prstGeom>
-                <a:blipFill rotWithShape="0">
-                  <a:blip r:embed="rId7"/>
-                  <a:stretch>
-                    <a:fillRect/>
-                  </a:stretch>
-                </a:blipFill>
-              </p:spPr>
-              <p:txBody>
-                <a:bodyPr/>
-                <a:lstStyle/>
-                <a:p>
-                  <a:r>
-                    <a:rPr lang="es-ES_tradnl">
-                      <a:noFill/>
-                    </a:rPr>
-                    <a:t> </a:t>
-                  </a:r>
-                </a:p>
-              </p:txBody>
-            </p:sp>
-          </mc:Fallback>
-        </mc:AlternateContent>
-        <p:sp>
-          <p:nvSpPr>
-            <p:cNvPr id="47" name="Forma libre 46"/>
-            <p:cNvSpPr/>
-            <p:nvPr/>
-          </p:nvSpPr>
-          <p:spPr>
-            <a:xfrm>
-              <a:off x="2049096" y="4792920"/>
-              <a:ext cx="4571939" cy="1141806"/>
-            </a:xfrm>
-            <a:custGeom>
-              <a:avLst/>
-              <a:gdLst>
-                <a:gd name="connsiteX0" fmla="*/ 0 w 3155029"/>
-                <a:gd name="connsiteY0" fmla="*/ 319141 h 544513"/>
-                <a:gd name="connsiteX1" fmla="*/ 963261 w 3155029"/>
-                <a:gd name="connsiteY1" fmla="*/ 5034 h 544513"/>
-                <a:gd name="connsiteX2" fmla="*/ 2114986 w 3155029"/>
-                <a:gd name="connsiteY2" fmla="*/ 542506 h 544513"/>
-                <a:gd name="connsiteX3" fmla="*/ 3155029 w 3155029"/>
-                <a:gd name="connsiteY3" fmla="*/ 200478 h 544513"/>
-                <a:gd name="connsiteX0" fmla="*/ 0 w 3203902"/>
-                <a:gd name="connsiteY0" fmla="*/ 319141 h 549126"/>
-                <a:gd name="connsiteX1" fmla="*/ 963261 w 3203902"/>
-                <a:gd name="connsiteY1" fmla="*/ 5034 h 549126"/>
-                <a:gd name="connsiteX2" fmla="*/ 2114986 w 3203902"/>
-                <a:gd name="connsiteY2" fmla="*/ 542506 h 549126"/>
-                <a:gd name="connsiteX3" fmla="*/ 3203902 w 3203902"/>
-                <a:gd name="connsiteY3" fmla="*/ 319292 h 549126"/>
-                <a:gd name="connsiteX0" fmla="*/ 0 w 3203902"/>
-                <a:gd name="connsiteY0" fmla="*/ 319732 h 564736"/>
-                <a:gd name="connsiteX1" fmla="*/ 963261 w 3203902"/>
-                <a:gd name="connsiteY1" fmla="*/ 5625 h 564736"/>
-                <a:gd name="connsiteX2" fmla="*/ 2391937 w 3203902"/>
-                <a:gd name="connsiteY2" fmla="*/ 558427 h 564736"/>
-                <a:gd name="connsiteX3" fmla="*/ 3203902 w 3203902"/>
-                <a:gd name="connsiteY3" fmla="*/ 319883 h 564736"/>
-              </a:gdLst>
-              <a:ahLst/>
-              <a:cxnLst>
-                <a:cxn ang="0">
-                  <a:pos x="connsiteX0" y="connsiteY0"/>
-                </a:cxn>
-                <a:cxn ang="0">
-                  <a:pos x="connsiteX1" y="connsiteY1"/>
-                </a:cxn>
-                <a:cxn ang="0">
-                  <a:pos x="connsiteX2" y="connsiteY2"/>
-                </a:cxn>
-                <a:cxn ang="0">
-                  <a:pos x="connsiteX3" y="connsiteY3"/>
-                </a:cxn>
-              </a:cxnLst>
-              <a:rect l="l" t="t" r="r" b="b"/>
-              <a:pathLst>
-                <a:path w="3203902" h="564736">
-                  <a:moveTo>
-                    <a:pt x="0" y="319732"/>
-                  </a:moveTo>
-                  <a:cubicBezTo>
-                    <a:pt x="305381" y="144065"/>
-                    <a:pt x="564605" y="-34158"/>
-                    <a:pt x="963261" y="5625"/>
-                  </a:cubicBezTo>
-                  <a:cubicBezTo>
-                    <a:pt x="1361917" y="45408"/>
-                    <a:pt x="2018497" y="506051"/>
-                    <a:pt x="2391937" y="558427"/>
-                  </a:cubicBezTo>
-                  <a:cubicBezTo>
-                    <a:pt x="2765377" y="610803"/>
-                    <a:pt x="3203902" y="319883"/>
-                    <a:pt x="3203902" y="319883"/>
-                  </a:cubicBezTo>
-                </a:path>
-              </a:pathLst>
-            </a:custGeom>
-            <a:noFill/>
-            <a:ln>
-              <a:solidFill>
-                <a:srgbClr val="0432FF"/>
-              </a:solidFill>
-            </a:ln>
-          </p:spPr>
-          <p:style>
-            <a:lnRef idx="2">
-              <a:schemeClr val="accent1">
-                <a:shade val="50000"/>
-              </a:schemeClr>
-            </a:lnRef>
-            <a:fillRef idx="1">
-              <a:schemeClr val="accent1"/>
-            </a:fillRef>
-            <a:effectRef idx="0">
-              <a:schemeClr val="accent1"/>
-            </a:effectRef>
-            <a:fontRef idx="minor">
-              <a:schemeClr val="lt1"/>
-            </a:fontRef>
-          </p:style>
-          <p:txBody>
-            <a:bodyPr rtlCol="0" anchor="ctr"/>
-            <a:lstStyle/>
-            <a:p>
-              <a:pPr algn="ctr"/>
-              <a:endParaRPr lang="es-ES_tradnl"/>
-            </a:p>
-          </p:txBody>
-        </p:sp>
-        <p:grpSp>
-          <p:nvGrpSpPr>
-            <p:cNvPr id="48" name="Agrupar 47"/>
-            <p:cNvGrpSpPr/>
-            <p:nvPr/>
-          </p:nvGrpSpPr>
-          <p:grpSpPr>
-            <a:xfrm>
-              <a:off x="2037463" y="4618495"/>
-              <a:ext cx="4598291" cy="824152"/>
-              <a:chOff x="1601945" y="2606040"/>
-              <a:chExt cx="5707999" cy="2598403"/>
-            </a:xfrm>
-          </p:grpSpPr>
-          <p:cxnSp>
-            <p:nvCxnSpPr>
-              <p:cNvPr id="49" name="Conector recto de flecha 48"/>
-              <p:cNvCxnSpPr/>
-              <p:nvPr/>
-            </p:nvCxnSpPr>
-            <p:spPr>
-              <a:xfrm>
-                <a:off x="1601945" y="5204443"/>
-                <a:ext cx="5707999" cy="0"/>
-              </a:xfrm>
-              <a:prstGeom prst="straightConnector1">
-                <a:avLst/>
-              </a:prstGeom>
-              <a:ln w="12700">
-                <a:solidFill>
-                  <a:schemeClr val="bg2">
-                    <a:lumMod val="50000"/>
-                  </a:schemeClr>
-                </a:solidFill>
-                <a:headEnd type="none" w="med" len="med"/>
-                <a:tailEnd type="none" w="med" len="med"/>
-              </a:ln>
-            </p:spPr>
-            <p:style>
-              <a:lnRef idx="1">
-                <a:schemeClr val="accent1"/>
-              </a:lnRef>
-              <a:fillRef idx="0">
-                <a:schemeClr val="accent1"/>
-              </a:fillRef>
-              <a:effectRef idx="0">
-                <a:schemeClr val="accent1"/>
-              </a:effectRef>
-              <a:fontRef idx="minor">
-                <a:schemeClr val="tx1"/>
-              </a:fontRef>
-            </p:style>
-          </p:cxnSp>
-          <p:cxnSp>
-            <p:nvCxnSpPr>
-              <p:cNvPr id="50" name="Conector recto de flecha 49"/>
-              <p:cNvCxnSpPr/>
-              <p:nvPr/>
-            </p:nvCxnSpPr>
-            <p:spPr>
-              <a:xfrm flipV="1">
-                <a:off x="1607200" y="2606040"/>
-                <a:ext cx="0" cy="2596226"/>
-              </a:xfrm>
-              <a:prstGeom prst="straightConnector1">
-                <a:avLst/>
-              </a:prstGeom>
-              <a:ln w="12700">
-                <a:solidFill>
-                  <a:schemeClr val="bg2">
-                    <a:lumMod val="50000"/>
-                  </a:schemeClr>
-                </a:solidFill>
-                <a:headEnd type="none" w="med" len="med"/>
-                <a:tailEnd type="none" w="med" len="med"/>
-              </a:ln>
-            </p:spPr>
-            <p:style>
-              <a:lnRef idx="1">
-                <a:schemeClr val="accent1"/>
-              </a:lnRef>
-              <a:fillRef idx="0">
-                <a:schemeClr val="accent1"/>
-              </a:fillRef>
-              <a:effectRef idx="0">
-                <a:schemeClr val="accent1"/>
-              </a:effectRef>
-              <a:fontRef idx="minor">
-                <a:schemeClr val="tx1"/>
-              </a:fontRef>
-            </p:style>
-          </p:cxnSp>
-        </p:grpSp>
-        <mc:AlternateContent xmlns:mc="http://schemas.openxmlformats.org/markup-compatibility/2006">
-          <mc:Choice xmlns:a14="http://schemas.microsoft.com/office/drawing/2010/main" Requires="a14">
-            <p:sp>
-              <p:nvSpPr>
-                <p:cNvPr id="51" name="CuadroTexto 50"/>
-                <p:cNvSpPr txBox="1"/>
-                <p:nvPr/>
-              </p:nvSpPr>
-              <p:spPr>
-                <a:xfrm>
-                  <a:off x="3373464" y="4552797"/>
-                  <a:ext cx="445820" cy="215444"/>
-                </a:xfrm>
-                <a:prstGeom prst="rect">
-                  <a:avLst/>
-                </a:prstGeom>
-                <a:noFill/>
-              </p:spPr>
-              <p:txBody>
-                <a:bodyPr wrap="square" lIns="0" tIns="0" rIns="0" bIns="0" rtlCol="0">
-                  <a:spAutoFit/>
-                </a:bodyPr>
-                <a:lstStyle/>
-                <a:p>
-                  <a:pPr/>
-                  <a14:m>
-                    <m:oMathPara xmlns:m="http://schemas.openxmlformats.org/officeDocument/2006/math">
-                      <m:oMathParaPr>
-                        <m:jc m:val="centerGroup"/>
-                      </m:oMathParaPr>
-                      <m:oMath xmlns:m="http://schemas.openxmlformats.org/officeDocument/2006/math">
-                        <m:r>
-                          <a:rPr lang="es-ES" sz="1400" i="1">
-                            <a:latin typeface="Cambria Math" charset="0"/>
-                            <a:ea typeface="Cambria Math" charset="0"/>
-                            <a:cs typeface="Cambria Math" charset="0"/>
-                          </a:rPr>
-                          <m:t>𝜂</m:t>
-                        </m:r>
-                        <m:r>
-                          <a:rPr lang="es-ES" sz="1400" b="0" i="1">
-                            <a:latin typeface="Cambria Math" charset="0"/>
-                          </a:rPr>
-                          <m:t>(</m:t>
-                        </m:r>
-                        <m:r>
-                          <a:rPr lang="es-ES" sz="1400" b="0" i="1">
-                            <a:latin typeface="Cambria Math" charset="0"/>
-                          </a:rPr>
-                          <m:t>𝑥</m:t>
-                        </m:r>
-                        <m:r>
-                          <a:rPr lang="es-ES" sz="1400" b="0" i="1">
-                            <a:latin typeface="Cambria Math" charset="0"/>
-                          </a:rPr>
-                          <m:t>)</m:t>
-                        </m:r>
-                      </m:oMath>
-                    </m:oMathPara>
-                  </a14:m>
-                  <a:endParaRPr lang="es-ES_tradnl" sz="1400"/>
-                </a:p>
-              </p:txBody>
-            </p:sp>
-          </mc:Choice>
-          <mc:Fallback>
-            <p:sp>
-              <p:nvSpPr>
-                <p:cNvPr id="51" name="CuadroTexto 50"/>
-                <p:cNvSpPr txBox="1">
-                  <a:spLocks noRot="1" noChangeAspect="1" noMove="1" noResize="1" noEditPoints="1" noAdjustHandles="1" noChangeArrowheads="1" noChangeShapeType="1" noTextEdit="1"/>
-                </p:cNvSpPr>
-                <p:nvPr/>
-              </p:nvSpPr>
-              <p:spPr>
-                <a:xfrm>
-                  <a:off x="3373464" y="4552797"/>
-                  <a:ext cx="445820" cy="215444"/>
-                </a:xfrm>
-                <a:prstGeom prst="rect">
-                  <a:avLst/>
-                </a:prstGeom>
-                <a:blipFill rotWithShape="0">
-                  <a:blip r:embed="rId8"/>
-                  <a:stretch>
-                    <a:fillRect l="-2703" r="-6757" b="-37143"/>
-                  </a:stretch>
-                </a:blipFill>
-              </p:spPr>
-              <p:txBody>
-                <a:bodyPr/>
-                <a:lstStyle/>
-                <a:p>
-                  <a:r>
-                    <a:rPr lang="es-ES_tradnl">
-                      <a:noFill/>
-                    </a:rPr>
-                    <a:t> </a:t>
-                  </a:r>
-                </a:p>
-              </p:txBody>
-            </p:sp>
-          </mc:Fallback>
-        </mc:AlternateContent>
-        <p:sp>
-          <p:nvSpPr>
-            <p:cNvPr id="52" name="CuadroTexto 51"/>
-            <p:cNvSpPr txBox="1"/>
-            <p:nvPr/>
-          </p:nvSpPr>
-          <p:spPr>
-            <a:xfrm>
-              <a:off x="5339166" y="5029201"/>
-              <a:ext cx="1415772" cy="307777"/>
-            </a:xfrm>
-            <a:prstGeom prst="rect">
-              <a:avLst/>
-            </a:prstGeom>
-            <a:noFill/>
-          </p:spPr>
-          <p:txBody>
-            <a:bodyPr wrap="none" rtlCol="0">
-              <a:spAutoFit/>
-            </a:bodyPr>
-            <a:lstStyle/>
-            <a:p>
-              <a:r>
-                <a:rPr lang="es-ES_tradnl" sz="1400">
-                  <a:latin typeface="Times New Roman" charset="0"/>
-                  <a:ea typeface="Times New Roman" charset="0"/>
-                  <a:cs typeface="Times New Roman" charset="0"/>
-                </a:rPr>
-                <a:t>Función Plantilla</a:t>
-              </a:r>
-            </a:p>
-          </p:txBody>
-        </p:sp>
-      </p:grpSp>
-      <mc:AlternateContent xmlns:mc="http://schemas.openxmlformats.org/markup-compatibility/2006">
-        <mc:Choice xmlns:a14="http://schemas.microsoft.com/office/drawing/2010/main" Requires="a14">
-          <p:sp>
-            <p:nvSpPr>
-              <p:cNvPr id="59" name="CuadroTexto 58"/>
-              <p:cNvSpPr txBox="1"/>
-              <p:nvPr/>
-            </p:nvSpPr>
-            <p:spPr>
-              <a:xfrm>
-                <a:off x="1961908" y="4379503"/>
-                <a:ext cx="201772" cy="215444"/>
-              </a:xfrm>
-              <a:prstGeom prst="rect">
-                <a:avLst/>
-              </a:prstGeom>
-              <a:noFill/>
-            </p:spPr>
-            <p:txBody>
-              <a:bodyPr wrap="square" lIns="0" tIns="0" rIns="0" bIns="0" rtlCol="0">
-                <a:spAutoFit/>
-              </a:bodyPr>
-              <a:lstStyle/>
-              <a:p>
-                <a:pPr/>
-                <a14:m>
-                  <m:oMathPara xmlns:m="http://schemas.openxmlformats.org/officeDocument/2006/math">
-                    <m:oMathParaPr>
-                      <m:jc m:val="centerGroup"/>
-                    </m:oMathParaPr>
-                    <m:oMath xmlns:m="http://schemas.openxmlformats.org/officeDocument/2006/math">
-                      <m:r>
-                        <a:rPr lang="es-ES" sz="1400" b="0" i="1">
-                          <a:latin typeface="Cambria Math" charset="0"/>
-                        </a:rPr>
-                        <m:t>𝑎</m:t>
-                      </m:r>
-                    </m:oMath>
-                  </m:oMathPara>
-                </a14:m>
-                <a:endParaRPr lang="es-ES_tradnl" sz="1400"/>
-              </a:p>
-            </p:txBody>
-          </p:sp>
-        </mc:Choice>
-        <mc:Fallback>
-          <p:sp>
-            <p:nvSpPr>
-              <p:cNvPr id="59" name="CuadroTexto 58"/>
-              <p:cNvSpPr txBox="1">
-                <a:spLocks noRot="1" noChangeAspect="1" noMove="1" noResize="1" noEditPoints="1" noAdjustHandles="1" noChangeArrowheads="1" noChangeShapeType="1" noTextEdit="1"/>
-              </p:cNvSpPr>
-              <p:nvPr/>
-            </p:nvSpPr>
-            <p:spPr>
-              <a:xfrm>
-                <a:off x="1961908" y="4379503"/>
-                <a:ext cx="201772" cy="215444"/>
-              </a:xfrm>
-              <a:prstGeom prst="rect">
-                <a:avLst/>
-              </a:prstGeom>
-              <a:blipFill rotWithShape="0">
-                <a:blip r:embed="rId9"/>
-                <a:stretch>
-                  <a:fillRect/>
-                </a:stretch>
-              </a:blipFill>
-            </p:spPr>
-            <p:txBody>
-              <a:bodyPr/>
-              <a:lstStyle/>
-              <a:p>
-                <a:r>
-                  <a:rPr lang="es-ES_tradnl">
-                    <a:noFill/>
-                  </a:rPr>
-                  <a:t> </a:t>
-                </a:r>
-              </a:p>
-            </p:txBody>
-          </p:sp>
-        </mc:Fallback>
-      </mc:AlternateContent>
-      <mc:AlternateContent xmlns:mc="http://schemas.openxmlformats.org/markup-compatibility/2006">
-        <mc:Choice xmlns:a14="http://schemas.microsoft.com/office/drawing/2010/main" Requires="a14">
-          <p:sp>
-            <p:nvSpPr>
-              <p:cNvPr id="60" name="CuadroTexto 59"/>
-              <p:cNvSpPr txBox="1"/>
-              <p:nvPr/>
-            </p:nvSpPr>
-            <p:spPr>
-              <a:xfrm>
-                <a:off x="6581103" y="4397201"/>
-                <a:ext cx="201772" cy="215444"/>
-              </a:xfrm>
-              <a:prstGeom prst="rect">
-                <a:avLst/>
-              </a:prstGeom>
-              <a:noFill/>
-            </p:spPr>
-            <p:txBody>
-              <a:bodyPr wrap="square" lIns="0" tIns="0" rIns="0" bIns="0" rtlCol="0">
-                <a:spAutoFit/>
-              </a:bodyPr>
-              <a:lstStyle/>
-              <a:p>
-                <a:pPr/>
-                <a14:m>
-                  <m:oMathPara xmlns:m="http://schemas.openxmlformats.org/officeDocument/2006/math">
-                    <m:oMathParaPr>
-                      <m:jc m:val="centerGroup"/>
-                    </m:oMathParaPr>
-                    <m:oMath xmlns:m="http://schemas.openxmlformats.org/officeDocument/2006/math">
-                      <m:r>
-                        <a:rPr lang="es-ES" sz="1400" b="0" i="1">
-                          <a:latin typeface="Cambria Math" charset="0"/>
-                        </a:rPr>
-                        <m:t>𝑏</m:t>
-                      </m:r>
-                    </m:oMath>
-                  </m:oMathPara>
-                </a14:m>
-                <a:endParaRPr lang="es-ES_tradnl" sz="1400"/>
-              </a:p>
-            </p:txBody>
-          </p:sp>
-        </mc:Choice>
-        <mc:Fallback>
-          <p:sp>
-            <p:nvSpPr>
-              <p:cNvPr id="60" name="CuadroTexto 59"/>
-              <p:cNvSpPr txBox="1">
-                <a:spLocks noRot="1" noChangeAspect="1" noMove="1" noResize="1" noEditPoints="1" noAdjustHandles="1" noChangeArrowheads="1" noChangeShapeType="1" noTextEdit="1"/>
-              </p:cNvSpPr>
-              <p:nvPr/>
-            </p:nvSpPr>
-            <p:spPr>
-              <a:xfrm>
-                <a:off x="6581103" y="4397201"/>
-                <a:ext cx="201772" cy="215444"/>
-              </a:xfrm>
-              <a:prstGeom prst="rect">
-                <a:avLst/>
-              </a:prstGeom>
-              <a:blipFill rotWithShape="0">
-                <a:blip r:embed="rId10"/>
-                <a:stretch>
-                  <a:fillRect l="-9091" r="-3030" b="-5556"/>
-                </a:stretch>
-              </a:blipFill>
-            </p:spPr>
-            <p:txBody>
-              <a:bodyPr/>
-              <a:lstStyle/>
-              <a:p>
-                <a:r>
-                  <a:rPr lang="es-ES_tradnl">
-                    <a:noFill/>
-                  </a:rPr>
-                  <a:t> </a:t>
-                </a:r>
-              </a:p>
-            </p:txBody>
-          </p:sp>
-        </mc:Fallback>
-      </mc:AlternateContent>
-    </p:spTree>
-    <p:extLst>
-      <p:ext uri="{BB962C8B-B14F-4D97-AF65-F5344CB8AC3E}">
-        <p14:creationId xmlns:p14="http://schemas.microsoft.com/office/powerpoint/2010/main" val="1196564374"/>
-      </p:ext>
-    </p:extLst>
-  </p:cSld>
-  <p:clrMapOvr>
-    <a:masterClrMapping/>
-  </p:clrMapOvr>
-</p:sld>
-</file>
-
-<file path=ppt/slides/slide30.xml><?xml version="1.0" encoding="utf-8"?>
+<file path=ppt/slides/slide31.xml><?xml version="1.0" encoding="utf-8"?>
 <p:sld xmlns:a="http://schemas.openxmlformats.org/drawingml/2006/main" xmlns:r="http://schemas.openxmlformats.org/officeDocument/2006/relationships" xmlns:p="http://schemas.openxmlformats.org/presentationml/2006/main">
   <p:cSld>
     <p:spTree>
@@ -21894,7 +21877,7 @@
 </p:sld>
 </file>
 
-<file path=ppt/slides/slide31.xml><?xml version="1.0" encoding="utf-8"?>
+<file path=ppt/slides/slide32.xml><?xml version="1.0" encoding="utf-8"?>
 <p:sld xmlns:a="http://schemas.openxmlformats.org/drawingml/2006/main" xmlns:r="http://schemas.openxmlformats.org/officeDocument/2006/relationships" xmlns:p="http://schemas.openxmlformats.org/presentationml/2006/main">
   <p:cSld>
     <p:spTree>
@@ -35622,40 +35605,1806 @@
           <a:chExt cx="0" cy="0"/>
         </a:xfrm>
       </p:grpSpPr>
-      <p:sp>
-        <p:nvSpPr>
-          <p:cNvPr id="2" name="CuadroTexto 1"/>
-          <p:cNvSpPr txBox="1"/>
+      <p:grpSp>
+        <p:nvGrpSpPr>
+          <p:cNvPr id="53" name="Agrupar 52"/>
+          <p:cNvGrpSpPr/>
           <p:nvPr/>
-        </p:nvSpPr>
-        <p:spPr>
+        </p:nvGrpSpPr>
+        <p:grpSpPr>
           <a:xfrm>
-            <a:off x="0" y="3123210"/>
-            <a:ext cx="9144000" cy="707886"/>
+            <a:off x="2322161" y="1050543"/>
+            <a:ext cx="4547115" cy="2726038"/>
+            <a:chOff x="2322161" y="1050543"/>
+            <a:chExt cx="4547115" cy="2726038"/>
           </a:xfrm>
-          <a:prstGeom prst="rect">
-            <a:avLst/>
-          </a:prstGeom>
-          <a:noFill/>
-        </p:spPr>
-        <p:txBody>
-          <a:bodyPr wrap="square" rtlCol="0">
-            <a:spAutoFit/>
-          </a:bodyPr>
-          <a:lstStyle/>
-          <a:p>
-            <a:pPr algn="ctr"/>
-            <a:r>
-              <a:rPr lang="es-ES_tradnl" sz="4000"/>
-              <a:t>Diagramas viejitos</a:t>
-            </a:r>
-          </a:p>
-        </p:txBody>
-      </p:sp>
+        </p:grpSpPr>
+        <p:sp>
+          <p:nvSpPr>
+            <p:cNvPr id="4" name="Cruz 3"/>
+            <p:cNvSpPr/>
+            <p:nvPr/>
+          </p:nvSpPr>
+          <p:spPr>
+            <a:xfrm>
+              <a:off x="5033049" y="1574165"/>
+              <a:ext cx="227390" cy="227391"/>
+            </a:xfrm>
+            <a:prstGeom prst="plus">
+              <a:avLst>
+                <a:gd name="adj" fmla="val 44414"/>
+              </a:avLst>
+            </a:prstGeom>
+            <a:solidFill>
+              <a:srgbClr val="00B0F0"/>
+            </a:solidFill>
+            <a:ln>
+              <a:solidFill>
+                <a:srgbClr val="00B0F0"/>
+              </a:solidFill>
+            </a:ln>
+          </p:spPr>
+          <p:style>
+            <a:lnRef idx="2">
+              <a:schemeClr val="accent1">
+                <a:shade val="50000"/>
+              </a:schemeClr>
+            </a:lnRef>
+            <a:fillRef idx="1">
+              <a:schemeClr val="accent1"/>
+            </a:fillRef>
+            <a:effectRef idx="0">
+              <a:schemeClr val="accent1"/>
+            </a:effectRef>
+            <a:fontRef idx="minor">
+              <a:schemeClr val="lt1"/>
+            </a:fontRef>
+          </p:style>
+          <p:txBody>
+            <a:bodyPr rtlCol="0" anchor="ctr"/>
+            <a:lstStyle/>
+            <a:p>
+              <a:pPr algn="ctr"/>
+              <a:endParaRPr lang="es-ES_tradnl"/>
+            </a:p>
+          </p:txBody>
+        </p:sp>
+        <p:sp>
+          <p:nvSpPr>
+            <p:cNvPr id="37" name="Elipse 36"/>
+            <p:cNvSpPr/>
+            <p:nvPr/>
+          </p:nvSpPr>
+          <p:spPr>
+            <a:xfrm>
+              <a:off x="6635891" y="1309207"/>
+              <a:ext cx="189571" cy="189571"/>
+            </a:xfrm>
+            <a:prstGeom prst="ellipse">
+              <a:avLst/>
+            </a:prstGeom>
+            <a:solidFill>
+              <a:srgbClr val="FF0000"/>
+            </a:solidFill>
+            <a:ln w="19050">
+              <a:noFill/>
+            </a:ln>
+          </p:spPr>
+          <p:style>
+            <a:lnRef idx="2">
+              <a:schemeClr val="accent1">
+                <a:shade val="50000"/>
+              </a:schemeClr>
+            </a:lnRef>
+            <a:fillRef idx="1">
+              <a:schemeClr val="accent1"/>
+            </a:fillRef>
+            <a:effectRef idx="0">
+              <a:schemeClr val="accent1"/>
+            </a:effectRef>
+            <a:fontRef idx="minor">
+              <a:schemeClr val="lt1"/>
+            </a:fontRef>
+          </p:style>
+          <p:txBody>
+            <a:bodyPr rtlCol="0" anchor="ctr"/>
+            <a:lstStyle/>
+            <a:p>
+              <a:pPr algn="ctr"/>
+              <a:endParaRPr lang="es-ES_tradnl"/>
+            </a:p>
+          </p:txBody>
+        </p:sp>
+        <p:sp>
+          <p:nvSpPr>
+            <p:cNvPr id="38" name="Elipse 37"/>
+            <p:cNvSpPr/>
+            <p:nvPr/>
+          </p:nvSpPr>
+          <p:spPr>
+            <a:xfrm>
+              <a:off x="3947395" y="1763742"/>
+              <a:ext cx="287610" cy="287610"/>
+            </a:xfrm>
+            <a:prstGeom prst="ellipse">
+              <a:avLst/>
+            </a:prstGeom>
+            <a:solidFill>
+              <a:srgbClr val="FF0000"/>
+            </a:solidFill>
+            <a:ln w="19050">
+              <a:noFill/>
+            </a:ln>
+          </p:spPr>
+          <p:style>
+            <a:lnRef idx="2">
+              <a:schemeClr val="accent1">
+                <a:shade val="50000"/>
+              </a:schemeClr>
+            </a:lnRef>
+            <a:fillRef idx="1">
+              <a:schemeClr val="accent1"/>
+            </a:fillRef>
+            <a:effectRef idx="0">
+              <a:schemeClr val="accent1"/>
+            </a:effectRef>
+            <a:fontRef idx="minor">
+              <a:schemeClr val="lt1"/>
+            </a:fontRef>
+          </p:style>
+          <p:txBody>
+            <a:bodyPr rtlCol="0" anchor="ctr"/>
+            <a:lstStyle/>
+            <a:p>
+              <a:pPr algn="ctr"/>
+              <a:r>
+                <a:rPr lang="pt-BR"/>
+                <a:t> </a:t>
+              </a:r>
+              <a:endParaRPr lang="es-ES_tradnl"/>
+            </a:p>
+          </p:txBody>
+        </p:sp>
+        <p:cxnSp>
+          <p:nvCxnSpPr>
+            <p:cNvPr id="31" name="Conector recto de flecha 30"/>
+            <p:cNvCxnSpPr/>
+            <p:nvPr/>
+          </p:nvCxnSpPr>
+          <p:spPr>
+            <a:xfrm flipV="1">
+              <a:off x="5185186" y="1406559"/>
+              <a:ext cx="1550516" cy="287770"/>
+            </a:xfrm>
+            <a:prstGeom prst="straightConnector1">
+              <a:avLst/>
+            </a:prstGeom>
+            <a:ln w="19050">
+              <a:solidFill>
+                <a:schemeClr val="bg1">
+                  <a:lumMod val="50000"/>
+                </a:schemeClr>
+              </a:solidFill>
+              <a:prstDash val="sysDash"/>
+              <a:headEnd type="none" w="med" len="med"/>
+              <a:tailEnd type="triangle" w="med" len="med"/>
+            </a:ln>
+          </p:spPr>
+          <p:style>
+            <a:lnRef idx="1">
+              <a:schemeClr val="accent1"/>
+            </a:lnRef>
+            <a:fillRef idx="0">
+              <a:schemeClr val="accent1"/>
+            </a:fillRef>
+            <a:effectRef idx="0">
+              <a:schemeClr val="accent1"/>
+            </a:effectRef>
+            <a:fontRef idx="minor">
+              <a:schemeClr val="tx1"/>
+            </a:fontRef>
+          </p:style>
+        </p:cxnSp>
+        <p:cxnSp>
+          <p:nvCxnSpPr>
+            <p:cNvPr id="6" name="Conector recto de flecha 5"/>
+            <p:cNvCxnSpPr/>
+            <p:nvPr/>
+          </p:nvCxnSpPr>
+          <p:spPr>
+            <a:xfrm flipV="1">
+              <a:off x="3293706" y="1896391"/>
+              <a:ext cx="797424" cy="1406646"/>
+            </a:xfrm>
+            <a:prstGeom prst="straightConnector1">
+              <a:avLst/>
+            </a:prstGeom>
+            <a:ln w="19050">
+              <a:solidFill>
+                <a:schemeClr val="tx1"/>
+              </a:solidFill>
+              <a:tailEnd type="triangle"/>
+            </a:ln>
+          </p:spPr>
+          <p:style>
+            <a:lnRef idx="1">
+              <a:schemeClr val="accent1"/>
+            </a:lnRef>
+            <a:fillRef idx="0">
+              <a:schemeClr val="accent1"/>
+            </a:fillRef>
+            <a:effectRef idx="0">
+              <a:schemeClr val="accent1"/>
+            </a:effectRef>
+            <a:fontRef idx="minor">
+              <a:schemeClr val="tx1"/>
+            </a:fontRef>
+          </p:style>
+        </p:cxnSp>
+        <p:cxnSp>
+          <p:nvCxnSpPr>
+            <p:cNvPr id="25" name="Conector recto de flecha 24"/>
+            <p:cNvCxnSpPr/>
+            <p:nvPr/>
+          </p:nvCxnSpPr>
+          <p:spPr>
+            <a:xfrm flipV="1">
+              <a:off x="3293706" y="1447800"/>
+              <a:ext cx="3454227" cy="1845909"/>
+            </a:xfrm>
+            <a:prstGeom prst="straightConnector1">
+              <a:avLst/>
+            </a:prstGeom>
+            <a:ln w="19050">
+              <a:solidFill>
+                <a:schemeClr val="tx1"/>
+              </a:solidFill>
+              <a:tailEnd type="triangle"/>
+            </a:ln>
+          </p:spPr>
+          <p:style>
+            <a:lnRef idx="1">
+              <a:schemeClr val="accent1"/>
+            </a:lnRef>
+            <a:fillRef idx="0">
+              <a:schemeClr val="accent1"/>
+            </a:fillRef>
+            <a:effectRef idx="0">
+              <a:schemeClr val="accent1"/>
+            </a:effectRef>
+            <a:fontRef idx="minor">
+              <a:schemeClr val="tx1"/>
+            </a:fontRef>
+          </p:style>
+        </p:cxnSp>
+        <mc:AlternateContent xmlns:mc="http://schemas.openxmlformats.org/markup-compatibility/2006">
+          <mc:Choice xmlns:a14="http://schemas.microsoft.com/office/drawing/2010/main" Requires="a14">
+            <p:sp>
+              <p:nvSpPr>
+                <p:cNvPr id="34" name="CuadroTexto 33"/>
+                <p:cNvSpPr txBox="1"/>
+                <p:nvPr/>
+              </p:nvSpPr>
+              <p:spPr>
+                <a:xfrm>
+                  <a:off x="3575841" y="2252745"/>
+                  <a:ext cx="201772" cy="215444"/>
+                </a:xfrm>
+                <a:prstGeom prst="rect">
+                  <a:avLst/>
+                </a:prstGeom>
+                <a:noFill/>
+              </p:spPr>
+              <p:txBody>
+                <a:bodyPr wrap="square" lIns="0" tIns="0" rIns="0" bIns="0" rtlCol="0">
+                  <a:spAutoFit/>
+                </a:bodyPr>
+                <a:lstStyle/>
+                <a:p>
+                  <a:pPr/>
+                  <a14:m>
+                    <m:oMathPara xmlns:m="http://schemas.openxmlformats.org/officeDocument/2006/math">
+                      <m:oMathParaPr>
+                        <m:jc m:val="centerGroup"/>
+                      </m:oMathParaPr>
+                      <m:oMath xmlns:m="http://schemas.openxmlformats.org/officeDocument/2006/math">
+                        <m:sSub>
+                          <m:sSubPr>
+                            <m:ctrlPr>
+                              <a:rPr lang="en-US" sz="1400" b="0" i="1">
+                                <a:latin typeface="Cambria Math" charset="0"/>
+                              </a:rPr>
+                            </m:ctrlPr>
+                          </m:sSubPr>
+                          <m:e>
+                            <m:acc>
+                              <m:accPr>
+                                <m:chr m:val="⃗"/>
+                                <m:ctrlPr>
+                                  <a:rPr lang="en-US" sz="1400" b="0" i="1">
+                                    <a:latin typeface="Cambria Math" charset="0"/>
+                                  </a:rPr>
+                                </m:ctrlPr>
+                              </m:accPr>
+                              <m:e>
+                                <m:r>
+                                  <a:rPr lang="es-ES" sz="1400" b="0" i="1">
+                                    <a:latin typeface="Cambria Math" charset="0"/>
+                                  </a:rPr>
+                                  <m:t>𝑟</m:t>
+                                </m:r>
+                              </m:e>
+                            </m:acc>
+                          </m:e>
+                          <m:sub>
+                            <m:r>
+                              <a:rPr lang="es-ES" sz="1400" b="0" i="1">
+                                <a:latin typeface="Cambria Math" charset="0"/>
+                              </a:rPr>
+                              <m:t>1</m:t>
+                            </m:r>
+                          </m:sub>
+                        </m:sSub>
+                      </m:oMath>
+                    </m:oMathPara>
+                  </a14:m>
+                  <a:endParaRPr lang="es-ES_tradnl" sz="1400"/>
+                </a:p>
+              </p:txBody>
+            </p:sp>
+          </mc:Choice>
+          <mc:Fallback>
+            <p:sp>
+              <p:nvSpPr>
+                <p:cNvPr id="34" name="CuadroTexto 33"/>
+                <p:cNvSpPr txBox="1">
+                  <a:spLocks noRot="1" noChangeAspect="1" noMove="1" noResize="1" noEditPoints="1" noAdjustHandles="1" noChangeArrowheads="1" noChangeShapeType="1" noTextEdit="1"/>
+                </p:cNvSpPr>
+                <p:nvPr/>
+              </p:nvSpPr>
+              <p:spPr>
+                <a:xfrm>
+                  <a:off x="3575841" y="2252745"/>
+                  <a:ext cx="201772" cy="215444"/>
+                </a:xfrm>
+                <a:prstGeom prst="rect">
+                  <a:avLst/>
+                </a:prstGeom>
+                <a:blipFill rotWithShape="0">
+                  <a:blip r:embed="rId2"/>
+                  <a:stretch>
+                    <a:fillRect l="-21212" t="-40000" r="-66667" b="-14286"/>
+                  </a:stretch>
+                </a:blipFill>
+              </p:spPr>
+              <p:txBody>
+                <a:bodyPr/>
+                <a:lstStyle/>
+                <a:p>
+                  <a:r>
+                    <a:rPr lang="es-ES_tradnl">
+                      <a:noFill/>
+                    </a:rPr>
+                    <a:t> </a:t>
+                  </a:r>
+                </a:p>
+              </p:txBody>
+            </p:sp>
+          </mc:Fallback>
+        </mc:AlternateContent>
+        <mc:AlternateContent xmlns:mc="http://schemas.openxmlformats.org/markup-compatibility/2006">
+          <mc:Choice xmlns:a14="http://schemas.microsoft.com/office/drawing/2010/main" Requires="a14">
+            <p:sp>
+              <p:nvSpPr>
+                <p:cNvPr id="35" name="CuadroTexto 34"/>
+                <p:cNvSpPr txBox="1"/>
+                <p:nvPr/>
+              </p:nvSpPr>
+              <p:spPr>
+                <a:xfrm>
+                  <a:off x="5740544" y="1972827"/>
+                  <a:ext cx="201772" cy="215444"/>
+                </a:xfrm>
+                <a:prstGeom prst="rect">
+                  <a:avLst/>
+                </a:prstGeom>
+                <a:noFill/>
+              </p:spPr>
+              <p:txBody>
+                <a:bodyPr wrap="square" lIns="0" tIns="0" rIns="0" bIns="0" rtlCol="0">
+                  <a:spAutoFit/>
+                </a:bodyPr>
+                <a:lstStyle/>
+                <a:p>
+                  <a:pPr/>
+                  <a14:m>
+                    <m:oMathPara xmlns:m="http://schemas.openxmlformats.org/officeDocument/2006/math">
+                      <m:oMathParaPr>
+                        <m:jc m:val="centerGroup"/>
+                      </m:oMathParaPr>
+                      <m:oMath xmlns:m="http://schemas.openxmlformats.org/officeDocument/2006/math">
+                        <m:sSub>
+                          <m:sSubPr>
+                            <m:ctrlPr>
+                              <a:rPr lang="en-US" sz="1400" b="0" i="1">
+                                <a:latin typeface="Cambria Math" charset="0"/>
+                              </a:rPr>
+                            </m:ctrlPr>
+                          </m:sSubPr>
+                          <m:e>
+                            <m:acc>
+                              <m:accPr>
+                                <m:chr m:val="⃗"/>
+                                <m:ctrlPr>
+                                  <a:rPr lang="en-US" sz="1400" b="0" i="1">
+                                    <a:latin typeface="Cambria Math" charset="0"/>
+                                  </a:rPr>
+                                </m:ctrlPr>
+                              </m:accPr>
+                              <m:e>
+                                <m:r>
+                                  <a:rPr lang="es-ES" sz="1400" b="0" i="1">
+                                    <a:latin typeface="Cambria Math" charset="0"/>
+                                  </a:rPr>
+                                  <m:t>𝑟</m:t>
+                                </m:r>
+                              </m:e>
+                            </m:acc>
+                          </m:e>
+                          <m:sub>
+                            <m:r>
+                              <a:rPr lang="es-ES" sz="1400" b="0" i="1">
+                                <a:latin typeface="Cambria Math" charset="0"/>
+                              </a:rPr>
+                              <m:t>2</m:t>
+                            </m:r>
+                          </m:sub>
+                        </m:sSub>
+                      </m:oMath>
+                    </m:oMathPara>
+                  </a14:m>
+                  <a:endParaRPr lang="es-ES_tradnl" sz="1400"/>
+                </a:p>
+              </p:txBody>
+            </p:sp>
+          </mc:Choice>
+          <mc:Fallback>
+            <p:sp>
+              <p:nvSpPr>
+                <p:cNvPr id="35" name="CuadroTexto 34"/>
+                <p:cNvSpPr txBox="1">
+                  <a:spLocks noRot="1" noChangeAspect="1" noMove="1" noResize="1" noEditPoints="1" noAdjustHandles="1" noChangeArrowheads="1" noChangeShapeType="1" noTextEdit="1"/>
+                </p:cNvSpPr>
+                <p:nvPr/>
+              </p:nvSpPr>
+              <p:spPr>
+                <a:xfrm>
+                  <a:off x="5740544" y="1972827"/>
+                  <a:ext cx="201772" cy="215444"/>
+                </a:xfrm>
+                <a:prstGeom prst="rect">
+                  <a:avLst/>
+                </a:prstGeom>
+                <a:blipFill rotWithShape="0">
+                  <a:blip r:embed="rId3"/>
+                  <a:stretch>
+                    <a:fillRect l="-21212" t="-40000" r="-66667" b="-14286"/>
+                  </a:stretch>
+                </a:blipFill>
+              </p:spPr>
+              <p:txBody>
+                <a:bodyPr/>
+                <a:lstStyle/>
+                <a:p>
+                  <a:r>
+                    <a:rPr lang="es-ES_tradnl">
+                      <a:noFill/>
+                    </a:rPr>
+                    <a:t> </a:t>
+                  </a:r>
+                </a:p>
+              </p:txBody>
+            </p:sp>
+          </mc:Fallback>
+        </mc:AlternateContent>
+        <mc:AlternateContent xmlns:mc="http://schemas.openxmlformats.org/markup-compatibility/2006">
+          <mc:Choice xmlns:a14="http://schemas.microsoft.com/office/drawing/2010/main" Requires="a14">
+            <p:sp>
+              <p:nvSpPr>
+                <p:cNvPr id="36" name="CuadroTexto 35"/>
+                <p:cNvSpPr txBox="1"/>
+                <p:nvPr/>
+              </p:nvSpPr>
+              <p:spPr>
+                <a:xfrm rot="20978094">
+                  <a:off x="5450339" y="1608776"/>
+                  <a:ext cx="605788" cy="315023"/>
+                </a:xfrm>
+                <a:prstGeom prst="rect">
+                  <a:avLst/>
+                </a:prstGeom>
+                <a:noFill/>
+              </p:spPr>
+              <p:txBody>
+                <a:bodyPr wrap="square" lIns="0" tIns="0" rIns="0" bIns="0" rtlCol="0">
+                  <a:spAutoFit/>
+                </a:bodyPr>
+                <a:lstStyle/>
+                <a:p>
+                  <a:pPr algn="ctr"/>
+                  <a14:m>
+                    <m:oMathPara xmlns:m="http://schemas.openxmlformats.org/officeDocument/2006/math">
+                      <m:oMathParaPr>
+                        <m:jc m:val="centerGroup"/>
+                      </m:oMathParaPr>
+                      <m:oMath xmlns:m="http://schemas.openxmlformats.org/officeDocument/2006/math">
+                        <m:d>
+                          <m:dPr>
+                            <m:ctrlPr>
+                              <a:rPr lang="mr-IN" sz="1200" b="0" i="1">
+                                <a:latin typeface="Cambria Math" charset="0"/>
+                              </a:rPr>
+                            </m:ctrlPr>
+                          </m:dPr>
+                          <m:e>
+                            <m:r>
+                              <a:rPr lang="es-ES" sz="1200" b="0" i="1">
+                                <a:latin typeface="Cambria Math" charset="0"/>
+                              </a:rPr>
+                              <m:t>−</m:t>
+                            </m:r>
+                            <m:f>
+                              <m:fPr>
+                                <m:ctrlPr>
+                                  <a:rPr lang="es-ES" sz="1200" i="1">
+                                    <a:latin typeface="Cambria Math" charset="0"/>
+                                  </a:rPr>
+                                </m:ctrlPr>
+                              </m:fPr>
+                              <m:num>
+                                <m:sSub>
+                                  <m:sSubPr>
+                                    <m:ctrlPr>
+                                      <a:rPr lang="en-US" sz="1200" i="1">
+                                        <a:latin typeface="Cambria Math" charset="0"/>
+                                      </a:rPr>
+                                    </m:ctrlPr>
+                                  </m:sSubPr>
+                                  <m:e>
+                                    <m:r>
+                                      <a:rPr lang="es-ES" sz="1200" i="1">
+                                        <a:latin typeface="Cambria Math" charset="0"/>
+                                      </a:rPr>
+                                      <m:t>𝑚</m:t>
+                                    </m:r>
+                                  </m:e>
+                                  <m:sub>
+                                    <m:r>
+                                      <a:rPr lang="es-ES" sz="1200" i="1">
+                                        <a:latin typeface="Cambria Math" charset="0"/>
+                                      </a:rPr>
+                                      <m:t>1</m:t>
+                                    </m:r>
+                                  </m:sub>
+                                </m:sSub>
+                              </m:num>
+                              <m:den>
+                                <m:r>
+                                  <a:rPr lang="es-ES" sz="1200" i="1">
+                                    <a:latin typeface="Cambria Math" charset="0"/>
+                                  </a:rPr>
+                                  <m:t>𝑀</m:t>
+                                </m:r>
+                              </m:den>
+                            </m:f>
+                          </m:e>
+                        </m:d>
+                        <m:acc>
+                          <m:accPr>
+                            <m:chr m:val="⃗"/>
+                            <m:ctrlPr>
+                              <a:rPr lang="en-US" sz="1200" i="1">
+                                <a:latin typeface="Cambria Math" charset="0"/>
+                              </a:rPr>
+                            </m:ctrlPr>
+                          </m:accPr>
+                          <m:e>
+                            <m:r>
+                              <a:rPr lang="es-ES" sz="1200" i="1">
+                                <a:latin typeface="Cambria Math" charset="0"/>
+                              </a:rPr>
+                              <m:t>𝑟</m:t>
+                            </m:r>
+                          </m:e>
+                        </m:acc>
+                      </m:oMath>
+                    </m:oMathPara>
+                  </a14:m>
+                  <a:endParaRPr lang="es-ES_tradnl" sz="1200"/>
+                </a:p>
+              </p:txBody>
+            </p:sp>
+          </mc:Choice>
+          <mc:Fallback>
+            <p:sp>
+              <p:nvSpPr>
+                <p:cNvPr id="36" name="CuadroTexto 35"/>
+                <p:cNvSpPr txBox="1">
+                  <a:spLocks noRot="1" noChangeAspect="1" noMove="1" noResize="1" noEditPoints="1" noAdjustHandles="1" noChangeArrowheads="1" noChangeShapeType="1" noTextEdit="1"/>
+                </p:cNvSpPr>
+                <p:nvPr/>
+              </p:nvSpPr>
+              <p:spPr>
+                <a:xfrm rot="20978094">
+                  <a:off x="5450339" y="1608776"/>
+                  <a:ext cx="605788" cy="315023"/>
+                </a:xfrm>
+                <a:prstGeom prst="rect">
+                  <a:avLst/>
+                </a:prstGeom>
+                <a:blipFill rotWithShape="0">
+                  <a:blip r:embed="rId4"/>
+                  <a:stretch>
+                    <a:fillRect t="-10000" r="-28704" b="-2857"/>
+                  </a:stretch>
+                </a:blipFill>
+              </p:spPr>
+              <p:txBody>
+                <a:bodyPr/>
+                <a:lstStyle/>
+                <a:p>
+                  <a:r>
+                    <a:rPr lang="es-ES_tradnl">
+                      <a:noFill/>
+                    </a:rPr>
+                    <a:t> </a:t>
+                  </a:r>
+                </a:p>
+              </p:txBody>
+            </p:sp>
+          </mc:Fallback>
+        </mc:AlternateContent>
+        <p:cxnSp>
+          <p:nvCxnSpPr>
+            <p:cNvPr id="39" name="Conector recto de flecha 38"/>
+            <p:cNvCxnSpPr/>
+            <p:nvPr/>
+          </p:nvCxnSpPr>
+          <p:spPr>
+            <a:xfrm>
+              <a:off x="3280413" y="3298354"/>
+              <a:ext cx="1765605" cy="0"/>
+            </a:xfrm>
+            <a:prstGeom prst="straightConnector1">
+              <a:avLst/>
+            </a:prstGeom>
+            <a:ln w="12700">
+              <a:solidFill>
+                <a:schemeClr val="bg2">
+                  <a:lumMod val="50000"/>
+                </a:schemeClr>
+              </a:solidFill>
+              <a:headEnd type="none" w="med" len="med"/>
+              <a:tailEnd type="none" w="med" len="med"/>
+            </a:ln>
+          </p:spPr>
+          <p:style>
+            <a:lnRef idx="1">
+              <a:schemeClr val="accent1"/>
+            </a:lnRef>
+            <a:fillRef idx="0">
+              <a:schemeClr val="accent1"/>
+            </a:fillRef>
+            <a:effectRef idx="0">
+              <a:schemeClr val="accent1"/>
+            </a:effectRef>
+            <a:fontRef idx="minor">
+              <a:schemeClr val="tx1"/>
+            </a:fontRef>
+          </p:style>
+        </p:cxnSp>
+        <p:cxnSp>
+          <p:nvCxnSpPr>
+            <p:cNvPr id="40" name="Conector recto de flecha 39"/>
+            <p:cNvCxnSpPr/>
+            <p:nvPr/>
+          </p:nvCxnSpPr>
+          <p:spPr>
+            <a:xfrm flipH="1">
+              <a:off x="2448813" y="3298354"/>
+              <a:ext cx="831600" cy="478227"/>
+            </a:xfrm>
+            <a:prstGeom prst="straightConnector1">
+              <a:avLst/>
+            </a:prstGeom>
+            <a:ln w="12700">
+              <a:solidFill>
+                <a:schemeClr val="bg2">
+                  <a:lumMod val="50000"/>
+                </a:schemeClr>
+              </a:solidFill>
+              <a:headEnd type="none" w="med" len="med"/>
+              <a:tailEnd type="none" w="med" len="med"/>
+            </a:ln>
+          </p:spPr>
+          <p:style>
+            <a:lnRef idx="1">
+              <a:schemeClr val="accent1"/>
+            </a:lnRef>
+            <a:fillRef idx="0">
+              <a:schemeClr val="accent1"/>
+            </a:fillRef>
+            <a:effectRef idx="0">
+              <a:schemeClr val="accent1"/>
+            </a:effectRef>
+            <a:fontRef idx="minor">
+              <a:schemeClr val="tx1"/>
+            </a:fontRef>
+          </p:style>
+        </p:cxnSp>
+        <p:cxnSp>
+          <p:nvCxnSpPr>
+            <p:cNvPr id="42" name="Conector recto de flecha 41"/>
+            <p:cNvCxnSpPr/>
+            <p:nvPr/>
+          </p:nvCxnSpPr>
+          <p:spPr>
+            <a:xfrm flipV="1">
+              <a:off x="3280412" y="1651946"/>
+              <a:ext cx="0" cy="1646408"/>
+            </a:xfrm>
+            <a:prstGeom prst="straightConnector1">
+              <a:avLst/>
+            </a:prstGeom>
+            <a:ln w="12700">
+              <a:solidFill>
+                <a:schemeClr val="bg2">
+                  <a:lumMod val="50000"/>
+                </a:schemeClr>
+              </a:solidFill>
+              <a:headEnd type="none" w="med" len="med"/>
+              <a:tailEnd type="none" w="med" len="med"/>
+            </a:ln>
+          </p:spPr>
+          <p:style>
+            <a:lnRef idx="1">
+              <a:schemeClr val="accent1"/>
+            </a:lnRef>
+            <a:fillRef idx="0">
+              <a:schemeClr val="accent1"/>
+            </a:fillRef>
+            <a:effectRef idx="0">
+              <a:schemeClr val="accent1"/>
+            </a:effectRef>
+            <a:fontRef idx="minor">
+              <a:schemeClr val="tx1"/>
+            </a:fontRef>
+          </p:style>
+        </p:cxnSp>
+        <mc:AlternateContent xmlns:mc="http://schemas.openxmlformats.org/markup-compatibility/2006">
+          <mc:Choice xmlns:a14="http://schemas.microsoft.com/office/drawing/2010/main" Requires="a14">
+            <p:sp>
+              <p:nvSpPr>
+                <p:cNvPr id="43" name="CuadroTexto 42"/>
+                <p:cNvSpPr txBox="1"/>
+                <p:nvPr/>
+              </p:nvSpPr>
+              <p:spPr>
+                <a:xfrm>
+                  <a:off x="2322161" y="3534084"/>
+                  <a:ext cx="201772" cy="215444"/>
+                </a:xfrm>
+                <a:prstGeom prst="rect">
+                  <a:avLst/>
+                </a:prstGeom>
+                <a:noFill/>
+              </p:spPr>
+              <p:txBody>
+                <a:bodyPr wrap="square" lIns="0" tIns="0" rIns="0" bIns="0" rtlCol="0">
+                  <a:spAutoFit/>
+                </a:bodyPr>
+                <a:lstStyle/>
+                <a:p>
+                  <a:pPr/>
+                  <a14:m>
+                    <m:oMathPara xmlns:m="http://schemas.openxmlformats.org/officeDocument/2006/math">
+                      <m:oMathParaPr>
+                        <m:jc m:val="centerGroup"/>
+                      </m:oMathParaPr>
+                      <m:oMath xmlns:m="http://schemas.openxmlformats.org/officeDocument/2006/math">
+                        <m:r>
+                          <a:rPr lang="es-ES" sz="1400" b="0" i="1">
+                            <a:latin typeface="Cambria Math" charset="0"/>
+                          </a:rPr>
+                          <m:t>𝑥</m:t>
+                        </m:r>
+                      </m:oMath>
+                    </m:oMathPara>
+                  </a14:m>
+                  <a:endParaRPr lang="es-ES_tradnl" sz="1400"/>
+                </a:p>
+              </p:txBody>
+            </p:sp>
+          </mc:Choice>
+          <mc:Fallback>
+            <p:sp>
+              <p:nvSpPr>
+                <p:cNvPr id="43" name="CuadroTexto 42"/>
+                <p:cNvSpPr txBox="1">
+                  <a:spLocks noRot="1" noChangeAspect="1" noMove="1" noResize="1" noEditPoints="1" noAdjustHandles="1" noChangeArrowheads="1" noChangeShapeType="1" noTextEdit="1"/>
+                </p:cNvSpPr>
+                <p:nvPr/>
+              </p:nvSpPr>
+              <p:spPr>
+                <a:xfrm>
+                  <a:off x="2322161" y="3534084"/>
+                  <a:ext cx="201772" cy="215444"/>
+                </a:xfrm>
+                <a:prstGeom prst="rect">
+                  <a:avLst/>
+                </a:prstGeom>
+                <a:blipFill rotWithShape="0">
+                  <a:blip r:embed="rId5"/>
+                  <a:stretch>
+                    <a:fillRect/>
+                  </a:stretch>
+                </a:blipFill>
+              </p:spPr>
+              <p:txBody>
+                <a:bodyPr/>
+                <a:lstStyle/>
+                <a:p>
+                  <a:r>
+                    <a:rPr lang="es-ES_tradnl">
+                      <a:noFill/>
+                    </a:rPr>
+                    <a:t> </a:t>
+                  </a:r>
+                </a:p>
+              </p:txBody>
+            </p:sp>
+          </mc:Fallback>
+        </mc:AlternateContent>
+        <mc:AlternateContent xmlns:mc="http://schemas.openxmlformats.org/markup-compatibility/2006">
+          <mc:Choice xmlns:a14="http://schemas.microsoft.com/office/drawing/2010/main" Requires="a14">
+            <p:sp>
+              <p:nvSpPr>
+                <p:cNvPr id="44" name="CuadroTexto 43"/>
+                <p:cNvSpPr txBox="1"/>
+                <p:nvPr/>
+              </p:nvSpPr>
+              <p:spPr>
+                <a:xfrm>
+                  <a:off x="4935120" y="3022412"/>
+                  <a:ext cx="201772" cy="215444"/>
+                </a:xfrm>
+                <a:prstGeom prst="rect">
+                  <a:avLst/>
+                </a:prstGeom>
+                <a:noFill/>
+              </p:spPr>
+              <p:txBody>
+                <a:bodyPr wrap="square" lIns="0" tIns="0" rIns="0" bIns="0" rtlCol="0">
+                  <a:spAutoFit/>
+                </a:bodyPr>
+                <a:lstStyle/>
+                <a:p>
+                  <a:pPr/>
+                  <a14:m>
+                    <m:oMathPara xmlns:m="http://schemas.openxmlformats.org/officeDocument/2006/math">
+                      <m:oMathParaPr>
+                        <m:jc m:val="centerGroup"/>
+                      </m:oMathParaPr>
+                      <m:oMath xmlns:m="http://schemas.openxmlformats.org/officeDocument/2006/math">
+                        <m:r>
+                          <a:rPr lang="es-ES" sz="1400" b="0" i="1">
+                            <a:latin typeface="Cambria Math" charset="0"/>
+                          </a:rPr>
+                          <m:t>𝑦</m:t>
+                        </m:r>
+                      </m:oMath>
+                    </m:oMathPara>
+                  </a14:m>
+                  <a:endParaRPr lang="es-ES_tradnl" sz="1400"/>
+                </a:p>
+              </p:txBody>
+            </p:sp>
+          </mc:Choice>
+          <mc:Fallback>
+            <p:sp>
+              <p:nvSpPr>
+                <p:cNvPr id="44" name="CuadroTexto 43"/>
+                <p:cNvSpPr txBox="1">
+                  <a:spLocks noRot="1" noChangeAspect="1" noMove="1" noResize="1" noEditPoints="1" noAdjustHandles="1" noChangeArrowheads="1" noChangeShapeType="1" noTextEdit="1"/>
+                </p:cNvSpPr>
+                <p:nvPr/>
+              </p:nvSpPr>
+              <p:spPr>
+                <a:xfrm>
+                  <a:off x="4935120" y="3022412"/>
+                  <a:ext cx="201772" cy="215444"/>
+                </a:xfrm>
+                <a:prstGeom prst="rect">
+                  <a:avLst/>
+                </a:prstGeom>
+                <a:blipFill rotWithShape="0">
+                  <a:blip r:embed="rId6"/>
+                  <a:stretch>
+                    <a:fillRect l="-9091" r="-3030" b="-22857"/>
+                  </a:stretch>
+                </a:blipFill>
+              </p:spPr>
+              <p:txBody>
+                <a:bodyPr/>
+                <a:lstStyle/>
+                <a:p>
+                  <a:r>
+                    <a:rPr lang="es-ES_tradnl">
+                      <a:noFill/>
+                    </a:rPr>
+                    <a:t> </a:t>
+                  </a:r>
+                </a:p>
+              </p:txBody>
+            </p:sp>
+          </mc:Fallback>
+        </mc:AlternateContent>
+        <mc:AlternateContent xmlns:mc="http://schemas.openxmlformats.org/markup-compatibility/2006">
+          <mc:Choice xmlns:a14="http://schemas.microsoft.com/office/drawing/2010/main" Requires="a14">
+            <p:sp>
+              <p:nvSpPr>
+                <p:cNvPr id="45" name="CuadroTexto 44"/>
+                <p:cNvSpPr txBox="1"/>
+                <p:nvPr/>
+              </p:nvSpPr>
+              <p:spPr>
+                <a:xfrm>
+                  <a:off x="3296150" y="1651946"/>
+                  <a:ext cx="201772" cy="215444"/>
+                </a:xfrm>
+                <a:prstGeom prst="rect">
+                  <a:avLst/>
+                </a:prstGeom>
+                <a:noFill/>
+              </p:spPr>
+              <p:txBody>
+                <a:bodyPr wrap="square" lIns="0" tIns="0" rIns="0" bIns="0" rtlCol="0">
+                  <a:spAutoFit/>
+                </a:bodyPr>
+                <a:lstStyle/>
+                <a:p>
+                  <a:pPr/>
+                  <a14:m>
+                    <m:oMathPara xmlns:m="http://schemas.openxmlformats.org/officeDocument/2006/math">
+                      <m:oMathParaPr>
+                        <m:jc m:val="centerGroup"/>
+                      </m:oMathParaPr>
+                      <m:oMath xmlns:m="http://schemas.openxmlformats.org/officeDocument/2006/math">
+                        <m:r>
+                          <a:rPr lang="es-ES" sz="1400" b="0" i="1">
+                            <a:latin typeface="Cambria Math" charset="0"/>
+                          </a:rPr>
+                          <m:t>𝑧</m:t>
+                        </m:r>
+                      </m:oMath>
+                    </m:oMathPara>
+                  </a14:m>
+                  <a:endParaRPr lang="es-ES_tradnl" sz="1400"/>
+                </a:p>
+              </p:txBody>
+            </p:sp>
+          </mc:Choice>
+          <mc:Fallback>
+            <p:sp>
+              <p:nvSpPr>
+                <p:cNvPr id="45" name="CuadroTexto 44"/>
+                <p:cNvSpPr txBox="1">
+                  <a:spLocks noRot="1" noChangeAspect="1" noMove="1" noResize="1" noEditPoints="1" noAdjustHandles="1" noChangeArrowheads="1" noChangeShapeType="1" noTextEdit="1"/>
+                </p:cNvSpPr>
+                <p:nvPr/>
+              </p:nvSpPr>
+              <p:spPr>
+                <a:xfrm>
+                  <a:off x="3296150" y="1651946"/>
+                  <a:ext cx="201772" cy="215444"/>
+                </a:xfrm>
+                <a:prstGeom prst="rect">
+                  <a:avLst/>
+                </a:prstGeom>
+                <a:blipFill rotWithShape="0">
+                  <a:blip r:embed="rId7"/>
+                  <a:stretch>
+                    <a:fillRect/>
+                  </a:stretch>
+                </a:blipFill>
+              </p:spPr>
+              <p:txBody>
+                <a:bodyPr/>
+                <a:lstStyle/>
+                <a:p>
+                  <a:r>
+                    <a:rPr lang="es-ES_tradnl">
+                      <a:noFill/>
+                    </a:rPr>
+                    <a:t> </a:t>
+                  </a:r>
+                </a:p>
+              </p:txBody>
+            </p:sp>
+          </mc:Fallback>
+        </mc:AlternateContent>
+        <mc:AlternateContent xmlns:mc="http://schemas.openxmlformats.org/markup-compatibility/2006">
+          <mc:Choice xmlns:a14="http://schemas.microsoft.com/office/drawing/2010/main" Requires="a14">
+            <p:sp>
+              <p:nvSpPr>
+                <p:cNvPr id="46" name="CuadroTexto 45"/>
+                <p:cNvSpPr txBox="1"/>
+                <p:nvPr/>
+              </p:nvSpPr>
+              <p:spPr>
+                <a:xfrm>
+                  <a:off x="3921193" y="1532625"/>
+                  <a:ext cx="201772" cy="215444"/>
+                </a:xfrm>
+                <a:prstGeom prst="rect">
+                  <a:avLst/>
+                </a:prstGeom>
+                <a:noFill/>
+              </p:spPr>
+              <p:txBody>
+                <a:bodyPr wrap="square" lIns="0" tIns="0" rIns="0" bIns="0" rtlCol="0">
+                  <a:spAutoFit/>
+                </a:bodyPr>
+                <a:lstStyle/>
+                <a:p>
+                  <a:pPr/>
+                  <a14:m>
+                    <m:oMathPara xmlns:m="http://schemas.openxmlformats.org/officeDocument/2006/math">
+                      <m:oMathParaPr>
+                        <m:jc m:val="centerGroup"/>
+                      </m:oMathParaPr>
+                      <m:oMath xmlns:m="http://schemas.openxmlformats.org/officeDocument/2006/math">
+                        <m:r>
+                          <a:rPr lang="es-ES" sz="1400" b="0" i="1">
+                            <a:latin typeface="Cambria Math" charset="0"/>
+                          </a:rPr>
+                          <m:t>1</m:t>
+                        </m:r>
+                      </m:oMath>
+                    </m:oMathPara>
+                  </a14:m>
+                  <a:endParaRPr lang="es-ES_tradnl" sz="1400"/>
+                </a:p>
+              </p:txBody>
+            </p:sp>
+          </mc:Choice>
+          <mc:Fallback>
+            <p:sp>
+              <p:nvSpPr>
+                <p:cNvPr id="46" name="CuadroTexto 45"/>
+                <p:cNvSpPr txBox="1">
+                  <a:spLocks noRot="1" noChangeAspect="1" noMove="1" noResize="1" noEditPoints="1" noAdjustHandles="1" noChangeArrowheads="1" noChangeShapeType="1" noTextEdit="1"/>
+                </p:cNvSpPr>
+                <p:nvPr/>
+              </p:nvSpPr>
+              <p:spPr>
+                <a:xfrm>
+                  <a:off x="3921193" y="1532625"/>
+                  <a:ext cx="201772" cy="215444"/>
+                </a:xfrm>
+                <a:prstGeom prst="rect">
+                  <a:avLst/>
+                </a:prstGeom>
+                <a:blipFill rotWithShape="0">
+                  <a:blip r:embed="rId8"/>
+                  <a:stretch>
+                    <a:fillRect l="-6061" r="-6061" b="-5556"/>
+                  </a:stretch>
+                </a:blipFill>
+              </p:spPr>
+              <p:txBody>
+                <a:bodyPr/>
+                <a:lstStyle/>
+                <a:p>
+                  <a:r>
+                    <a:rPr lang="es-ES_tradnl">
+                      <a:noFill/>
+                    </a:rPr>
+                    <a:t> </a:t>
+                  </a:r>
+                </a:p>
+              </p:txBody>
+            </p:sp>
+          </mc:Fallback>
+        </mc:AlternateContent>
+        <mc:AlternateContent xmlns:mc="http://schemas.openxmlformats.org/markup-compatibility/2006">
+          <mc:Choice xmlns:a14="http://schemas.microsoft.com/office/drawing/2010/main" Requires="a14">
+            <p:sp>
+              <p:nvSpPr>
+                <p:cNvPr id="47" name="CuadroTexto 46"/>
+                <p:cNvSpPr txBox="1"/>
+                <p:nvPr/>
+              </p:nvSpPr>
+              <p:spPr>
+                <a:xfrm>
+                  <a:off x="6667504" y="1050543"/>
+                  <a:ext cx="201772" cy="215444"/>
+                </a:xfrm>
+                <a:prstGeom prst="rect">
+                  <a:avLst/>
+                </a:prstGeom>
+                <a:noFill/>
+              </p:spPr>
+              <p:txBody>
+                <a:bodyPr wrap="square" lIns="0" tIns="0" rIns="0" bIns="0" rtlCol="0">
+                  <a:spAutoFit/>
+                </a:bodyPr>
+                <a:lstStyle/>
+                <a:p>
+                  <a:pPr/>
+                  <a14:m>
+                    <m:oMathPara xmlns:m="http://schemas.openxmlformats.org/officeDocument/2006/math">
+                      <m:oMathParaPr>
+                        <m:jc m:val="centerGroup"/>
+                      </m:oMathParaPr>
+                      <m:oMath xmlns:m="http://schemas.openxmlformats.org/officeDocument/2006/math">
+                        <m:r>
+                          <a:rPr lang="es-ES" sz="1400" b="0" i="1">
+                            <a:latin typeface="Cambria Math" charset="0"/>
+                          </a:rPr>
+                          <m:t>2</m:t>
+                        </m:r>
+                      </m:oMath>
+                    </m:oMathPara>
+                  </a14:m>
+                  <a:endParaRPr lang="es-ES_tradnl" sz="1400"/>
+                </a:p>
+              </p:txBody>
+            </p:sp>
+          </mc:Choice>
+          <mc:Fallback>
+            <p:sp>
+              <p:nvSpPr>
+                <p:cNvPr id="47" name="CuadroTexto 46"/>
+                <p:cNvSpPr txBox="1">
+                  <a:spLocks noRot="1" noChangeAspect="1" noMove="1" noResize="1" noEditPoints="1" noAdjustHandles="1" noChangeArrowheads="1" noChangeShapeType="1" noTextEdit="1"/>
+                </p:cNvSpPr>
+                <p:nvPr/>
+              </p:nvSpPr>
+              <p:spPr>
+                <a:xfrm>
+                  <a:off x="6667504" y="1050543"/>
+                  <a:ext cx="201772" cy="215444"/>
+                </a:xfrm>
+                <a:prstGeom prst="rect">
+                  <a:avLst/>
+                </a:prstGeom>
+                <a:blipFill rotWithShape="0">
+                  <a:blip r:embed="rId9"/>
+                  <a:stretch>
+                    <a:fillRect l="-9091" r="-3030" b="-5556"/>
+                  </a:stretch>
+                </a:blipFill>
+              </p:spPr>
+              <p:txBody>
+                <a:bodyPr/>
+                <a:lstStyle/>
+                <a:p>
+                  <a:r>
+                    <a:rPr lang="es-ES_tradnl">
+                      <a:noFill/>
+                    </a:rPr>
+                    <a:t> </a:t>
+                  </a:r>
+                </a:p>
+              </p:txBody>
+            </p:sp>
+          </mc:Fallback>
+        </mc:AlternateContent>
+        <p:cxnSp>
+          <p:nvCxnSpPr>
+            <p:cNvPr id="21" name="Conector recto de flecha 20"/>
+            <p:cNvCxnSpPr/>
+            <p:nvPr/>
+          </p:nvCxnSpPr>
+          <p:spPr>
+            <a:xfrm flipV="1">
+              <a:off x="3298825" y="1683572"/>
+              <a:ext cx="1870224" cy="1608905"/>
+            </a:xfrm>
+            <a:prstGeom prst="straightConnector1">
+              <a:avLst/>
+            </a:prstGeom>
+            <a:ln w="19050">
+              <a:solidFill>
+                <a:schemeClr val="tx1"/>
+              </a:solidFill>
+              <a:tailEnd type="triangle"/>
+            </a:ln>
+          </p:spPr>
+          <p:style>
+            <a:lnRef idx="1">
+              <a:schemeClr val="accent1"/>
+            </a:lnRef>
+            <a:fillRef idx="0">
+              <a:schemeClr val="accent1"/>
+            </a:fillRef>
+            <a:effectRef idx="0">
+              <a:schemeClr val="accent1"/>
+            </a:effectRef>
+            <a:fontRef idx="minor">
+              <a:schemeClr val="tx1"/>
+            </a:fontRef>
+          </p:style>
+        </p:cxnSp>
+        <p:cxnSp>
+          <p:nvCxnSpPr>
+            <p:cNvPr id="27" name="Conector recto de flecha 26"/>
+            <p:cNvCxnSpPr/>
+            <p:nvPr/>
+          </p:nvCxnSpPr>
+          <p:spPr>
+            <a:xfrm flipV="1">
+              <a:off x="4066556" y="1715845"/>
+              <a:ext cx="1000296" cy="195792"/>
+            </a:xfrm>
+            <a:prstGeom prst="straightConnector1">
+              <a:avLst/>
+            </a:prstGeom>
+            <a:ln w="19050">
+              <a:solidFill>
+                <a:schemeClr val="tx1"/>
+              </a:solidFill>
+              <a:prstDash val="sysDash"/>
+              <a:headEnd type="triangle" w="med" len="med"/>
+              <a:tailEnd type="none" w="med" len="med"/>
+            </a:ln>
+          </p:spPr>
+          <p:style>
+            <a:lnRef idx="1">
+              <a:schemeClr val="accent1"/>
+            </a:lnRef>
+            <a:fillRef idx="0">
+              <a:schemeClr val="accent1"/>
+            </a:fillRef>
+            <a:effectRef idx="0">
+              <a:schemeClr val="accent1"/>
+            </a:effectRef>
+            <a:fontRef idx="minor">
+              <a:schemeClr val="tx1"/>
+            </a:fontRef>
+          </p:style>
+        </p:cxnSp>
+        <mc:AlternateContent xmlns:mc="http://schemas.openxmlformats.org/markup-compatibility/2006">
+          <mc:Choice xmlns:a14="http://schemas.microsoft.com/office/drawing/2010/main" Requires="a14">
+            <p:sp>
+              <p:nvSpPr>
+                <p:cNvPr id="41" name="CuadroTexto 40"/>
+                <p:cNvSpPr txBox="1"/>
+                <p:nvPr/>
+              </p:nvSpPr>
+              <p:spPr>
+                <a:xfrm rot="20978094">
+                  <a:off x="4253974" y="1831054"/>
+                  <a:ext cx="605788" cy="315023"/>
+                </a:xfrm>
+                <a:prstGeom prst="rect">
+                  <a:avLst/>
+                </a:prstGeom>
+                <a:noFill/>
+              </p:spPr>
+              <p:txBody>
+                <a:bodyPr wrap="square" lIns="0" tIns="0" rIns="0" bIns="0" rtlCol="0">
+                  <a:spAutoFit/>
+                </a:bodyPr>
+                <a:lstStyle/>
+                <a:p>
+                  <a:pPr algn="ctr"/>
+                  <a14:m>
+                    <m:oMathPara xmlns:m="http://schemas.openxmlformats.org/officeDocument/2006/math">
+                      <m:oMathParaPr>
+                        <m:jc m:val="centerGroup"/>
+                      </m:oMathParaPr>
+                      <m:oMath xmlns:m="http://schemas.openxmlformats.org/officeDocument/2006/math">
+                        <m:d>
+                          <m:dPr>
+                            <m:ctrlPr>
+                              <a:rPr lang="mr-IN" sz="1200" b="0" i="1">
+                                <a:latin typeface="Cambria Math" charset="0"/>
+                              </a:rPr>
+                            </m:ctrlPr>
+                          </m:dPr>
+                          <m:e>
+                            <m:f>
+                              <m:fPr>
+                                <m:ctrlPr>
+                                  <a:rPr lang="es-ES" sz="1200" i="1">
+                                    <a:latin typeface="Cambria Math" charset="0"/>
+                                  </a:rPr>
+                                </m:ctrlPr>
+                              </m:fPr>
+                              <m:num>
+                                <m:sSub>
+                                  <m:sSubPr>
+                                    <m:ctrlPr>
+                                      <a:rPr lang="en-US" sz="1200" i="1">
+                                        <a:latin typeface="Cambria Math" charset="0"/>
+                                      </a:rPr>
+                                    </m:ctrlPr>
+                                  </m:sSubPr>
+                                  <m:e>
+                                    <m:r>
+                                      <a:rPr lang="es-ES" sz="1200" i="1">
+                                        <a:latin typeface="Cambria Math" charset="0"/>
+                                      </a:rPr>
+                                      <m:t>𝑚</m:t>
+                                    </m:r>
+                                  </m:e>
+                                  <m:sub>
+                                    <m:r>
+                                      <a:rPr lang="es-ES" sz="1200" b="0" i="1">
+                                        <a:latin typeface="Cambria Math" charset="0"/>
+                                      </a:rPr>
+                                      <m:t>2</m:t>
+                                    </m:r>
+                                  </m:sub>
+                                </m:sSub>
+                              </m:num>
+                              <m:den>
+                                <m:r>
+                                  <a:rPr lang="es-ES" sz="1200" i="1">
+                                    <a:latin typeface="Cambria Math" charset="0"/>
+                                  </a:rPr>
+                                  <m:t>𝑀</m:t>
+                                </m:r>
+                              </m:den>
+                            </m:f>
+                          </m:e>
+                        </m:d>
+                        <m:acc>
+                          <m:accPr>
+                            <m:chr m:val="⃗"/>
+                            <m:ctrlPr>
+                              <a:rPr lang="en-US" sz="1200" i="1">
+                                <a:latin typeface="Cambria Math" charset="0"/>
+                              </a:rPr>
+                            </m:ctrlPr>
+                          </m:accPr>
+                          <m:e>
+                            <m:r>
+                              <a:rPr lang="es-ES" sz="1200" i="1">
+                                <a:latin typeface="Cambria Math" charset="0"/>
+                              </a:rPr>
+                              <m:t>𝑟</m:t>
+                            </m:r>
+                          </m:e>
+                        </m:acc>
+                      </m:oMath>
+                    </m:oMathPara>
+                  </a14:m>
+                  <a:endParaRPr lang="es-ES_tradnl" sz="1200"/>
+                </a:p>
+              </p:txBody>
+            </p:sp>
+          </mc:Choice>
+          <mc:Fallback>
+            <p:sp>
+              <p:nvSpPr>
+                <p:cNvPr id="41" name="CuadroTexto 40"/>
+                <p:cNvSpPr txBox="1">
+                  <a:spLocks noRot="1" noChangeAspect="1" noMove="1" noResize="1" noEditPoints="1" noAdjustHandles="1" noChangeArrowheads="1" noChangeShapeType="1" noTextEdit="1"/>
+                </p:cNvSpPr>
+                <p:nvPr/>
+              </p:nvSpPr>
+              <p:spPr>
+                <a:xfrm rot="20978094">
+                  <a:off x="4253974" y="1831054"/>
+                  <a:ext cx="605788" cy="315023"/>
+                </a:xfrm>
+                <a:prstGeom prst="rect">
+                  <a:avLst/>
+                </a:prstGeom>
+                <a:blipFill rotWithShape="0">
+                  <a:blip r:embed="rId10"/>
+                  <a:stretch>
+                    <a:fillRect t="-7143" r="-18349" b="-5714"/>
+                  </a:stretch>
+                </a:blipFill>
+              </p:spPr>
+              <p:txBody>
+                <a:bodyPr/>
+                <a:lstStyle/>
+                <a:p>
+                  <a:r>
+                    <a:rPr lang="es-ES_tradnl">
+                      <a:noFill/>
+                    </a:rPr>
+                    <a:t> </a:t>
+                  </a:r>
+                </a:p>
+              </p:txBody>
+            </p:sp>
+          </mc:Fallback>
+        </mc:AlternateContent>
+        <mc:AlternateContent xmlns:mc="http://schemas.openxmlformats.org/markup-compatibility/2006">
+          <mc:Choice xmlns:a14="http://schemas.microsoft.com/office/drawing/2010/main" Requires="a14">
+            <p:sp>
+              <p:nvSpPr>
+                <p:cNvPr id="48" name="CuadroTexto 47"/>
+                <p:cNvSpPr txBox="1"/>
+                <p:nvPr/>
+              </p:nvSpPr>
+              <p:spPr>
+                <a:xfrm>
+                  <a:off x="4534857" y="2219369"/>
+                  <a:ext cx="201772" cy="241605"/>
+                </a:xfrm>
+                <a:prstGeom prst="rect">
+                  <a:avLst/>
+                </a:prstGeom>
+                <a:noFill/>
+              </p:spPr>
+              <p:txBody>
+                <a:bodyPr wrap="square" lIns="0" tIns="0" rIns="0" bIns="0" rtlCol="0">
+                  <a:spAutoFit/>
+                </a:bodyPr>
+                <a:lstStyle/>
+                <a:p>
+                  <a:pPr/>
+                  <a14:m>
+                    <m:oMathPara xmlns:m="http://schemas.openxmlformats.org/officeDocument/2006/math">
+                      <m:oMathParaPr>
+                        <m:jc m:val="centerGroup"/>
+                      </m:oMathParaPr>
+                      <m:oMath xmlns:m="http://schemas.openxmlformats.org/officeDocument/2006/math">
+                        <m:sSub>
+                          <m:sSubPr>
+                            <m:ctrlPr>
+                              <a:rPr lang="en-US" sz="1400" i="1">
+                                <a:latin typeface="Cambria Math" charset="0"/>
+                              </a:rPr>
+                            </m:ctrlPr>
+                          </m:sSubPr>
+                          <m:e>
+                            <m:acc>
+                              <m:accPr>
+                                <m:chr m:val="⃗"/>
+                                <m:ctrlPr>
+                                  <a:rPr lang="en-US" sz="1400" i="1">
+                                    <a:latin typeface="Cambria Math" charset="0"/>
+                                  </a:rPr>
+                                </m:ctrlPr>
+                              </m:accPr>
+                              <m:e>
+                                <m:r>
+                                  <a:rPr lang="es-ES" sz="1400" b="0" i="1">
+                                    <a:latin typeface="Cambria Math" charset="0"/>
+                                  </a:rPr>
+                                  <m:t>𝑅</m:t>
+                                </m:r>
+                              </m:e>
+                            </m:acc>
+                          </m:e>
+                          <m:sub>
+                            <m:r>
+                              <a:rPr lang="es-ES" sz="1400" b="0" i="1">
+                                <a:latin typeface="Cambria Math" charset="0"/>
+                              </a:rPr>
+                              <m:t>𝐶𝑀</m:t>
+                            </m:r>
+                          </m:sub>
+                        </m:sSub>
+                      </m:oMath>
+                    </m:oMathPara>
+                  </a14:m>
+                  <a:endParaRPr lang="es-ES_tradnl" sz="1400"/>
+                </a:p>
+              </p:txBody>
+            </p:sp>
+          </mc:Choice>
+          <mc:Fallback>
+            <p:sp>
+              <p:nvSpPr>
+                <p:cNvPr id="48" name="CuadroTexto 47"/>
+                <p:cNvSpPr txBox="1">
+                  <a:spLocks noRot="1" noChangeAspect="1" noMove="1" noResize="1" noEditPoints="1" noAdjustHandles="1" noChangeArrowheads="1" noChangeShapeType="1" noTextEdit="1"/>
+                </p:cNvSpPr>
+                <p:nvPr/>
+              </p:nvSpPr>
+              <p:spPr>
+                <a:xfrm>
+                  <a:off x="4534857" y="2219369"/>
+                  <a:ext cx="201772" cy="241605"/>
+                </a:xfrm>
+                <a:prstGeom prst="rect">
+                  <a:avLst/>
+                </a:prstGeom>
+                <a:blipFill rotWithShape="0">
+                  <a:blip r:embed="rId11"/>
+                  <a:stretch>
+                    <a:fillRect l="-30303" r="-69697" b="-17500"/>
+                  </a:stretch>
+                </a:blipFill>
+              </p:spPr>
+              <p:txBody>
+                <a:bodyPr/>
+                <a:lstStyle/>
+                <a:p>
+                  <a:r>
+                    <a:rPr lang="es-ES_tradnl">
+                      <a:noFill/>
+                    </a:rPr>
+                    <a:t> </a:t>
+                  </a:r>
+                </a:p>
+              </p:txBody>
+            </p:sp>
+          </mc:Fallback>
+        </mc:AlternateContent>
+        <p:sp>
+          <p:nvSpPr>
+            <p:cNvPr id="32" name="CuadroTexto 31"/>
+            <p:cNvSpPr txBox="1"/>
+            <p:nvPr/>
+          </p:nvSpPr>
+          <p:spPr>
+            <a:xfrm>
+              <a:off x="4855478" y="1776400"/>
+              <a:ext cx="563055" cy="307777"/>
+            </a:xfrm>
+            <a:prstGeom prst="rect">
+              <a:avLst/>
+            </a:prstGeom>
+            <a:noFill/>
+          </p:spPr>
+          <p:txBody>
+            <a:bodyPr wrap="square" rtlCol="0">
+              <a:spAutoFit/>
+            </a:bodyPr>
+            <a:lstStyle/>
+            <a:p>
+              <a:pPr algn="ctr"/>
+              <a:r>
+                <a:rPr lang="es-ES_tradnl" sz="1400">
+                  <a:solidFill>
+                    <a:srgbClr val="00B0F0"/>
+                  </a:solidFill>
+                  <a:latin typeface="Times New Roman" charset="0"/>
+                  <a:ea typeface="Times New Roman" charset="0"/>
+                  <a:cs typeface="Times New Roman" charset="0"/>
+                </a:rPr>
+                <a:t>CM</a:t>
+              </a:r>
+            </a:p>
+          </p:txBody>
+        </p:sp>
+        <p:cxnSp>
+          <p:nvCxnSpPr>
+            <p:cNvPr id="50" name="Conector recto de flecha 49"/>
+            <p:cNvCxnSpPr/>
+            <p:nvPr/>
+          </p:nvCxnSpPr>
+          <p:spPr>
+            <a:xfrm flipV="1">
+              <a:off x="4052328" y="1330088"/>
+              <a:ext cx="2638245" cy="505805"/>
+            </a:xfrm>
+            <a:prstGeom prst="straightConnector1">
+              <a:avLst/>
+            </a:prstGeom>
+            <a:ln w="19050">
+              <a:solidFill>
+                <a:schemeClr val="tx1"/>
+              </a:solidFill>
+              <a:headEnd type="triangle" w="med" len="med"/>
+              <a:tailEnd type="none" w="med" len="med"/>
+            </a:ln>
+          </p:spPr>
+          <p:style>
+            <a:lnRef idx="1">
+              <a:schemeClr val="accent1"/>
+            </a:lnRef>
+            <a:fillRef idx="0">
+              <a:schemeClr val="accent1"/>
+            </a:fillRef>
+            <a:effectRef idx="0">
+              <a:schemeClr val="accent1"/>
+            </a:effectRef>
+            <a:fontRef idx="minor">
+              <a:schemeClr val="tx1"/>
+            </a:fontRef>
+          </p:style>
+        </p:cxnSp>
+        <mc:AlternateContent xmlns:mc="http://schemas.openxmlformats.org/markup-compatibility/2006">
+          <mc:Choice xmlns:a14="http://schemas.microsoft.com/office/drawing/2010/main" Requires="a14">
+            <p:sp>
+              <p:nvSpPr>
+                <p:cNvPr id="52" name="CuadroTexto 51"/>
+                <p:cNvSpPr txBox="1"/>
+                <p:nvPr/>
+              </p:nvSpPr>
+              <p:spPr>
+                <a:xfrm>
+                  <a:off x="4682930" y="1363420"/>
+                  <a:ext cx="865476" cy="184666"/>
+                </a:xfrm>
+                <a:prstGeom prst="rect">
+                  <a:avLst/>
+                </a:prstGeom>
+                <a:noFill/>
+              </p:spPr>
+              <p:txBody>
+                <a:bodyPr wrap="square" lIns="0" tIns="0" rIns="0" bIns="0" rtlCol="0">
+                  <a:spAutoFit/>
+                </a:bodyPr>
+                <a:lstStyle/>
+                <a:p>
+                  <a:pPr algn="ctr"/>
+                  <a14:m>
+                    <m:oMath xmlns:m="http://schemas.openxmlformats.org/officeDocument/2006/math">
+                      <m:acc>
+                        <m:accPr>
+                          <m:chr m:val="⃗"/>
+                          <m:ctrlPr>
+                            <a:rPr lang="en-US" sz="1200" i="1">
+                              <a:latin typeface="Cambria Math" charset="0"/>
+                            </a:rPr>
+                          </m:ctrlPr>
+                        </m:accPr>
+                        <m:e>
+                          <m:r>
+                            <a:rPr lang="es-ES" sz="1200" i="1">
+                              <a:latin typeface="Cambria Math" charset="0"/>
+                            </a:rPr>
+                            <m:t>𝑟</m:t>
+                          </m:r>
+                        </m:e>
+                      </m:acc>
+                      <m:r>
+                        <a:rPr lang="es-ES" sz="1200" b="0" i="1">
+                          <a:latin typeface="Cambria Math" charset="0"/>
+                        </a:rPr>
+                        <m:t>=</m:t>
+                      </m:r>
+                      <m:sSub>
+                        <m:sSubPr>
+                          <m:ctrlPr>
+                            <a:rPr lang="en-US" sz="1200" i="1">
+                              <a:latin typeface="Cambria Math" charset="0"/>
+                            </a:rPr>
+                          </m:ctrlPr>
+                        </m:sSubPr>
+                        <m:e>
+                          <m:acc>
+                            <m:accPr>
+                              <m:chr m:val="⃗"/>
+                              <m:ctrlPr>
+                                <a:rPr lang="en-US" sz="1200" i="1">
+                                  <a:latin typeface="Cambria Math" charset="0"/>
+                                </a:rPr>
+                              </m:ctrlPr>
+                            </m:accPr>
+                            <m:e>
+                              <m:r>
+                                <a:rPr lang="es-ES" sz="1200" i="1">
+                                  <a:latin typeface="Cambria Math" charset="0"/>
+                                </a:rPr>
+                                <m:t>𝑟</m:t>
+                              </m:r>
+                            </m:e>
+                          </m:acc>
+                        </m:e>
+                        <m:sub>
+                          <m:r>
+                            <a:rPr lang="es-ES" sz="1200" b="0" i="1">
+                              <a:latin typeface="Cambria Math" charset="0"/>
+                            </a:rPr>
+                            <m:t>1</m:t>
+                          </m:r>
+                        </m:sub>
+                      </m:sSub>
+                      <m:r>
+                        <a:rPr lang="es-ES" sz="1200" b="0" i="1">
+                          <a:latin typeface="Cambria Math" charset="0"/>
+                        </a:rPr>
+                        <m:t>−</m:t>
+                      </m:r>
+                    </m:oMath>
+                  </a14:m>
+                  <a:r>
+                    <a:rPr lang="en-US" sz="1200"/>
+                    <a:t> </a:t>
+                  </a:r>
+                  <a14:m>
+                    <m:oMath xmlns:m="http://schemas.openxmlformats.org/officeDocument/2006/math">
+                      <m:sSub>
+                        <m:sSubPr>
+                          <m:ctrlPr>
+                            <a:rPr lang="en-US" sz="1200" i="1">
+                              <a:latin typeface="Cambria Math" charset="0"/>
+                            </a:rPr>
+                          </m:ctrlPr>
+                        </m:sSubPr>
+                        <m:e>
+                          <m:acc>
+                            <m:accPr>
+                              <m:chr m:val="⃗"/>
+                              <m:ctrlPr>
+                                <a:rPr lang="en-US" sz="1200" i="1">
+                                  <a:latin typeface="Cambria Math" charset="0"/>
+                                </a:rPr>
+                              </m:ctrlPr>
+                            </m:accPr>
+                            <m:e>
+                              <m:r>
+                                <a:rPr lang="es-ES" sz="1200" i="1">
+                                  <a:latin typeface="Cambria Math" charset="0"/>
+                                </a:rPr>
+                                <m:t>𝑟</m:t>
+                              </m:r>
+                            </m:e>
+                          </m:acc>
+                        </m:e>
+                        <m:sub>
+                          <m:r>
+                            <a:rPr lang="es-ES" sz="1200" b="0" i="1">
+                              <a:latin typeface="Cambria Math" charset="0"/>
+                            </a:rPr>
+                            <m:t>2</m:t>
+                          </m:r>
+                        </m:sub>
+                      </m:sSub>
+                    </m:oMath>
+                  </a14:m>
+                  <a:endParaRPr lang="es-ES_tradnl" sz="1200"/>
+                </a:p>
+              </p:txBody>
+            </p:sp>
+          </mc:Choice>
+          <mc:Fallback>
+            <p:sp>
+              <p:nvSpPr>
+                <p:cNvPr id="52" name="CuadroTexto 51"/>
+                <p:cNvSpPr txBox="1">
+                  <a:spLocks noRot="1" noChangeAspect="1" noMove="1" noResize="1" noEditPoints="1" noAdjustHandles="1" noChangeArrowheads="1" noChangeShapeType="1" noTextEdit="1"/>
+                </p:cNvSpPr>
+                <p:nvPr/>
+              </p:nvSpPr>
+              <p:spPr>
+                <a:xfrm>
+                  <a:off x="4682930" y="1363420"/>
+                  <a:ext cx="865476" cy="184666"/>
+                </a:xfrm>
+                <a:prstGeom prst="rect">
+                  <a:avLst/>
+                </a:prstGeom>
+                <a:blipFill rotWithShape="0">
+                  <a:blip r:embed="rId12"/>
+                  <a:stretch>
+                    <a:fillRect t="-43333" r="-12676" b="-13333"/>
+                  </a:stretch>
+                </a:blipFill>
+              </p:spPr>
+              <p:txBody>
+                <a:bodyPr/>
+                <a:lstStyle/>
+                <a:p>
+                  <a:r>
+                    <a:rPr lang="es-ES_tradnl">
+                      <a:noFill/>
+                    </a:rPr>
+                    <a:t> </a:t>
+                  </a:r>
+                </a:p>
+              </p:txBody>
+            </p:sp>
+          </mc:Fallback>
+        </mc:AlternateContent>
+      </p:grpSp>
     </p:spTree>
     <p:extLst>
       <p:ext uri="{BB962C8B-B14F-4D97-AF65-F5344CB8AC3E}">
-        <p14:creationId xmlns:p14="http://schemas.microsoft.com/office/powerpoint/2010/main" val="37054312"/>
+        <p14:creationId xmlns:p14="http://schemas.microsoft.com/office/powerpoint/2010/main" val="1948328667"/>
       </p:ext>
     </p:extLst>
   </p:cSld>
